--- a/Modbas/Doku/ModBas.pptx
+++ b/Modbas/Doku/ModBas.pptx
@@ -335,7 +335,7 @@
           <a:p>
             <a:fld id="{D338F796-E297-45CA-A62B-51A04DE86EC6}" type="datetimeFigureOut">
               <a:rPr lang="de-DE" smtClean="0"/>
-              <a:t>01.12.2022</a:t>
+              <a:t>02.12.2022</a:t>
             </a:fld>
             <a:endParaRPr lang="de-DE"/>
           </a:p>
@@ -512,7 +512,7 @@
           <a:p>
             <a:fld id="{C4F0A1C8-C3E5-453E-B0DF-36BAC2F5290E}" type="datetimeFigureOut">
               <a:rPr lang="de-DE" smtClean="0"/>
-              <a:t>01.12.2022</a:t>
+              <a:t>02.12.2022</a:t>
             </a:fld>
             <a:endParaRPr lang="de-DE" dirty="0"/>
           </a:p>
@@ -9684,8 +9684,8 @@
           </a:xfrm>
         </p:spPr>
       </p:pic>
-      <mc:AlternateContent xmlns:mc="http://schemas.openxmlformats.org/markup-compatibility/2006" xmlns:a14="http://schemas.microsoft.com/office/drawing/2010/main">
-        <mc:Choice Requires="a14">
+      <mc:AlternateContent xmlns:mc="http://schemas.openxmlformats.org/markup-compatibility/2006">
+        <mc:Choice xmlns:a14="http://schemas.microsoft.com/office/drawing/2010/main" Requires="a14">
           <p:sp>
             <p:nvSpPr>
               <p:cNvPr id="9" name="Content Placeholder 3">
@@ -9905,14 +9905,47 @@
                 <a:pPr lvl="1"/>
                 <a:r>
                   <a:rPr lang="de-DE" dirty="0"/>
-                  <a:t>Pedals werden mit Wert 3 beschrieben</a:t>
+                  <a:t>Sollgeschwindigkeit wird mit Wert 3</a:t>
+                </a:r>
+                <a14:m>
+                  <m:oMath xmlns:m="http://schemas.openxmlformats.org/officeDocument/2006/math">
+                    <m:f>
+                      <m:fPr>
+                        <m:ctrlPr>
+                          <a:rPr lang="de-DE" b="0" i="1" smtClean="0">
+                            <a:latin typeface="Cambria Math" panose="02040503050406030204" pitchFamily="18" charset="0"/>
+                          </a:rPr>
+                        </m:ctrlPr>
+                      </m:fPr>
+                      <m:num>
+                        <m:r>
+                          <a:rPr lang="de-DE" b="0" i="1" smtClean="0">
+                            <a:latin typeface="Cambria Math" panose="02040503050406030204" pitchFamily="18" charset="0"/>
+                          </a:rPr>
+                          <m:t>𝑚</m:t>
+                        </m:r>
+                      </m:num>
+                      <m:den>
+                        <m:r>
+                          <a:rPr lang="de-DE" b="0" i="1" smtClean="0">
+                            <a:latin typeface="Cambria Math" panose="02040503050406030204" pitchFamily="18" charset="0"/>
+                          </a:rPr>
+                          <m:t>𝑠</m:t>
+                        </m:r>
+                      </m:den>
+                    </m:f>
+                  </m:oMath>
+                </a14:m>
+                <a:r>
+                  <a:rPr lang="de-DE" dirty="0"/>
+                  <a:t> beschrieben</a:t>
                 </a:r>
               </a:p>
               <a:p>
                 <a:pPr lvl="1"/>
                 <a:r>
                   <a:rPr lang="de-DE" dirty="0"/>
-                  <a:t>Sprungantwort mit stationärem Wert bei etwa 1,8 </a:t>
+                  <a:t>Sprungantwort mit stationärem Wert bei etwa 1,8</a:t>
                 </a:r>
                 <a14:m>
                   <m:oMath xmlns:m="http://schemas.openxmlformats.org/officeDocument/2006/math">
@@ -9951,7 +9984,7 @@
                 </a14:m>
                 <a:r>
                   <a:rPr lang="de-DE" b="0" dirty="0"/>
-                  <a:t>Maximale Geschwindigkeit </a:t>
+                  <a:t>Maximale Geschwindigkeit bei eingestelltem Lenkwinkel</a:t>
                 </a:r>
               </a:p>
               <a:p>
@@ -9971,7 +10004,40 @@
                 <a:pPr lvl="1"/>
                 <a:r>
                   <a:rPr lang="de-DE" dirty="0"/>
-                  <a:t>Pedals werden mit Wert 0 beschrieben</a:t>
+                  <a:t>Sollgeschwindigkeit wird mit Wert 0</a:t>
+                </a:r>
+                <a14:m>
+                  <m:oMath xmlns:m="http://schemas.openxmlformats.org/officeDocument/2006/math">
+                    <m:f>
+                      <m:fPr>
+                        <m:ctrlPr>
+                          <a:rPr lang="de-DE" b="0" i="1" smtClean="0">
+                            <a:latin typeface="Cambria Math" panose="02040503050406030204" pitchFamily="18" charset="0"/>
+                          </a:rPr>
+                        </m:ctrlPr>
+                      </m:fPr>
+                      <m:num>
+                        <m:r>
+                          <a:rPr lang="de-DE" b="0" i="1" smtClean="0">
+                            <a:latin typeface="Cambria Math" panose="02040503050406030204" pitchFamily="18" charset="0"/>
+                          </a:rPr>
+                          <m:t>𝑚</m:t>
+                        </m:r>
+                      </m:num>
+                      <m:den>
+                        <m:r>
+                          <a:rPr lang="de-DE" b="0" i="1" smtClean="0">
+                            <a:latin typeface="Cambria Math" panose="02040503050406030204" pitchFamily="18" charset="0"/>
+                          </a:rPr>
+                          <m:t>𝑠</m:t>
+                        </m:r>
+                      </m:den>
+                    </m:f>
+                  </m:oMath>
+                </a14:m>
+                <a:r>
+                  <a:rPr lang="de-DE" dirty="0"/>
+                  <a:t> beschrieben</a:t>
                 </a:r>
               </a:p>
               <a:p>
@@ -9979,10 +10045,6 @@
                 <a:r>
                   <a:rPr lang="de-DE" dirty="0"/>
                   <a:t>Sprungantwort mit stationärem Wert 0</a:t>
-                </a:r>
-                <a:r>
-                  <a:rPr lang="de-DE" b="0" dirty="0"/>
-                  <a:t> </a:t>
                 </a:r>
                 <a14:m>
                   <m:oMath xmlns:m="http://schemas.openxmlformats.org/officeDocument/2006/math">
@@ -10033,7 +10095,7 @@
             </p:txBody>
           </p:sp>
         </mc:Choice>
-        <mc:Fallback xmlns="">
+        <mc:Fallback>
           <p:sp>
             <p:nvSpPr>
               <p:cNvPr id="9" name="Content Placeholder 3">
@@ -10059,7 +10121,7 @@
               <a:blipFill>
                 <a:blip r:embed="rId4"/>
                 <a:stretch>
-                  <a:fillRect l="-500" t="-959" r="-416"/>
+                  <a:fillRect l="-500" t="-959"/>
                 </a:stretch>
               </a:blipFill>
             </p:spPr>

--- a/Modbas/Doku/ModBas.pptx
+++ b/Modbas/Doku/ModBas.pptx
@@ -335,7 +335,7 @@
           <a:p>
             <a:fld id="{D338F796-E297-45CA-A62B-51A04DE86EC6}" type="datetimeFigureOut">
               <a:rPr lang="de-DE" smtClean="0"/>
-              <a:t>02.12.2022</a:t>
+              <a:t>03.12.2022</a:t>
             </a:fld>
             <a:endParaRPr lang="de-DE"/>
           </a:p>
@@ -413,7 +413,7 @@
           <a:p>
             <a:fld id="{D7473342-4B16-4649-B223-F22170E43743}" type="slidenum">
               <a:rPr lang="de-DE" smtClean="0"/>
-              <a:t>‹Nr.›</a:t>
+              <a:t>‹#›</a:t>
             </a:fld>
             <a:endParaRPr lang="de-DE"/>
           </a:p>
@@ -512,7 +512,7 @@
           <a:p>
             <a:fld id="{C4F0A1C8-C3E5-453E-B0DF-36BAC2F5290E}" type="datetimeFigureOut">
               <a:rPr lang="de-DE" smtClean="0"/>
-              <a:t>02.12.2022</a:t>
+              <a:t>03.12.2022</a:t>
             </a:fld>
             <a:endParaRPr lang="de-DE" dirty="0"/>
           </a:p>
@@ -670,7 +670,7 @@
           <a:p>
             <a:fld id="{2163F8F1-A50E-4338-81DC-A409571378D0}" type="slidenum">
               <a:rPr lang="de-DE" smtClean="0"/>
-              <a:t>‹Nr.›</a:t>
+              <a:t>‹#›</a:t>
             </a:fld>
             <a:endParaRPr lang="de-DE" dirty="0"/>
           </a:p>
@@ -9684,8 +9684,8 @@
           </a:xfrm>
         </p:spPr>
       </p:pic>
-      <mc:AlternateContent xmlns:mc="http://schemas.openxmlformats.org/markup-compatibility/2006">
-        <mc:Choice xmlns:a14="http://schemas.microsoft.com/office/drawing/2010/main" Requires="a14">
+      <mc:AlternateContent xmlns:mc="http://schemas.openxmlformats.org/markup-compatibility/2006" xmlns:a14="http://schemas.microsoft.com/office/drawing/2010/main">
+        <mc:Choice Requires="a14">
           <p:sp>
             <p:nvSpPr>
               <p:cNvPr id="9" name="Content Placeholder 3">
@@ -10095,7 +10095,7 @@
             </p:txBody>
           </p:sp>
         </mc:Choice>
-        <mc:Fallback>
+        <mc:Fallback xmlns="">
           <p:sp>
             <p:nvSpPr>
               <p:cNvPr id="9" name="Content Placeholder 3">
@@ -16479,8 +16479,8 @@
           </a:p>
         </p:txBody>
       </p:sp>
-      <mc:AlternateContent xmlns:mc="http://schemas.openxmlformats.org/markup-compatibility/2006" xmlns:a14="http://schemas.microsoft.com/office/drawing/2010/main">
-        <mc:Choice Requires="a14">
+      <mc:AlternateContent xmlns:mc="http://schemas.openxmlformats.org/markup-compatibility/2006">
+        <mc:Choice xmlns:a14="http://schemas.microsoft.com/office/drawing/2010/main" Requires="a14">
           <p:sp>
             <p:nvSpPr>
               <p:cNvPr id="3" name="Content Placeholder 2">
@@ -16500,7 +16500,7 @@
             <p:spPr>
               <a:xfrm>
                 <a:off x="0" y="714826"/>
-                <a:ext cx="6528000" cy="5713998"/>
+                <a:ext cx="6816000" cy="5713998"/>
               </a:xfrm>
             </p:spPr>
             <p:txBody>
@@ -16895,14 +16895,14 @@
                 </a:r>
                 <a14:m>
                   <m:oMath xmlns:m="http://schemas.openxmlformats.org/officeDocument/2006/math">
-                    <m:sSub>
-                      <m:sSubPr>
+                    <m:sSubSup>
+                      <m:sSubSupPr>
                         <m:ctrlPr>
                           <a:rPr lang="de-DE" b="0" i="1" smtClean="0">
                             <a:latin typeface="Cambria Math" panose="02040503050406030204" pitchFamily="18" charset="0"/>
                           </a:rPr>
                         </m:ctrlPr>
-                      </m:sSubPr>
+                      </m:sSubSupPr>
                       <m:e>
                         <m:r>
                           <a:rPr lang="de-DE" b="0" i="1" smtClean="0">
@@ -16925,7 +16925,15 @@
                           <m:t>1</m:t>
                         </m:r>
                       </m:sub>
-                    </m:sSub>
+                      <m:sup>
+                        <m:r>
+                          <a:rPr lang="de-DE" b="0" i="1" smtClean="0">
+                            <a:latin typeface="Cambria Math" panose="02040503050406030204" pitchFamily="18" charset="0"/>
+                          </a:rPr>
+                          <m:t>∗</m:t>
+                        </m:r>
+                      </m:sup>
+                    </m:sSubSup>
                     <m:d>
                       <m:dPr>
                         <m:ctrlPr>
@@ -16939,7 +16947,7 @@
                           <a:rPr lang="de-DE" b="0" i="1" smtClean="0">
                             <a:latin typeface="Cambria Math" panose="02040503050406030204" pitchFamily="18" charset="0"/>
                           </a:rPr>
-                          <m:t>𝑠</m:t>
+                          <m:t>𝑧</m:t>
                         </m:r>
                       </m:e>
                     </m:d>
@@ -17222,7 +17230,7 @@
                 <a:endParaRPr lang="de-DE" b="0" dirty="0"/>
               </a:p>
               <a:p>
-                <a:pPr lvl="1"/>
+                <a:pPr lvl="2"/>
                 <a14:m>
                   <m:oMath xmlns:m="http://schemas.openxmlformats.org/officeDocument/2006/math">
                     <m:r>
@@ -17650,7 +17658,7 @@
                 <a:endParaRPr lang="de-DE" b="0" dirty="0"/>
               </a:p>
               <a:p>
-                <a:pPr lvl="1"/>
+                <a:pPr lvl="2"/>
                 <a14:m>
                   <m:oMath xmlns:m="http://schemas.openxmlformats.org/officeDocument/2006/math">
                     <m:d>
@@ -17742,6 +17750,37 @@
                         <a:latin typeface="Cambria Math" panose="02040503050406030204" pitchFamily="18" charset="0"/>
                       </a:rPr>
                       <m:t>=(</m:t>
+                    </m:r>
+                    <m:sSub>
+                      <m:sSubPr>
+                        <m:ctrlPr>
+                          <a:rPr lang="de-DE" b="0" i="1" smtClean="0">
+                            <a:latin typeface="Cambria Math" panose="02040503050406030204" pitchFamily="18" charset="0"/>
+                          </a:rPr>
+                        </m:ctrlPr>
+                      </m:sSubPr>
+                      <m:e>
+                        <m:r>
+                          <a:rPr lang="de-DE" b="0" i="1" smtClean="0">
+                            <a:latin typeface="Cambria Math" panose="02040503050406030204" pitchFamily="18" charset="0"/>
+                          </a:rPr>
+                          <m:t>𝑇</m:t>
+                        </m:r>
+                      </m:e>
+                      <m:sub>
+                        <m:r>
+                          <a:rPr lang="de-DE" b="0" i="1" smtClean="0">
+                            <a:latin typeface="Cambria Math" panose="02040503050406030204" pitchFamily="18" charset="0"/>
+                          </a:rPr>
+                          <m:t>𝐴</m:t>
+                        </m:r>
+                      </m:sub>
+                    </m:sSub>
+                    <m:r>
+                      <a:rPr lang="de-DE" b="0" i="1" smtClean="0">
+                        <a:latin typeface="Cambria Math" panose="02040503050406030204" pitchFamily="18" charset="0"/>
+                      </a:rPr>
+                      <m:t>+</m:t>
                     </m:r>
                     <m:r>
                       <a:rPr lang="de-DE" i="1">
@@ -17771,37 +17810,6 @@
                             <a:latin typeface="Cambria Math" panose="02040503050406030204" pitchFamily="18" charset="0"/>
                           </a:rPr>
                           <m:t>𝑖</m:t>
-                        </m:r>
-                      </m:sub>
-                    </m:sSub>
-                    <m:r>
-                      <a:rPr lang="de-DE" i="1">
-                        <a:latin typeface="Cambria Math" panose="02040503050406030204" pitchFamily="18" charset="0"/>
-                      </a:rPr>
-                      <m:t>+</m:t>
-                    </m:r>
-                    <m:sSub>
-                      <m:sSubPr>
-                        <m:ctrlPr>
-                          <a:rPr lang="de-DE" i="1">
-                            <a:latin typeface="Cambria Math" panose="02040503050406030204" pitchFamily="18" charset="0"/>
-                          </a:rPr>
-                        </m:ctrlPr>
-                      </m:sSubPr>
-                      <m:e>
-                        <m:r>
-                          <a:rPr lang="de-DE" i="1">
-                            <a:latin typeface="Cambria Math" panose="02040503050406030204" pitchFamily="18" charset="0"/>
-                          </a:rPr>
-                          <m:t>𝑇</m:t>
-                        </m:r>
-                      </m:e>
-                      <m:sub>
-                        <m:r>
-                          <a:rPr lang="de-DE" i="1">
-                            <a:latin typeface="Cambria Math" panose="02040503050406030204" pitchFamily="18" charset="0"/>
-                          </a:rPr>
-                          <m:t>𝐴</m:t>
                         </m:r>
                       </m:sub>
                     </m:sSub>
@@ -17964,6 +17972,14 @@
               </a:p>
               <a:p>
                 <a:pPr lvl="1"/>
+                <a:r>
+                  <a:rPr lang="de-DE" dirty="0"/>
+                  <a:t>Rücktransformation</a:t>
+                </a:r>
+                <a:endParaRPr lang="de-DE" b="0" dirty="0"/>
+              </a:p>
+              <a:p>
+                <a:pPr lvl="2"/>
                 <a14:m>
                   <m:oMath xmlns:m="http://schemas.openxmlformats.org/officeDocument/2006/math">
                     <m:r>
@@ -18049,12 +18065,6 @@
                         </m:ctrlPr>
                       </m:dPr>
                       <m:e>
-                        <m:r>
-                          <a:rPr lang="de-DE" b="0" i="1" smtClean="0">
-                            <a:latin typeface="Cambria Math" panose="02040503050406030204" pitchFamily="18" charset="0"/>
-                          </a:rPr>
-                          <m:t>2</m:t>
-                        </m:r>
                         <m:sSub>
                           <m:sSubPr>
                             <m:ctrlPr>
@@ -18076,7 +18086,7 @@
                               <a:rPr lang="de-DE" b="0" i="1" smtClean="0">
                                 <a:latin typeface="Cambria Math" panose="02040503050406030204" pitchFamily="18" charset="0"/>
                               </a:rPr>
-                              <m:t>𝑖</m:t>
+                              <m:t>𝐴</m:t>
                             </m:r>
                           </m:sub>
                         </m:sSub>
@@ -18085,6 +18095,12 @@
                             <a:latin typeface="Cambria Math" panose="02040503050406030204" pitchFamily="18" charset="0"/>
                           </a:rPr>
                           <m:t>+</m:t>
+                        </m:r>
+                        <m:r>
+                          <a:rPr lang="de-DE" b="0" i="1" smtClean="0">
+                            <a:latin typeface="Cambria Math" panose="02040503050406030204" pitchFamily="18" charset="0"/>
+                          </a:rPr>
+                          <m:t>2</m:t>
                         </m:r>
                         <m:sSub>
                           <m:sSubPr>
@@ -18107,7 +18123,7 @@
                               <a:rPr lang="de-DE" b="0" i="1" smtClean="0">
                                 <a:latin typeface="Cambria Math" panose="02040503050406030204" pitchFamily="18" charset="0"/>
                               </a:rPr>
-                              <m:t>𝐴</m:t>
+                              <m:t>𝑖</m:t>
                             </m:r>
                           </m:sub>
                         </m:sSub>
@@ -18277,7 +18293,7 @@
                 <a:endParaRPr lang="de-DE" b="0" dirty="0"/>
               </a:p>
               <a:p>
-                <a:pPr lvl="1"/>
+                <a:pPr lvl="2"/>
                 <a14:m>
                   <m:oMath xmlns:m="http://schemas.openxmlformats.org/officeDocument/2006/math">
                     <m:sSub>
@@ -18311,6 +18327,43 @@
                       </a:rPr>
                       <m:t>=</m:t>
                     </m:r>
+                    <m:sSub>
+                      <m:sSubPr>
+                        <m:ctrlPr>
+                          <a:rPr lang="de-DE" i="1">
+                            <a:latin typeface="Cambria Math" panose="02040503050406030204" pitchFamily="18" charset="0"/>
+                          </a:rPr>
+                        </m:ctrlPr>
+                      </m:sSubPr>
+                      <m:e>
+                        <m:r>
+                          <a:rPr lang="de-DE" i="1">
+                            <a:latin typeface="Cambria Math" panose="02040503050406030204" pitchFamily="18" charset="0"/>
+                          </a:rPr>
+                          <m:t>𝑢</m:t>
+                        </m:r>
+                      </m:e>
+                      <m:sub>
+                        <m:r>
+                          <a:rPr lang="de-DE" i="1">
+                            <a:latin typeface="Cambria Math" panose="02040503050406030204" pitchFamily="18" charset="0"/>
+                          </a:rPr>
+                          <m:t>𝑉𝑝𝑘</m:t>
+                        </m:r>
+                        <m:r>
+                          <a:rPr lang="de-DE" i="1">
+                            <a:latin typeface="Cambria Math" panose="02040503050406030204" pitchFamily="18" charset="0"/>
+                          </a:rPr>
+                          <m:t>−1</m:t>
+                        </m:r>
+                      </m:sub>
+                    </m:sSub>
+                    <m:r>
+                      <a:rPr lang="de-DE" b="0" i="1" smtClean="0">
+                        <a:latin typeface="Cambria Math" panose="02040503050406030204" pitchFamily="18" charset="0"/>
+                      </a:rPr>
+                      <m:t>+</m:t>
+                    </m:r>
                     <m:f>
                       <m:fPr>
                         <m:ctrlPr>
@@ -18320,23 +18373,17 @@
                         </m:ctrlPr>
                       </m:fPr>
                       <m:num>
-                        <m:r>
-                          <a:rPr lang="de-DE" i="1">
-                            <a:latin typeface="Cambria Math" panose="02040503050406030204" pitchFamily="18" charset="0"/>
-                          </a:rPr>
-                          <m:t>2</m:t>
-                        </m:r>
                         <m:sSub>
                           <m:sSubPr>
                             <m:ctrlPr>
-                              <a:rPr lang="de-DE" i="1">
+                              <a:rPr lang="de-DE" b="0" i="1" smtClean="0">
                                 <a:latin typeface="Cambria Math" panose="02040503050406030204" pitchFamily="18" charset="0"/>
                               </a:rPr>
                             </m:ctrlPr>
                           </m:sSubPr>
                           <m:e>
                             <m:r>
-                              <a:rPr lang="de-DE" i="1">
+                              <a:rPr lang="de-DE" b="0" i="1" smtClean="0">
                                 <a:latin typeface="Cambria Math" panose="02040503050406030204" pitchFamily="18" charset="0"/>
                               </a:rPr>
                               <m:t>𝑇</m:t>
@@ -18344,18 +18391,24 @@
                           </m:e>
                           <m:sub>
                             <m:r>
-                              <a:rPr lang="de-DE" i="1">
-                                <a:latin typeface="Cambria Math" panose="02040503050406030204" pitchFamily="18" charset="0"/>
-                              </a:rPr>
-                              <m:t>𝑖</m:t>
+                              <a:rPr lang="de-DE" b="0" i="1" smtClean="0">
+                                <a:latin typeface="Cambria Math" panose="02040503050406030204" pitchFamily="18" charset="0"/>
+                              </a:rPr>
+                              <m:t>𝐴</m:t>
                             </m:r>
                           </m:sub>
                         </m:sSub>
                         <m:r>
+                          <a:rPr lang="de-DE" b="0" i="1" smtClean="0">
+                            <a:latin typeface="Cambria Math" panose="02040503050406030204" pitchFamily="18" charset="0"/>
+                          </a:rPr>
+                          <m:t>+</m:t>
+                        </m:r>
+                        <m:r>
                           <a:rPr lang="de-DE" i="1">
                             <a:latin typeface="Cambria Math" panose="02040503050406030204" pitchFamily="18" charset="0"/>
                           </a:rPr>
-                          <m:t>+</m:t>
+                          <m:t>2</m:t>
                         </m:r>
                         <m:sSub>
                           <m:sSubPr>
@@ -18378,7 +18431,7 @@
                               <a:rPr lang="de-DE" i="1">
                                 <a:latin typeface="Cambria Math" panose="02040503050406030204" pitchFamily="18" charset="0"/>
                               </a:rPr>
-                              <m:t>𝐴</m:t>
+                              <m:t>𝑖</m:t>
                             </m:r>
                           </m:sub>
                         </m:sSub>
@@ -18544,43 +18597,6 @@
                             <a:latin typeface="Cambria Math" panose="02040503050406030204" pitchFamily="18" charset="0"/>
                           </a:rPr>
                           <m:t>𝑘</m:t>
-                        </m:r>
-                        <m:r>
-                          <a:rPr lang="de-DE" i="1">
-                            <a:latin typeface="Cambria Math" panose="02040503050406030204" pitchFamily="18" charset="0"/>
-                          </a:rPr>
-                          <m:t>−1</m:t>
-                        </m:r>
-                      </m:sub>
-                    </m:sSub>
-                    <m:r>
-                      <a:rPr lang="de-DE" b="0" i="1" smtClean="0">
-                        <a:latin typeface="Cambria Math" panose="02040503050406030204" pitchFamily="18" charset="0"/>
-                      </a:rPr>
-                      <m:t>+</m:t>
-                    </m:r>
-                    <m:sSub>
-                      <m:sSubPr>
-                        <m:ctrlPr>
-                          <a:rPr lang="de-DE" i="1">
-                            <a:latin typeface="Cambria Math" panose="02040503050406030204" pitchFamily="18" charset="0"/>
-                          </a:rPr>
-                        </m:ctrlPr>
-                      </m:sSubPr>
-                      <m:e>
-                        <m:r>
-                          <a:rPr lang="de-DE" i="1">
-                            <a:latin typeface="Cambria Math" panose="02040503050406030204" pitchFamily="18" charset="0"/>
-                          </a:rPr>
-                          <m:t>𝑢</m:t>
-                        </m:r>
-                      </m:e>
-                      <m:sub>
-                        <m:r>
-                          <a:rPr lang="de-DE" i="1">
-                            <a:latin typeface="Cambria Math" panose="02040503050406030204" pitchFamily="18" charset="0"/>
-                          </a:rPr>
-                          <m:t>𝑉𝑝𝑘</m:t>
                         </m:r>
                         <m:r>
                           <a:rPr lang="de-DE" i="1">
@@ -18621,7 +18637,7 @@
             </p:txBody>
           </p:sp>
         </mc:Choice>
-        <mc:Fallback xmlns="">
+        <mc:Fallback>
           <p:sp>
             <p:nvSpPr>
               <p:cNvPr id="3" name="Content Placeholder 2">
@@ -18641,12 +18657,12 @@
             <p:spPr>
               <a:xfrm>
                 <a:off x="0" y="714826"/>
-                <a:ext cx="6528000" cy="5713998"/>
+                <a:ext cx="6816000" cy="5713998"/>
               </a:xfrm>
               <a:blipFill>
                 <a:blip r:embed="rId2"/>
                 <a:stretch>
-                  <a:fillRect l="-560" t="-959"/>
+                  <a:fillRect l="-537" t="-959"/>
                 </a:stretch>
               </a:blipFill>
             </p:spPr>

--- a/Modbas/Doku/ModBas.pptx
+++ b/Modbas/Doku/ModBas.pptx
@@ -5,10 +5,10 @@
     <p:sldMasterId id="2147483672" r:id="rId1"/>
   </p:sldMasterIdLst>
   <p:notesMasterIdLst>
-    <p:notesMasterId r:id="rId9"/>
+    <p:notesMasterId r:id="rId10"/>
   </p:notesMasterIdLst>
   <p:handoutMasterIdLst>
-    <p:handoutMasterId r:id="rId10"/>
+    <p:handoutMasterId r:id="rId11"/>
   </p:handoutMasterIdLst>
   <p:sldIdLst>
     <p:sldId id="256" r:id="rId2"/>
@@ -18,6 +18,7 @@
     <p:sldId id="261" r:id="rId6"/>
     <p:sldId id="259" r:id="rId7"/>
     <p:sldId id="262" r:id="rId8"/>
+    <p:sldId id="263" r:id="rId9"/>
   </p:sldIdLst>
   <p:sldSz cx="12192000" cy="6858000"/>
   <p:notesSz cx="6858000" cy="9144000"/>
@@ -16479,8 +16480,8 @@
           </a:p>
         </p:txBody>
       </p:sp>
-      <mc:AlternateContent xmlns:mc="http://schemas.openxmlformats.org/markup-compatibility/2006">
-        <mc:Choice xmlns:a14="http://schemas.microsoft.com/office/drawing/2010/main" Requires="a14">
+      <mc:AlternateContent xmlns:mc="http://schemas.openxmlformats.org/markup-compatibility/2006" xmlns:a14="http://schemas.microsoft.com/office/drawing/2010/main">
+        <mc:Choice Requires="a14">
           <p:sp>
             <p:nvSpPr>
               <p:cNvPr id="3" name="Content Placeholder 2">
@@ -18094,13 +18095,7 @@
                           <a:rPr lang="de-DE" b="0" i="1" smtClean="0">
                             <a:latin typeface="Cambria Math" panose="02040503050406030204" pitchFamily="18" charset="0"/>
                           </a:rPr>
-                          <m:t>+</m:t>
-                        </m:r>
-                        <m:r>
-                          <a:rPr lang="de-DE" b="0" i="1" smtClean="0">
-                            <a:latin typeface="Cambria Math" panose="02040503050406030204" pitchFamily="18" charset="0"/>
-                          </a:rPr>
-                          <m:t>2</m:t>
+                          <m:t>+2</m:t>
                         </m:r>
                         <m:sSub>
                           <m:sSubPr>
@@ -18637,7 +18632,7 @@
             </p:txBody>
           </p:sp>
         </mc:Choice>
-        <mc:Fallback>
+        <mc:Fallback xmlns="">
           <p:sp>
             <p:nvSpPr>
               <p:cNvPr id="3" name="Content Placeholder 2">
@@ -18729,6 +18724,1267 @@
     <p:extLst>
       <p:ext uri="{BB962C8B-B14F-4D97-AF65-F5344CB8AC3E}">
         <p14:creationId xmlns:p14="http://schemas.microsoft.com/office/powerpoint/2010/main" val="523515382"/>
+      </p:ext>
+    </p:extLst>
+  </p:cSld>
+  <p:clrMapOvr>
+    <a:masterClrMapping/>
+  </p:clrMapOvr>
+</p:sld>
+</file>
+
+<file path=ppt/slides/slide8.xml><?xml version="1.0" encoding="utf-8"?>
+<p:sld xmlns:a="http://schemas.openxmlformats.org/drawingml/2006/main" xmlns:r="http://schemas.openxmlformats.org/officeDocument/2006/relationships" xmlns:p="http://schemas.openxmlformats.org/presentationml/2006/main">
+  <p:cSld>
+    <p:spTree>
+      <p:nvGrpSpPr>
+        <p:cNvPr id="1" name=""/>
+        <p:cNvGrpSpPr/>
+        <p:nvPr/>
+      </p:nvGrpSpPr>
+      <p:grpSpPr>
+        <a:xfrm>
+          <a:off x="0" y="0"/>
+          <a:ext cx="0" cy="0"/>
+          <a:chOff x="0" y="0"/>
+          <a:chExt cx="0" cy="0"/>
+        </a:xfrm>
+      </p:grpSpPr>
+      <p:sp>
+        <p:nvSpPr>
+          <p:cNvPr id="2" name="Title 1">
+            <a:extLst>
+              <a:ext uri="{FF2B5EF4-FFF2-40B4-BE49-F238E27FC236}">
+                <a16:creationId xmlns:a16="http://schemas.microsoft.com/office/drawing/2014/main" id="{60482AC2-F1D1-C958-9E42-C2C074C9E10D}"/>
+              </a:ext>
+            </a:extLst>
+          </p:cNvPr>
+          <p:cNvSpPr>
+            <a:spLocks noGrp="1"/>
+          </p:cNvSpPr>
+          <p:nvPr>
+            <p:ph type="title"/>
+          </p:nvPr>
+        </p:nvSpPr>
+        <p:spPr/>
+        <p:txBody>
+          <a:bodyPr/>
+          <a:lstStyle/>
+          <a:p>
+            <a:r>
+              <a:rPr lang="de-DE" dirty="0"/>
+              <a:t>8.1 Gerade Bahnkurve</a:t>
+            </a:r>
+            <a:endParaRPr lang="en-US" dirty="0"/>
+          </a:p>
+        </p:txBody>
+      </p:sp>
+      <mc:AlternateContent xmlns:mc="http://schemas.openxmlformats.org/markup-compatibility/2006">
+        <mc:Choice xmlns:a14="http://schemas.microsoft.com/office/drawing/2010/main" Requires="a14">
+          <p:sp>
+            <p:nvSpPr>
+              <p:cNvPr id="3" name="Content Placeholder 2">
+                <a:extLst>
+                  <a:ext uri="{FF2B5EF4-FFF2-40B4-BE49-F238E27FC236}">
+                    <a16:creationId xmlns:a16="http://schemas.microsoft.com/office/drawing/2014/main" id="{8A7D6235-C69E-09B6-17CE-AFDD864D6BA3}"/>
+                  </a:ext>
+                </a:extLst>
+              </p:cNvPr>
+              <p:cNvSpPr>
+                <a:spLocks noGrp="1"/>
+              </p:cNvSpPr>
+              <p:nvPr>
+                <p:ph idx="1"/>
+              </p:nvPr>
+            </p:nvSpPr>
+            <p:spPr/>
+            <p:txBody>
+              <a:bodyPr/>
+              <a:lstStyle/>
+              <a:p>
+                <a:r>
+                  <a:rPr lang="de-DE" dirty="0"/>
+                  <a:t>a)</a:t>
+                </a:r>
+                <a:r>
+                  <a:rPr lang="de-DE" dirty="0">
+                    <a:latin typeface="+mn-lt"/>
+                  </a:rPr>
+                  <a:t> </a:t>
+                </a:r>
+              </a:p>
+              <a:p>
+                <a:pPr lvl="1"/>
+                <a14:m>
+                  <m:oMath xmlns:m="http://schemas.openxmlformats.org/officeDocument/2006/math">
+                    <m:r>
+                      <a:rPr lang="de-DE" b="1" i="1" smtClean="0">
+                        <a:latin typeface="Cambria Math" panose="02040503050406030204" pitchFamily="18" charset="0"/>
+                      </a:rPr>
+                      <m:t>𝒔</m:t>
+                    </m:r>
+                    <m:d>
+                      <m:dPr>
+                        <m:ctrlPr>
+                          <a:rPr lang="de-DE" b="0" i="1" smtClean="0">
+                            <a:latin typeface="Cambria Math" panose="02040503050406030204" pitchFamily="18" charset="0"/>
+                          </a:rPr>
+                        </m:ctrlPr>
+                      </m:dPr>
+                      <m:e>
+                        <m:r>
+                          <a:rPr lang="de-DE" b="0" i="1" smtClean="0">
+                            <a:latin typeface="Cambria Math" panose="02040503050406030204" pitchFamily="18" charset="0"/>
+                          </a:rPr>
+                          <m:t>𝑥</m:t>
+                        </m:r>
+                      </m:e>
+                    </m:d>
+                    <m:r>
+                      <a:rPr lang="de-DE" b="0" i="1" smtClean="0">
+                        <a:latin typeface="Cambria Math" panose="02040503050406030204" pitchFamily="18" charset="0"/>
+                      </a:rPr>
+                      <m:t>=</m:t>
+                    </m:r>
+                    <m:sSub>
+                      <m:sSubPr>
+                        <m:ctrlPr>
+                          <a:rPr lang="de-DE" b="1" i="1" smtClean="0">
+                            <a:latin typeface="Cambria Math" panose="02040503050406030204" pitchFamily="18" charset="0"/>
+                          </a:rPr>
+                        </m:ctrlPr>
+                      </m:sSubPr>
+                      <m:e>
+                        <m:r>
+                          <a:rPr lang="de-DE" b="1" i="1" smtClean="0">
+                            <a:latin typeface="Cambria Math" panose="02040503050406030204" pitchFamily="18" charset="0"/>
+                          </a:rPr>
+                          <m:t>𝒔</m:t>
+                        </m:r>
+                      </m:e>
+                      <m:sub>
+                        <m:r>
+                          <a:rPr lang="de-DE" b="1" i="1" smtClean="0">
+                            <a:latin typeface="Cambria Math" panose="02040503050406030204" pitchFamily="18" charset="0"/>
+                          </a:rPr>
+                          <m:t>𝟎</m:t>
+                        </m:r>
+                      </m:sub>
+                    </m:sSub>
+                    <m:r>
+                      <a:rPr lang="de-DE" b="0" i="1" smtClean="0">
+                        <a:latin typeface="Cambria Math" panose="02040503050406030204" pitchFamily="18" charset="0"/>
+                      </a:rPr>
+                      <m:t>+</m:t>
+                    </m:r>
+                    <m:d>
+                      <m:dPr>
+                        <m:begChr m:val="["/>
+                        <m:endChr m:val="]"/>
+                        <m:ctrlPr>
+                          <a:rPr lang="de-DE" b="0" i="1" smtClean="0">
+                            <a:latin typeface="Cambria Math" panose="02040503050406030204" pitchFamily="18" charset="0"/>
+                          </a:rPr>
+                        </m:ctrlPr>
+                      </m:dPr>
+                      <m:e>
+                        <m:eqArr>
+                          <m:eqArrPr>
+                            <m:ctrlPr>
+                              <a:rPr lang="de-DE" b="0" i="1" smtClean="0">
+                                <a:latin typeface="Cambria Math" panose="02040503050406030204" pitchFamily="18" charset="0"/>
+                              </a:rPr>
+                            </m:ctrlPr>
+                          </m:eqArrPr>
+                          <m:e>
+                            <m:eqArr>
+                              <m:eqArrPr>
+                                <m:ctrlPr>
+                                  <a:rPr lang="de-DE" b="0" i="1" smtClean="0">
+                                    <a:latin typeface="Cambria Math" panose="02040503050406030204" pitchFamily="18" charset="0"/>
+                                  </a:rPr>
+                                </m:ctrlPr>
+                              </m:eqArrPr>
+                              <m:e>
+                                <m:r>
+                                  <m:rPr>
+                                    <m:sty m:val="p"/>
+                                  </m:rPr>
+                                  <a:rPr lang="de-DE" b="0" i="0" smtClean="0">
+                                    <a:latin typeface="Cambria Math" panose="02040503050406030204" pitchFamily="18" charset="0"/>
+                                  </a:rPr>
+                                  <m:t>cos</m:t>
+                                </m:r>
+                                <m:r>
+                                  <a:rPr lang="de-DE" b="0" i="1" smtClean="0">
+                                    <a:latin typeface="Cambria Math" panose="02040503050406030204" pitchFamily="18" charset="0"/>
+                                  </a:rPr>
+                                  <m:t>⁡(</m:t>
+                                </m:r>
+                                <m:sSub>
+                                  <m:sSubPr>
+                                    <m:ctrlPr>
+                                      <a:rPr lang="de-DE" b="0" i="1" smtClean="0">
+                                        <a:latin typeface="Cambria Math" panose="02040503050406030204" pitchFamily="18" charset="0"/>
+                                      </a:rPr>
+                                    </m:ctrlPr>
+                                  </m:sSubPr>
+                                  <m:e>
+                                    <m:r>
+                                      <a:rPr lang="de-DE" b="0" i="1" smtClean="0">
+                                        <a:latin typeface="Cambria Math" panose="02040503050406030204" pitchFamily="18" charset="0"/>
+                                      </a:rPr>
+                                      <m:t>𝜓</m:t>
+                                    </m:r>
+                                  </m:e>
+                                  <m:sub>
+                                    <m:r>
+                                      <a:rPr lang="de-DE" b="0" i="1" smtClean="0">
+                                        <a:latin typeface="Cambria Math" panose="02040503050406030204" pitchFamily="18" charset="0"/>
+                                      </a:rPr>
+                                      <m:t>0</m:t>
+                                    </m:r>
+                                  </m:sub>
+                                </m:sSub>
+                                <m:r>
+                                  <a:rPr lang="de-DE" b="0" i="1" smtClean="0">
+                                    <a:latin typeface="Cambria Math" panose="02040503050406030204" pitchFamily="18" charset="0"/>
+                                  </a:rPr>
+                                  <m:t>)</m:t>
+                                </m:r>
+                              </m:e>
+                              <m:e>
+                                <m:func>
+                                  <m:funcPr>
+                                    <m:ctrlPr>
+                                      <a:rPr lang="de-DE" b="0" i="1" smtClean="0">
+                                        <a:latin typeface="Cambria Math" panose="02040503050406030204" pitchFamily="18" charset="0"/>
+                                      </a:rPr>
+                                    </m:ctrlPr>
+                                  </m:funcPr>
+                                  <m:fName>
+                                    <m:r>
+                                      <m:rPr>
+                                        <m:sty m:val="p"/>
+                                      </m:rPr>
+                                      <a:rPr lang="de-DE" b="0" i="0" smtClean="0">
+                                        <a:latin typeface="Cambria Math" panose="02040503050406030204" pitchFamily="18" charset="0"/>
+                                      </a:rPr>
+                                      <m:t>sin</m:t>
+                                    </m:r>
+                                  </m:fName>
+                                  <m:e>
+                                    <m:d>
+                                      <m:dPr>
+                                        <m:ctrlPr>
+                                          <a:rPr lang="de-DE" b="0" i="1" smtClean="0">
+                                            <a:latin typeface="Cambria Math" panose="02040503050406030204" pitchFamily="18" charset="0"/>
+                                          </a:rPr>
+                                        </m:ctrlPr>
+                                      </m:dPr>
+                                      <m:e>
+                                        <m:sSub>
+                                          <m:sSubPr>
+                                            <m:ctrlPr>
+                                              <a:rPr lang="de-DE" b="0" i="1" smtClean="0">
+                                                <a:latin typeface="Cambria Math" panose="02040503050406030204" pitchFamily="18" charset="0"/>
+                                              </a:rPr>
+                                            </m:ctrlPr>
+                                          </m:sSubPr>
+                                          <m:e>
+                                            <m:r>
+                                              <a:rPr lang="de-DE" b="0" i="1" smtClean="0">
+                                                <a:latin typeface="Cambria Math" panose="02040503050406030204" pitchFamily="18" charset="0"/>
+                                              </a:rPr>
+                                              <m:t>𝜓</m:t>
+                                            </m:r>
+                                          </m:e>
+                                          <m:sub>
+                                            <m:r>
+                                              <a:rPr lang="de-DE" b="0" i="1" smtClean="0">
+                                                <a:latin typeface="Cambria Math" panose="02040503050406030204" pitchFamily="18" charset="0"/>
+                                              </a:rPr>
+                                              <m:t>0</m:t>
+                                            </m:r>
+                                          </m:sub>
+                                        </m:sSub>
+                                      </m:e>
+                                    </m:d>
+                                  </m:e>
+                                </m:func>
+                              </m:e>
+                            </m:eqArr>
+                          </m:e>
+                          <m:e>
+                            <m:r>
+                              <a:rPr lang="de-DE" b="0" i="1" smtClean="0">
+                                <a:latin typeface="Cambria Math" panose="02040503050406030204" pitchFamily="18" charset="0"/>
+                              </a:rPr>
+                              <m:t>0</m:t>
+                            </m:r>
+                          </m:e>
+                        </m:eqArr>
+                      </m:e>
+                    </m:d>
+                    <m:r>
+                      <a:rPr lang="de-DE" b="0" i="1" smtClean="0">
+                        <a:latin typeface="Cambria Math" panose="02040503050406030204" pitchFamily="18" charset="0"/>
+                      </a:rPr>
+                      <m:t>𝑥</m:t>
+                    </m:r>
+                    <m:r>
+                      <a:rPr lang="de-DE" b="0" i="1" smtClean="0">
+                        <a:latin typeface="Cambria Math" panose="02040503050406030204" pitchFamily="18" charset="0"/>
+                      </a:rPr>
+                      <m:t>     ; </m:t>
+                    </m:r>
+                    <m:r>
+                      <a:rPr lang="de-DE" b="0" i="1" smtClean="0">
+                        <a:latin typeface="Cambria Math" panose="02040503050406030204" pitchFamily="18" charset="0"/>
+                      </a:rPr>
+                      <m:t>𝑥</m:t>
+                    </m:r>
+                    <m:r>
+                      <a:rPr lang="de-DE" b="0" i="1" smtClean="0">
+                        <a:latin typeface="Cambria Math" panose="02040503050406030204" pitchFamily="18" charset="0"/>
+                        <a:ea typeface="Cambria Math" panose="02040503050406030204" pitchFamily="18" charset="0"/>
+                      </a:rPr>
+                      <m:t>∈[0,</m:t>
+                    </m:r>
+                    <m:sSub>
+                      <m:sSubPr>
+                        <m:ctrlPr>
+                          <a:rPr lang="de-DE" b="0" i="1" smtClean="0">
+                            <a:latin typeface="Cambria Math" panose="02040503050406030204" pitchFamily="18" charset="0"/>
+                            <a:ea typeface="Cambria Math" panose="02040503050406030204" pitchFamily="18" charset="0"/>
+                          </a:rPr>
+                        </m:ctrlPr>
+                      </m:sSubPr>
+                      <m:e>
+                        <m:r>
+                          <a:rPr lang="de-DE" b="0" i="1" smtClean="0">
+                            <a:latin typeface="Cambria Math" panose="02040503050406030204" pitchFamily="18" charset="0"/>
+                            <a:ea typeface="Cambria Math" panose="02040503050406030204" pitchFamily="18" charset="0"/>
+                          </a:rPr>
+                          <m:t>𝑥</m:t>
+                        </m:r>
+                      </m:e>
+                      <m:sub>
+                        <m:r>
+                          <a:rPr lang="de-DE" b="0" i="1" smtClean="0">
+                            <a:latin typeface="Cambria Math" panose="02040503050406030204" pitchFamily="18" charset="0"/>
+                            <a:ea typeface="Cambria Math" panose="02040503050406030204" pitchFamily="18" charset="0"/>
+                          </a:rPr>
+                          <m:t>𝐸</m:t>
+                        </m:r>
+                      </m:sub>
+                    </m:sSub>
+                    <m:r>
+                      <a:rPr lang="de-DE" b="0" i="1" smtClean="0">
+                        <a:latin typeface="Cambria Math" panose="02040503050406030204" pitchFamily="18" charset="0"/>
+                        <a:ea typeface="Cambria Math" panose="02040503050406030204" pitchFamily="18" charset="0"/>
+                      </a:rPr>
+                      <m:t>]</m:t>
+                    </m:r>
+                  </m:oMath>
+                </a14:m>
+                <a:endParaRPr lang="en-US" dirty="0"/>
+              </a:p>
+              <a:p>
+                <a:r>
+                  <a:rPr lang="de-DE" dirty="0"/>
+                  <a:t>b)</a:t>
+                </a:r>
+              </a:p>
+              <a:p>
+                <a:pPr lvl="1"/>
+                <a14:m>
+                  <m:oMath xmlns:m="http://schemas.openxmlformats.org/officeDocument/2006/math">
+                    <m:r>
+                      <a:rPr lang="de-DE" b="1" i="1" smtClean="0">
+                        <a:latin typeface="Cambria Math" panose="02040503050406030204" pitchFamily="18" charset="0"/>
+                      </a:rPr>
+                      <m:t>𝒕</m:t>
+                    </m:r>
+                    <m:d>
+                      <m:dPr>
+                        <m:ctrlPr>
+                          <a:rPr lang="de-DE" b="0" i="1" smtClean="0">
+                            <a:latin typeface="Cambria Math" panose="02040503050406030204" pitchFamily="18" charset="0"/>
+                          </a:rPr>
+                        </m:ctrlPr>
+                      </m:dPr>
+                      <m:e>
+                        <m:r>
+                          <a:rPr lang="de-DE" b="0" i="1" smtClean="0">
+                            <a:latin typeface="Cambria Math" panose="02040503050406030204" pitchFamily="18" charset="0"/>
+                          </a:rPr>
+                          <m:t>𝑥</m:t>
+                        </m:r>
+                      </m:e>
+                    </m:d>
+                    <m:r>
+                      <a:rPr lang="de-DE" b="0" i="1" smtClean="0">
+                        <a:latin typeface="Cambria Math" panose="02040503050406030204" pitchFamily="18" charset="0"/>
+                      </a:rPr>
+                      <m:t>=</m:t>
+                    </m:r>
+                    <m:f>
+                      <m:fPr>
+                        <m:ctrlPr>
+                          <a:rPr lang="de-DE" b="0" i="1" smtClean="0">
+                            <a:latin typeface="Cambria Math" panose="02040503050406030204" pitchFamily="18" charset="0"/>
+                          </a:rPr>
+                        </m:ctrlPr>
+                      </m:fPr>
+                      <m:num>
+                        <m:r>
+                          <a:rPr lang="de-DE" b="0" i="1" smtClean="0">
+                            <a:latin typeface="Cambria Math" panose="02040503050406030204" pitchFamily="18" charset="0"/>
+                          </a:rPr>
+                          <m:t>𝑑</m:t>
+                        </m:r>
+                        <m:r>
+                          <a:rPr lang="de-DE" b="1" i="1" smtClean="0">
+                            <a:latin typeface="Cambria Math" panose="02040503050406030204" pitchFamily="18" charset="0"/>
+                          </a:rPr>
+                          <m:t>𝒔</m:t>
+                        </m:r>
+                      </m:num>
+                      <m:den>
+                        <m:r>
+                          <a:rPr lang="de-DE" b="0" i="1" smtClean="0">
+                            <a:latin typeface="Cambria Math" panose="02040503050406030204" pitchFamily="18" charset="0"/>
+                          </a:rPr>
+                          <m:t>𝑑𝑥</m:t>
+                        </m:r>
+                      </m:den>
+                    </m:f>
+                    <m:r>
+                      <a:rPr lang="de-DE" b="0" i="1" smtClean="0">
+                        <a:latin typeface="Cambria Math" panose="02040503050406030204" pitchFamily="18" charset="0"/>
+                      </a:rPr>
+                      <m:t>=</m:t>
+                    </m:r>
+                  </m:oMath>
+                </a14:m>
+                <a:r>
+                  <a:rPr lang="de-DE" dirty="0"/>
+                  <a:t> </a:t>
+                </a:r>
+                <a14:m>
+                  <m:oMath xmlns:m="http://schemas.openxmlformats.org/officeDocument/2006/math">
+                    <m:d>
+                      <m:dPr>
+                        <m:begChr m:val="["/>
+                        <m:endChr m:val="]"/>
+                        <m:ctrlPr>
+                          <a:rPr lang="de-DE" i="1">
+                            <a:latin typeface="Cambria Math" panose="02040503050406030204" pitchFamily="18" charset="0"/>
+                          </a:rPr>
+                        </m:ctrlPr>
+                      </m:dPr>
+                      <m:e>
+                        <m:eqArr>
+                          <m:eqArrPr>
+                            <m:ctrlPr>
+                              <a:rPr lang="de-DE" i="1">
+                                <a:latin typeface="Cambria Math" panose="02040503050406030204" pitchFamily="18" charset="0"/>
+                              </a:rPr>
+                            </m:ctrlPr>
+                          </m:eqArrPr>
+                          <m:e>
+                            <m:eqArr>
+                              <m:eqArrPr>
+                                <m:ctrlPr>
+                                  <a:rPr lang="de-DE" i="1">
+                                    <a:latin typeface="Cambria Math" panose="02040503050406030204" pitchFamily="18" charset="0"/>
+                                  </a:rPr>
+                                </m:ctrlPr>
+                              </m:eqArrPr>
+                              <m:e>
+                                <m:r>
+                                  <m:rPr>
+                                    <m:sty m:val="p"/>
+                                  </m:rPr>
+                                  <a:rPr lang="de-DE">
+                                    <a:latin typeface="Cambria Math" panose="02040503050406030204" pitchFamily="18" charset="0"/>
+                                  </a:rPr>
+                                  <m:t>cos</m:t>
+                                </m:r>
+                                <m:r>
+                                  <a:rPr lang="de-DE" i="1">
+                                    <a:latin typeface="Cambria Math" panose="02040503050406030204" pitchFamily="18" charset="0"/>
+                                  </a:rPr>
+                                  <m:t>⁡(</m:t>
+                                </m:r>
+                                <m:sSub>
+                                  <m:sSubPr>
+                                    <m:ctrlPr>
+                                      <a:rPr lang="de-DE" i="1">
+                                        <a:latin typeface="Cambria Math" panose="02040503050406030204" pitchFamily="18" charset="0"/>
+                                      </a:rPr>
+                                    </m:ctrlPr>
+                                  </m:sSubPr>
+                                  <m:e>
+                                    <m:r>
+                                      <a:rPr lang="de-DE" i="1">
+                                        <a:latin typeface="Cambria Math" panose="02040503050406030204" pitchFamily="18" charset="0"/>
+                                      </a:rPr>
+                                      <m:t>𝜓</m:t>
+                                    </m:r>
+                                  </m:e>
+                                  <m:sub>
+                                    <m:r>
+                                      <a:rPr lang="de-DE" i="1">
+                                        <a:latin typeface="Cambria Math" panose="02040503050406030204" pitchFamily="18" charset="0"/>
+                                      </a:rPr>
+                                      <m:t>0</m:t>
+                                    </m:r>
+                                  </m:sub>
+                                </m:sSub>
+                                <m:r>
+                                  <a:rPr lang="de-DE" i="1">
+                                    <a:latin typeface="Cambria Math" panose="02040503050406030204" pitchFamily="18" charset="0"/>
+                                  </a:rPr>
+                                  <m:t>)</m:t>
+                                </m:r>
+                              </m:e>
+                              <m:e>
+                                <m:func>
+                                  <m:funcPr>
+                                    <m:ctrlPr>
+                                      <a:rPr lang="de-DE" i="1">
+                                        <a:latin typeface="Cambria Math" panose="02040503050406030204" pitchFamily="18" charset="0"/>
+                                      </a:rPr>
+                                    </m:ctrlPr>
+                                  </m:funcPr>
+                                  <m:fName>
+                                    <m:r>
+                                      <m:rPr>
+                                        <m:sty m:val="p"/>
+                                      </m:rPr>
+                                      <a:rPr lang="de-DE">
+                                        <a:latin typeface="Cambria Math" panose="02040503050406030204" pitchFamily="18" charset="0"/>
+                                      </a:rPr>
+                                      <m:t>sin</m:t>
+                                    </m:r>
+                                  </m:fName>
+                                  <m:e>
+                                    <m:d>
+                                      <m:dPr>
+                                        <m:ctrlPr>
+                                          <a:rPr lang="de-DE" i="1">
+                                            <a:latin typeface="Cambria Math" panose="02040503050406030204" pitchFamily="18" charset="0"/>
+                                          </a:rPr>
+                                        </m:ctrlPr>
+                                      </m:dPr>
+                                      <m:e>
+                                        <m:sSub>
+                                          <m:sSubPr>
+                                            <m:ctrlPr>
+                                              <a:rPr lang="de-DE" i="1">
+                                                <a:latin typeface="Cambria Math" panose="02040503050406030204" pitchFamily="18" charset="0"/>
+                                              </a:rPr>
+                                            </m:ctrlPr>
+                                          </m:sSubPr>
+                                          <m:e>
+                                            <m:r>
+                                              <a:rPr lang="de-DE" i="1">
+                                                <a:latin typeface="Cambria Math" panose="02040503050406030204" pitchFamily="18" charset="0"/>
+                                              </a:rPr>
+                                              <m:t>𝜓</m:t>
+                                            </m:r>
+                                          </m:e>
+                                          <m:sub>
+                                            <m:r>
+                                              <a:rPr lang="de-DE" i="1">
+                                                <a:latin typeface="Cambria Math" panose="02040503050406030204" pitchFamily="18" charset="0"/>
+                                              </a:rPr>
+                                              <m:t>0</m:t>
+                                            </m:r>
+                                          </m:sub>
+                                        </m:sSub>
+                                      </m:e>
+                                    </m:d>
+                                  </m:e>
+                                </m:func>
+                              </m:e>
+                            </m:eqArr>
+                          </m:e>
+                          <m:e>
+                            <m:r>
+                              <a:rPr lang="de-DE" i="1">
+                                <a:latin typeface="Cambria Math" panose="02040503050406030204" pitchFamily="18" charset="0"/>
+                              </a:rPr>
+                              <m:t>0</m:t>
+                            </m:r>
+                          </m:e>
+                        </m:eqArr>
+                      </m:e>
+                    </m:d>
+                  </m:oMath>
+                </a14:m>
+                <a:endParaRPr lang="en-US" dirty="0"/>
+              </a:p>
+              <a:p>
+                <a:pPr lvl="2"/>
+                <a14:m>
+                  <m:oMath xmlns:m="http://schemas.openxmlformats.org/officeDocument/2006/math">
+                    <m:f>
+                      <m:fPr>
+                        <m:ctrlPr>
+                          <a:rPr lang="de-DE" i="1">
+                            <a:latin typeface="Cambria Math" panose="02040503050406030204" pitchFamily="18" charset="0"/>
+                          </a:rPr>
+                        </m:ctrlPr>
+                      </m:fPr>
+                      <m:num>
+                        <m:sSup>
+                          <m:sSupPr>
+                            <m:ctrlPr>
+                              <a:rPr lang="de-DE" i="1">
+                                <a:latin typeface="Cambria Math" panose="02040503050406030204" pitchFamily="18" charset="0"/>
+                              </a:rPr>
+                            </m:ctrlPr>
+                          </m:sSupPr>
+                          <m:e>
+                            <m:r>
+                              <a:rPr lang="de-DE" i="1">
+                                <a:latin typeface="Cambria Math" panose="02040503050406030204" pitchFamily="18" charset="0"/>
+                              </a:rPr>
+                              <m:t>𝑑</m:t>
+                            </m:r>
+                          </m:e>
+                          <m:sup>
+                            <m:r>
+                              <a:rPr lang="de-DE" i="1">
+                                <a:latin typeface="Cambria Math" panose="02040503050406030204" pitchFamily="18" charset="0"/>
+                              </a:rPr>
+                              <m:t>2</m:t>
+                            </m:r>
+                          </m:sup>
+                        </m:sSup>
+                        <m:r>
+                          <a:rPr lang="de-DE" b="1" i="1">
+                            <a:latin typeface="Cambria Math" panose="02040503050406030204" pitchFamily="18" charset="0"/>
+                          </a:rPr>
+                          <m:t>𝒔</m:t>
+                        </m:r>
+                      </m:num>
+                      <m:den>
+                        <m:r>
+                          <a:rPr lang="de-DE" i="1">
+                            <a:latin typeface="Cambria Math" panose="02040503050406030204" pitchFamily="18" charset="0"/>
+                          </a:rPr>
+                          <m:t>𝑑</m:t>
+                        </m:r>
+                        <m:sSup>
+                          <m:sSupPr>
+                            <m:ctrlPr>
+                              <a:rPr lang="de-DE" i="1">
+                                <a:latin typeface="Cambria Math" panose="02040503050406030204" pitchFamily="18" charset="0"/>
+                              </a:rPr>
+                            </m:ctrlPr>
+                          </m:sSupPr>
+                          <m:e>
+                            <m:r>
+                              <a:rPr lang="de-DE" i="1">
+                                <a:latin typeface="Cambria Math" panose="02040503050406030204" pitchFamily="18" charset="0"/>
+                              </a:rPr>
+                              <m:t>𝑥</m:t>
+                            </m:r>
+                          </m:e>
+                          <m:sup>
+                            <m:r>
+                              <a:rPr lang="de-DE" i="1">
+                                <a:latin typeface="Cambria Math" panose="02040503050406030204" pitchFamily="18" charset="0"/>
+                              </a:rPr>
+                              <m:t>2</m:t>
+                            </m:r>
+                          </m:sup>
+                        </m:sSup>
+                      </m:den>
+                    </m:f>
+                    <m:r>
+                      <a:rPr lang="de-DE" i="1">
+                        <a:latin typeface="Cambria Math" panose="02040503050406030204" pitchFamily="18" charset="0"/>
+                      </a:rPr>
+                      <m:t> </m:t>
+                    </m:r>
+                    <m:r>
+                      <a:rPr lang="de-DE" b="0" i="1" smtClean="0">
+                        <a:latin typeface="Cambria Math" panose="02040503050406030204" pitchFamily="18" charset="0"/>
+                      </a:rPr>
+                      <m:t>=</m:t>
+                    </m:r>
+                    <m:d>
+                      <m:dPr>
+                        <m:begChr m:val="["/>
+                        <m:endChr m:val="]"/>
+                        <m:ctrlPr>
+                          <a:rPr lang="de-DE" b="0" i="1" smtClean="0">
+                            <a:latin typeface="Cambria Math" panose="02040503050406030204" pitchFamily="18" charset="0"/>
+                          </a:rPr>
+                        </m:ctrlPr>
+                      </m:dPr>
+                      <m:e>
+                        <m:eqArr>
+                          <m:eqArrPr>
+                            <m:ctrlPr>
+                              <a:rPr lang="de-DE" b="0" i="1" smtClean="0">
+                                <a:latin typeface="Cambria Math" panose="02040503050406030204" pitchFamily="18" charset="0"/>
+                              </a:rPr>
+                            </m:ctrlPr>
+                          </m:eqArrPr>
+                          <m:e>
+                            <m:r>
+                              <a:rPr lang="de-DE" b="0" i="1" smtClean="0">
+                                <a:latin typeface="Cambria Math" panose="02040503050406030204" pitchFamily="18" charset="0"/>
+                              </a:rPr>
+                              <m:t>0</m:t>
+                            </m:r>
+                          </m:e>
+                          <m:e>
+                            <m:r>
+                              <a:rPr lang="de-DE" b="0" i="1" smtClean="0">
+                                <a:latin typeface="Cambria Math" panose="02040503050406030204" pitchFamily="18" charset="0"/>
+                              </a:rPr>
+                              <m:t>0</m:t>
+                            </m:r>
+                          </m:e>
+                          <m:e>
+                            <m:r>
+                              <a:rPr lang="de-DE" b="0" i="1" smtClean="0">
+                                <a:latin typeface="Cambria Math" panose="02040503050406030204" pitchFamily="18" charset="0"/>
+                              </a:rPr>
+                              <m:t>0</m:t>
+                            </m:r>
+                          </m:e>
+                        </m:eqArr>
+                      </m:e>
+                    </m:d>
+                  </m:oMath>
+                </a14:m>
+                <a:endParaRPr lang="de-DE" b="0" i="1" dirty="0">
+                  <a:latin typeface="Cambria Math" panose="02040503050406030204" pitchFamily="18" charset="0"/>
+                </a:endParaRPr>
+              </a:p>
+              <a:p>
+                <a:pPr lvl="1"/>
+                <a14:m>
+                  <m:oMath xmlns:m="http://schemas.openxmlformats.org/officeDocument/2006/math">
+                    <m:r>
+                      <a:rPr lang="de-DE" b="0" i="1" smtClean="0">
+                        <a:latin typeface="Cambria Math" panose="02040503050406030204" pitchFamily="18" charset="0"/>
+                      </a:rPr>
+                      <m:t>𝜅</m:t>
+                    </m:r>
+                    <m:d>
+                      <m:dPr>
+                        <m:ctrlPr>
+                          <a:rPr lang="de-DE" b="0" i="1" smtClean="0">
+                            <a:latin typeface="Cambria Math" panose="02040503050406030204" pitchFamily="18" charset="0"/>
+                          </a:rPr>
+                        </m:ctrlPr>
+                      </m:dPr>
+                      <m:e>
+                        <m:r>
+                          <a:rPr lang="de-DE" b="0" i="1" smtClean="0">
+                            <a:latin typeface="Cambria Math" panose="02040503050406030204" pitchFamily="18" charset="0"/>
+                          </a:rPr>
+                          <m:t>𝑥</m:t>
+                        </m:r>
+                      </m:e>
+                    </m:d>
+                    <m:r>
+                      <a:rPr lang="de-DE" b="0" i="1" smtClean="0">
+                        <a:latin typeface="Cambria Math" panose="02040503050406030204" pitchFamily="18" charset="0"/>
+                      </a:rPr>
+                      <m:t>=</m:t>
+                    </m:r>
+                    <m:d>
+                      <m:dPr>
+                        <m:begChr m:val="|"/>
+                        <m:endChr m:val="|"/>
+                        <m:ctrlPr>
+                          <a:rPr lang="de-DE" b="0" i="1" smtClean="0">
+                            <a:latin typeface="Cambria Math" panose="02040503050406030204" pitchFamily="18" charset="0"/>
+                          </a:rPr>
+                        </m:ctrlPr>
+                      </m:dPr>
+                      <m:e>
+                        <m:f>
+                          <m:fPr>
+                            <m:ctrlPr>
+                              <a:rPr lang="de-DE" b="0" i="1" smtClean="0">
+                                <a:latin typeface="Cambria Math" panose="02040503050406030204" pitchFamily="18" charset="0"/>
+                              </a:rPr>
+                            </m:ctrlPr>
+                          </m:fPr>
+                          <m:num>
+                            <m:sSup>
+                              <m:sSupPr>
+                                <m:ctrlPr>
+                                  <a:rPr lang="de-DE" b="0" i="1" smtClean="0">
+                                    <a:latin typeface="Cambria Math" panose="02040503050406030204" pitchFamily="18" charset="0"/>
+                                  </a:rPr>
+                                </m:ctrlPr>
+                              </m:sSupPr>
+                              <m:e>
+                                <m:r>
+                                  <a:rPr lang="de-DE" b="0" i="1" smtClean="0">
+                                    <a:latin typeface="Cambria Math" panose="02040503050406030204" pitchFamily="18" charset="0"/>
+                                  </a:rPr>
+                                  <m:t>𝑑</m:t>
+                                </m:r>
+                              </m:e>
+                              <m:sup>
+                                <m:r>
+                                  <a:rPr lang="de-DE" b="0" i="1" smtClean="0">
+                                    <a:latin typeface="Cambria Math" panose="02040503050406030204" pitchFamily="18" charset="0"/>
+                                  </a:rPr>
+                                  <m:t>2</m:t>
+                                </m:r>
+                              </m:sup>
+                            </m:sSup>
+                            <m:r>
+                              <a:rPr lang="de-DE" b="1" i="1" smtClean="0">
+                                <a:latin typeface="Cambria Math" panose="02040503050406030204" pitchFamily="18" charset="0"/>
+                              </a:rPr>
+                              <m:t>𝒔</m:t>
+                            </m:r>
+                          </m:num>
+                          <m:den>
+                            <m:r>
+                              <a:rPr lang="de-DE" b="0" i="1" smtClean="0">
+                                <a:latin typeface="Cambria Math" panose="02040503050406030204" pitchFamily="18" charset="0"/>
+                              </a:rPr>
+                              <m:t>𝑑</m:t>
+                            </m:r>
+                            <m:sSup>
+                              <m:sSupPr>
+                                <m:ctrlPr>
+                                  <a:rPr lang="de-DE" b="0" i="1" smtClean="0">
+                                    <a:latin typeface="Cambria Math" panose="02040503050406030204" pitchFamily="18" charset="0"/>
+                                  </a:rPr>
+                                </m:ctrlPr>
+                              </m:sSupPr>
+                              <m:e>
+                                <m:r>
+                                  <a:rPr lang="de-DE" b="0" i="1" smtClean="0">
+                                    <a:latin typeface="Cambria Math" panose="02040503050406030204" pitchFamily="18" charset="0"/>
+                                  </a:rPr>
+                                  <m:t>𝑥</m:t>
+                                </m:r>
+                              </m:e>
+                              <m:sup>
+                                <m:r>
+                                  <a:rPr lang="de-DE" b="0" i="1" smtClean="0">
+                                    <a:latin typeface="Cambria Math" panose="02040503050406030204" pitchFamily="18" charset="0"/>
+                                  </a:rPr>
+                                  <m:t>2</m:t>
+                                </m:r>
+                              </m:sup>
+                            </m:sSup>
+                          </m:den>
+                        </m:f>
+                      </m:e>
+                    </m:d>
+                    <m:r>
+                      <a:rPr lang="de-DE" b="0" i="1" smtClean="0">
+                        <a:latin typeface="Cambria Math" panose="02040503050406030204" pitchFamily="18" charset="0"/>
+                      </a:rPr>
+                      <m:t>=0</m:t>
+                    </m:r>
+                  </m:oMath>
+                </a14:m>
+                <a:endParaRPr lang="de-DE" b="0" i="1" dirty="0">
+                  <a:latin typeface="Cambria Math" panose="02040503050406030204" pitchFamily="18" charset="0"/>
+                </a:endParaRPr>
+              </a:p>
+              <a:p>
+                <a:pPr lvl="1"/>
+                <a14:m>
+                  <m:oMath xmlns:m="http://schemas.openxmlformats.org/officeDocument/2006/math">
+                    <m:r>
+                      <a:rPr lang="de-DE" b="1" i="1" smtClean="0">
+                        <a:latin typeface="Cambria Math" panose="02040503050406030204" pitchFamily="18" charset="0"/>
+                      </a:rPr>
+                      <m:t>𝒏</m:t>
+                    </m:r>
+                    <m:d>
+                      <m:dPr>
+                        <m:ctrlPr>
+                          <a:rPr lang="de-DE" b="0" i="1" smtClean="0">
+                            <a:latin typeface="Cambria Math" panose="02040503050406030204" pitchFamily="18" charset="0"/>
+                          </a:rPr>
+                        </m:ctrlPr>
+                      </m:dPr>
+                      <m:e>
+                        <m:r>
+                          <a:rPr lang="de-DE" b="0" i="1" smtClean="0">
+                            <a:latin typeface="Cambria Math" panose="02040503050406030204" pitchFamily="18" charset="0"/>
+                          </a:rPr>
+                          <m:t>𝑥</m:t>
+                        </m:r>
+                      </m:e>
+                    </m:d>
+                    <m:r>
+                      <a:rPr lang="de-DE" b="0" i="1" smtClean="0">
+                        <a:latin typeface="Cambria Math" panose="02040503050406030204" pitchFamily="18" charset="0"/>
+                      </a:rPr>
+                      <m:t>=</m:t>
+                    </m:r>
+                    <m:f>
+                      <m:fPr>
+                        <m:ctrlPr>
+                          <a:rPr lang="de-DE" b="0" i="1" smtClean="0">
+                            <a:latin typeface="Cambria Math" panose="02040503050406030204" pitchFamily="18" charset="0"/>
+                          </a:rPr>
+                        </m:ctrlPr>
+                      </m:fPr>
+                      <m:num>
+                        <m:r>
+                          <a:rPr lang="de-DE" b="0" i="1" smtClean="0">
+                            <a:latin typeface="Cambria Math" panose="02040503050406030204" pitchFamily="18" charset="0"/>
+                          </a:rPr>
+                          <m:t>1</m:t>
+                        </m:r>
+                      </m:num>
+                      <m:den>
+                        <m:r>
+                          <a:rPr lang="de-DE" b="0" i="1" smtClean="0">
+                            <a:latin typeface="Cambria Math" panose="02040503050406030204" pitchFamily="18" charset="0"/>
+                          </a:rPr>
+                          <m:t>𝜅</m:t>
+                        </m:r>
+                        <m:d>
+                          <m:dPr>
+                            <m:ctrlPr>
+                              <a:rPr lang="de-DE" b="0" i="1" smtClean="0">
+                                <a:latin typeface="Cambria Math" panose="02040503050406030204" pitchFamily="18" charset="0"/>
+                              </a:rPr>
+                            </m:ctrlPr>
+                          </m:dPr>
+                          <m:e>
+                            <m:r>
+                              <a:rPr lang="de-DE" b="0" i="1" smtClean="0">
+                                <a:latin typeface="Cambria Math" panose="02040503050406030204" pitchFamily="18" charset="0"/>
+                              </a:rPr>
+                              <m:t>𝑥</m:t>
+                            </m:r>
+                          </m:e>
+                        </m:d>
+                      </m:den>
+                    </m:f>
+                    <m:r>
+                      <a:rPr lang="de-DE" b="0" i="1" smtClean="0">
+                        <a:latin typeface="Cambria Math" panose="02040503050406030204" pitchFamily="18" charset="0"/>
+                      </a:rPr>
+                      <m:t>⋅</m:t>
+                    </m:r>
+                    <m:f>
+                      <m:fPr>
+                        <m:ctrlPr>
+                          <a:rPr lang="de-DE" i="1">
+                            <a:latin typeface="Cambria Math" panose="02040503050406030204" pitchFamily="18" charset="0"/>
+                          </a:rPr>
+                        </m:ctrlPr>
+                      </m:fPr>
+                      <m:num>
+                        <m:sSup>
+                          <m:sSupPr>
+                            <m:ctrlPr>
+                              <a:rPr lang="de-DE" i="1">
+                                <a:latin typeface="Cambria Math" panose="02040503050406030204" pitchFamily="18" charset="0"/>
+                              </a:rPr>
+                            </m:ctrlPr>
+                          </m:sSupPr>
+                          <m:e>
+                            <m:r>
+                              <a:rPr lang="de-DE" i="1">
+                                <a:latin typeface="Cambria Math" panose="02040503050406030204" pitchFamily="18" charset="0"/>
+                              </a:rPr>
+                              <m:t>𝑑</m:t>
+                            </m:r>
+                          </m:e>
+                          <m:sup>
+                            <m:r>
+                              <a:rPr lang="de-DE" i="1">
+                                <a:latin typeface="Cambria Math" panose="02040503050406030204" pitchFamily="18" charset="0"/>
+                              </a:rPr>
+                              <m:t>2</m:t>
+                            </m:r>
+                          </m:sup>
+                        </m:sSup>
+                        <m:r>
+                          <a:rPr lang="de-DE" b="1" i="1">
+                            <a:latin typeface="Cambria Math" panose="02040503050406030204" pitchFamily="18" charset="0"/>
+                          </a:rPr>
+                          <m:t>𝒔</m:t>
+                        </m:r>
+                      </m:num>
+                      <m:den>
+                        <m:r>
+                          <a:rPr lang="de-DE" i="1">
+                            <a:latin typeface="Cambria Math" panose="02040503050406030204" pitchFamily="18" charset="0"/>
+                          </a:rPr>
+                          <m:t>𝑑</m:t>
+                        </m:r>
+                        <m:sSup>
+                          <m:sSupPr>
+                            <m:ctrlPr>
+                              <a:rPr lang="de-DE" i="1">
+                                <a:latin typeface="Cambria Math" panose="02040503050406030204" pitchFamily="18" charset="0"/>
+                              </a:rPr>
+                            </m:ctrlPr>
+                          </m:sSupPr>
+                          <m:e>
+                            <m:r>
+                              <a:rPr lang="de-DE" i="1">
+                                <a:latin typeface="Cambria Math" panose="02040503050406030204" pitchFamily="18" charset="0"/>
+                              </a:rPr>
+                              <m:t>𝑥</m:t>
+                            </m:r>
+                          </m:e>
+                          <m:sup>
+                            <m:r>
+                              <a:rPr lang="de-DE" i="1">
+                                <a:latin typeface="Cambria Math" panose="02040503050406030204" pitchFamily="18" charset="0"/>
+                              </a:rPr>
+                              <m:t>2</m:t>
+                            </m:r>
+                          </m:sup>
+                        </m:sSup>
+                      </m:den>
+                    </m:f>
+                    <m:r>
+                      <a:rPr lang="de-DE" b="0" i="1" smtClean="0">
+                        <a:latin typeface="Cambria Math" panose="02040503050406030204" pitchFamily="18" charset="0"/>
+                      </a:rPr>
+                      <m:t>=</m:t>
+                    </m:r>
+                    <m:f>
+                      <m:fPr>
+                        <m:ctrlPr>
+                          <a:rPr lang="de-DE" b="0" i="1" smtClean="0">
+                            <a:latin typeface="Cambria Math" panose="02040503050406030204" pitchFamily="18" charset="0"/>
+                          </a:rPr>
+                        </m:ctrlPr>
+                      </m:fPr>
+                      <m:num>
+                        <m:r>
+                          <a:rPr lang="de-DE" b="0" i="1" smtClean="0">
+                            <a:latin typeface="Cambria Math" panose="02040503050406030204" pitchFamily="18" charset="0"/>
+                          </a:rPr>
+                          <m:t>1</m:t>
+                        </m:r>
+                      </m:num>
+                      <m:den>
+                        <m:r>
+                          <a:rPr lang="de-DE" b="0" i="1" smtClean="0">
+                            <a:latin typeface="Cambria Math" panose="02040503050406030204" pitchFamily="18" charset="0"/>
+                          </a:rPr>
+                          <m:t>0</m:t>
+                        </m:r>
+                      </m:den>
+                    </m:f>
+                    <m:d>
+                      <m:dPr>
+                        <m:begChr m:val="["/>
+                        <m:endChr m:val="]"/>
+                        <m:ctrlPr>
+                          <a:rPr lang="de-DE" i="1">
+                            <a:latin typeface="Cambria Math" panose="02040503050406030204" pitchFamily="18" charset="0"/>
+                          </a:rPr>
+                        </m:ctrlPr>
+                      </m:dPr>
+                      <m:e>
+                        <m:eqArr>
+                          <m:eqArrPr>
+                            <m:ctrlPr>
+                              <a:rPr lang="de-DE" i="1">
+                                <a:latin typeface="Cambria Math" panose="02040503050406030204" pitchFamily="18" charset="0"/>
+                              </a:rPr>
+                            </m:ctrlPr>
+                          </m:eqArrPr>
+                          <m:e>
+                            <m:r>
+                              <a:rPr lang="de-DE" i="1">
+                                <a:latin typeface="Cambria Math" panose="02040503050406030204" pitchFamily="18" charset="0"/>
+                              </a:rPr>
+                              <m:t>0</m:t>
+                            </m:r>
+                          </m:e>
+                          <m:e>
+                            <m:r>
+                              <a:rPr lang="de-DE" i="1">
+                                <a:latin typeface="Cambria Math" panose="02040503050406030204" pitchFamily="18" charset="0"/>
+                              </a:rPr>
+                              <m:t>0</m:t>
+                            </m:r>
+                          </m:e>
+                          <m:e>
+                            <m:r>
+                              <a:rPr lang="de-DE" i="1">
+                                <a:latin typeface="Cambria Math" panose="02040503050406030204" pitchFamily="18" charset="0"/>
+                              </a:rPr>
+                              <m:t>0</m:t>
+                            </m:r>
+                          </m:e>
+                        </m:eqArr>
+                      </m:e>
+                    </m:d>
+                    <m:r>
+                      <a:rPr lang="de-DE" b="0" i="1" smtClean="0">
+                        <a:latin typeface="Cambria Math" panose="02040503050406030204" pitchFamily="18" charset="0"/>
+                      </a:rPr>
+                      <m:t>=</m:t>
+                    </m:r>
+                    <m:d>
+                      <m:dPr>
+                        <m:begChr m:val="["/>
+                        <m:endChr m:val="]"/>
+                        <m:ctrlPr>
+                          <a:rPr lang="de-DE" i="1">
+                            <a:latin typeface="Cambria Math" panose="02040503050406030204" pitchFamily="18" charset="0"/>
+                          </a:rPr>
+                        </m:ctrlPr>
+                      </m:dPr>
+                      <m:e>
+                        <m:eqArr>
+                          <m:eqArrPr>
+                            <m:ctrlPr>
+                              <a:rPr lang="de-DE" i="1">
+                                <a:latin typeface="Cambria Math" panose="02040503050406030204" pitchFamily="18" charset="0"/>
+                              </a:rPr>
+                            </m:ctrlPr>
+                          </m:eqArrPr>
+                          <m:e>
+                            <m:r>
+                              <a:rPr lang="de-DE" i="1">
+                                <a:latin typeface="Cambria Math" panose="02040503050406030204" pitchFamily="18" charset="0"/>
+                              </a:rPr>
+                              <m:t>0</m:t>
+                            </m:r>
+                          </m:e>
+                          <m:e>
+                            <m:r>
+                              <a:rPr lang="de-DE" i="1">
+                                <a:latin typeface="Cambria Math" panose="02040503050406030204" pitchFamily="18" charset="0"/>
+                              </a:rPr>
+                              <m:t>0</m:t>
+                            </m:r>
+                          </m:e>
+                          <m:e>
+                            <m:r>
+                              <a:rPr lang="de-DE" i="1">
+                                <a:latin typeface="Cambria Math" panose="02040503050406030204" pitchFamily="18" charset="0"/>
+                              </a:rPr>
+                              <m:t>0</m:t>
+                            </m:r>
+                          </m:e>
+                        </m:eqArr>
+                      </m:e>
+                    </m:d>
+                  </m:oMath>
+                </a14:m>
+                <a:r>
+                  <a:rPr lang="de-DE" b="0" i="1" dirty="0">
+                    <a:solidFill>
+                      <a:srgbClr val="FF0000"/>
+                    </a:solidFill>
+                    <a:latin typeface="Cambria Math" panose="02040503050406030204" pitchFamily="18" charset="0"/>
+                  </a:rPr>
+                  <a:t>???</a:t>
+                </a:r>
+                <a:endParaRPr lang="de-DE" b="0" i="1" dirty="0">
+                  <a:latin typeface="Cambria Math" panose="02040503050406030204" pitchFamily="18" charset="0"/>
+                </a:endParaRPr>
+              </a:p>
+            </p:txBody>
+          </p:sp>
+        </mc:Choice>
+        <mc:Fallback>
+          <p:sp>
+            <p:nvSpPr>
+              <p:cNvPr id="3" name="Content Placeholder 2">
+                <a:extLst>
+                  <a:ext uri="{FF2B5EF4-FFF2-40B4-BE49-F238E27FC236}">
+                    <a16:creationId xmlns:a16="http://schemas.microsoft.com/office/drawing/2014/main" id="{8A7D6235-C69E-09B6-17CE-AFDD864D6BA3}"/>
+                  </a:ext>
+                </a:extLst>
+              </p:cNvPr>
+              <p:cNvSpPr>
+                <a:spLocks noGrp="1" noRot="1" noChangeAspect="1" noMove="1" noResize="1" noEditPoints="1" noAdjustHandles="1" noChangeArrowheads="1" noChangeShapeType="1" noTextEdit="1"/>
+              </p:cNvSpPr>
+              <p:nvPr>
+                <p:ph idx="1"/>
+              </p:nvPr>
+            </p:nvSpPr>
+            <p:spPr>
+              <a:blipFill>
+                <a:blip r:embed="rId2"/>
+                <a:stretch>
+                  <a:fillRect l="-608" t="-1066"/>
+                </a:stretch>
+              </a:blipFill>
+            </p:spPr>
+            <p:txBody>
+              <a:bodyPr/>
+              <a:lstStyle/>
+              <a:p>
+                <a:r>
+                  <a:rPr lang="en-US">
+                    <a:noFill/>
+                  </a:rPr>
+                  <a:t> </a:t>
+                </a:r>
+              </a:p>
+            </p:txBody>
+          </p:sp>
+        </mc:Fallback>
+      </mc:AlternateContent>
+      <p:pic>
+        <p:nvPicPr>
+          <p:cNvPr id="8" name="Content Placeholder 7" descr="Diagram, schematic&#10;&#10;Description automatically generated">
+            <a:extLst>
+              <a:ext uri="{FF2B5EF4-FFF2-40B4-BE49-F238E27FC236}">
+                <a16:creationId xmlns:a16="http://schemas.microsoft.com/office/drawing/2014/main" id="{9507F217-B7C8-2493-4BDD-5C74D2F47D14}"/>
+              </a:ext>
+            </a:extLst>
+          </p:cNvPr>
+          <p:cNvPicPr>
+            <a:picLocks noGrp="1" noChangeAspect="1"/>
+          </p:cNvPicPr>
+          <p:nvPr>
+            <p:ph idx="10"/>
+          </p:nvPr>
+        </p:nvPicPr>
+        <p:blipFill>
+          <a:blip r:embed="rId3">
+            <a:extLst>
+              <a:ext uri="{28A0092B-C50C-407E-A947-70E740481C1C}">
+                <a14:useLocalDpi xmlns:a14="http://schemas.microsoft.com/office/drawing/2010/main" val="0"/>
+              </a:ext>
+            </a:extLst>
+          </a:blip>
+          <a:stretch>
+            <a:fillRect/>
+          </a:stretch>
+        </p:blipFill>
+        <p:spPr>
+          <a:xfrm>
+            <a:off x="6600000" y="909000"/>
+            <a:ext cx="4906060" cy="4534533"/>
+          </a:xfrm>
+        </p:spPr>
+      </p:pic>
+    </p:spTree>
+    <p:extLst>
+      <p:ext uri="{BB962C8B-B14F-4D97-AF65-F5344CB8AC3E}">
+        <p14:creationId xmlns:p14="http://schemas.microsoft.com/office/powerpoint/2010/main" val="975996790"/>
       </p:ext>
     </p:extLst>
   </p:cSld>

--- a/Modbas/Doku/ModBas.pptx
+++ b/Modbas/Doku/ModBas.pptx
@@ -336,7 +336,7 @@
           <a:p>
             <a:fld id="{D338F796-E297-45CA-A62B-51A04DE86EC6}" type="datetimeFigureOut">
               <a:rPr lang="de-DE" smtClean="0"/>
-              <a:t>03.12.2022</a:t>
+              <a:t>04.12.2022</a:t>
             </a:fld>
             <a:endParaRPr lang="de-DE"/>
           </a:p>
@@ -414,7 +414,7 @@
           <a:p>
             <a:fld id="{D7473342-4B16-4649-B223-F22170E43743}" type="slidenum">
               <a:rPr lang="de-DE" smtClean="0"/>
-              <a:t>‹#›</a:t>
+              <a:t>‹Nr.›</a:t>
             </a:fld>
             <a:endParaRPr lang="de-DE"/>
           </a:p>
@@ -513,7 +513,7 @@
           <a:p>
             <a:fld id="{C4F0A1C8-C3E5-453E-B0DF-36BAC2F5290E}" type="datetimeFigureOut">
               <a:rPr lang="de-DE" smtClean="0"/>
-              <a:t>03.12.2022</a:t>
+              <a:t>04.12.2022</a:t>
             </a:fld>
             <a:endParaRPr lang="de-DE" dirty="0"/>
           </a:p>
@@ -671,7 +671,7 @@
           <a:p>
             <a:fld id="{2163F8F1-A50E-4338-81DC-A409571378D0}" type="slidenum">
               <a:rPr lang="de-DE" smtClean="0"/>
-              <a:t>‹#›</a:t>
+              <a:t>‹Nr.›</a:t>
             </a:fld>
             <a:endParaRPr lang="de-DE" dirty="0"/>
           </a:p>
@@ -16480,8 +16480,8 @@
           </a:p>
         </p:txBody>
       </p:sp>
-      <mc:AlternateContent xmlns:mc="http://schemas.openxmlformats.org/markup-compatibility/2006" xmlns:a14="http://schemas.microsoft.com/office/drawing/2010/main">
-        <mc:Choice Requires="a14">
+      <mc:AlternateContent xmlns:mc="http://schemas.openxmlformats.org/markup-compatibility/2006">
+        <mc:Choice xmlns:a14="http://schemas.microsoft.com/office/drawing/2010/main" Requires="a14">
           <p:sp>
             <p:nvSpPr>
               <p:cNvPr id="3" name="Content Placeholder 2">
@@ -18613,9 +18613,24 @@
                 <a:pPr marL="311150" lvl="1" indent="0">
                   <a:buNone/>
                 </a:pPr>
-                <a:endParaRPr lang="de-DE" b="0" i="1" dirty="0">
-                  <a:latin typeface="Cambria Math" panose="02040503050406030204" pitchFamily="18" charset="0"/>
-                </a:endParaRPr>
+                <a:r>
+                  <a:rPr lang="de-DE" b="0" i="1" dirty="0">
+                    <a:latin typeface="Cambria Math" panose="02040503050406030204" pitchFamily="18" charset="0"/>
+                  </a:rPr>
+                  <a:t>Ist Tak in </a:t>
+                </a:r>
+                <a:r>
+                  <a:rPr lang="de-DE" b="0" i="1" dirty="0" err="1">
+                    <a:latin typeface="Cambria Math" panose="02040503050406030204" pitchFamily="18" charset="0"/>
+                  </a:rPr>
+                  <a:t>cpp</a:t>
+                </a:r>
+                <a:r>
+                  <a:rPr lang="de-DE" b="0" i="1" dirty="0">
+                    <a:latin typeface="Cambria Math" panose="02040503050406030204" pitchFamily="18" charset="0"/>
+                  </a:rPr>
+                  <a:t> hier T_A?</a:t>
+                </a:r>
               </a:p>
               <a:p>
                 <a:pPr lvl="1"/>
@@ -18632,7 +18647,7 @@
             </p:txBody>
           </p:sp>
         </mc:Choice>
-        <mc:Fallback xmlns="">
+        <mc:Fallback>
           <p:sp>
             <p:nvSpPr>
               <p:cNvPr id="3" name="Content Placeholder 2">
@@ -18779,8 +18794,8 @@
           </a:p>
         </p:txBody>
       </p:sp>
-      <mc:AlternateContent xmlns:mc="http://schemas.openxmlformats.org/markup-compatibility/2006">
-        <mc:Choice xmlns:a14="http://schemas.microsoft.com/office/drawing/2010/main" Requires="a14">
+      <mc:AlternateContent xmlns:mc="http://schemas.openxmlformats.org/markup-compatibility/2006" xmlns:a14="http://schemas.microsoft.com/office/drawing/2010/main">
+        <mc:Choice Requires="a14">
           <p:sp>
             <p:nvSpPr>
               <p:cNvPr id="3" name="Content Placeholder 2">
@@ -19906,7 +19921,7 @@
             </p:txBody>
           </p:sp>
         </mc:Choice>
-        <mc:Fallback>
+        <mc:Fallback xmlns="">
           <p:sp>
             <p:nvSpPr>
               <p:cNvPr id="3" name="Content Placeholder 2">

--- a/Modbas/Doku/ModBas.pptx
+++ b/Modbas/Doku/ModBas.pptx
@@ -5,10 +5,10 @@
     <p:sldMasterId id="2147483672" r:id="rId1"/>
   </p:sldMasterIdLst>
   <p:notesMasterIdLst>
-    <p:notesMasterId r:id="rId10"/>
+    <p:notesMasterId r:id="rId11"/>
   </p:notesMasterIdLst>
   <p:handoutMasterIdLst>
-    <p:handoutMasterId r:id="rId11"/>
+    <p:handoutMasterId r:id="rId12"/>
   </p:handoutMasterIdLst>
   <p:sldIdLst>
     <p:sldId id="256" r:id="rId2"/>
@@ -19,6 +19,7 @@
     <p:sldId id="259" r:id="rId7"/>
     <p:sldId id="262" r:id="rId8"/>
     <p:sldId id="263" r:id="rId9"/>
+    <p:sldId id="264" r:id="rId10"/>
   </p:sldIdLst>
   <p:sldSz cx="12192000" cy="6858000"/>
   <p:notesSz cx="6858000" cy="9144000"/>
@@ -336,7 +337,7 @@
           <a:p>
             <a:fld id="{D338F796-E297-45CA-A62B-51A04DE86EC6}" type="datetimeFigureOut">
               <a:rPr lang="de-DE" smtClean="0"/>
-              <a:t>04.12.2022</a:t>
+              <a:t>05.12.2022</a:t>
             </a:fld>
             <a:endParaRPr lang="de-DE"/>
           </a:p>
@@ -414,7 +415,7 @@
           <a:p>
             <a:fld id="{D7473342-4B16-4649-B223-F22170E43743}" type="slidenum">
               <a:rPr lang="de-DE" smtClean="0"/>
-              <a:t>‹Nr.›</a:t>
+              <a:t>‹#›</a:t>
             </a:fld>
             <a:endParaRPr lang="de-DE"/>
           </a:p>
@@ -513,7 +514,7 @@
           <a:p>
             <a:fld id="{C4F0A1C8-C3E5-453E-B0DF-36BAC2F5290E}" type="datetimeFigureOut">
               <a:rPr lang="de-DE" smtClean="0"/>
-              <a:t>04.12.2022</a:t>
+              <a:t>05.12.2022</a:t>
             </a:fld>
             <a:endParaRPr lang="de-DE" dirty="0"/>
           </a:p>
@@ -671,7 +672,7 @@
           <a:p>
             <a:fld id="{2163F8F1-A50E-4338-81DC-A409571378D0}" type="slidenum">
               <a:rPr lang="de-DE" smtClean="0"/>
-              <a:t>‹Nr.›</a:t>
+              <a:t>‹#›</a:t>
             </a:fld>
             <a:endParaRPr lang="de-DE" dirty="0"/>
           </a:p>
@@ -16603,12 +16604,6 @@
                               </a:rPr>
                               <m:t>𝑉𝑝</m:t>
                             </m:r>
-                            <m:r>
-                              <a:rPr lang="de-DE" b="0" i="1" smtClean="0">
-                                <a:latin typeface="Cambria Math" panose="02040503050406030204" pitchFamily="18" charset="0"/>
-                              </a:rPr>
-                              <m:t>1</m:t>
-                            </m:r>
                           </m:sub>
                         </m:sSub>
                         <m:r>
@@ -16653,6 +16648,12 @@
                                 <a:latin typeface="Cambria Math" panose="02040503050406030204" pitchFamily="18" charset="0"/>
                               </a:rPr>
                               <m:t>𝑉𝑝</m:t>
+                            </m:r>
+                            <m:r>
+                              <a:rPr lang="de-DE" b="0" i="1" smtClean="0">
+                                <a:latin typeface="Cambria Math" panose="02040503050406030204" pitchFamily="18" charset="0"/>
+                              </a:rPr>
+                              <m:t>1</m:t>
                             </m:r>
                           </m:sub>
                         </m:sSub>
@@ -17727,6 +17728,12 @@
                           </a:rPr>
                           <m:t>𝑉𝑝</m:t>
                         </m:r>
+                        <m:r>
+                          <a:rPr lang="de-DE" b="0" i="1" smtClean="0">
+                            <a:latin typeface="Cambria Math" panose="02040503050406030204" pitchFamily="18" charset="0"/>
+                          </a:rPr>
+                          <m:t>1</m:t>
+                        </m:r>
                       </m:sub>
                     </m:sSub>
                     <m:d>
@@ -17940,12 +17947,6 @@
                             <a:latin typeface="Cambria Math" panose="02040503050406030204" pitchFamily="18" charset="0"/>
                           </a:rPr>
                           <m:t>𝑉𝑝</m:t>
-                        </m:r>
-                        <m:r>
-                          <a:rPr lang="de-DE" b="0" i="1" smtClean="0">
-                            <a:latin typeface="Cambria Math" panose="02040503050406030204" pitchFamily="18" charset="0"/>
-                          </a:rPr>
-                          <m:t>1</m:t>
                         </m:r>
                       </m:sub>
                     </m:sSub>
@@ -18010,7 +18011,19 @@
                           <a:rPr lang="de-DE" b="0" i="1" smtClean="0">
                             <a:latin typeface="Cambria Math" panose="02040503050406030204" pitchFamily="18" charset="0"/>
                           </a:rPr>
-                          <m:t>𝑉𝑝𝑘</m:t>
+                          <m:t>𝑉𝑝</m:t>
+                        </m:r>
+                        <m:r>
+                          <a:rPr lang="de-DE" b="0" i="1" smtClean="0">
+                            <a:latin typeface="Cambria Math" panose="02040503050406030204" pitchFamily="18" charset="0"/>
+                          </a:rPr>
+                          <m:t>1</m:t>
+                        </m:r>
+                        <m:r>
+                          <a:rPr lang="de-DE" b="0" i="1" smtClean="0">
+                            <a:latin typeface="Cambria Math" panose="02040503050406030204" pitchFamily="18" charset="0"/>
+                          </a:rPr>
+                          <m:t>𝑘</m:t>
                         </m:r>
                       </m:sub>
                     </m:sSub>
@@ -18041,7 +18054,19 @@
                           <a:rPr lang="de-DE" b="0" i="1" smtClean="0">
                             <a:latin typeface="Cambria Math" panose="02040503050406030204" pitchFamily="18" charset="0"/>
                           </a:rPr>
-                          <m:t>𝑉𝑝𝑘</m:t>
+                          <m:t>𝑉𝑝</m:t>
+                        </m:r>
+                        <m:r>
+                          <a:rPr lang="de-DE" b="0" i="1" smtClean="0">
+                            <a:latin typeface="Cambria Math" panose="02040503050406030204" pitchFamily="18" charset="0"/>
+                          </a:rPr>
+                          <m:t>1</m:t>
+                        </m:r>
+                        <m:r>
+                          <a:rPr lang="de-DE" b="0" i="1" smtClean="0">
+                            <a:latin typeface="Cambria Math" panose="02040503050406030204" pitchFamily="18" charset="0"/>
+                          </a:rPr>
+                          <m:t>𝑘</m:t>
                         </m:r>
                         <m:r>
                           <a:rPr lang="de-DE" b="0" i="1" smtClean="0">
@@ -18145,19 +18170,7 @@
                           <a:rPr lang="de-DE" b="0" i="1" smtClean="0">
                             <a:latin typeface="Cambria Math" panose="02040503050406030204" pitchFamily="18" charset="0"/>
                           </a:rPr>
-                          <m:t>𝑉𝑝</m:t>
-                        </m:r>
-                        <m:r>
-                          <a:rPr lang="de-DE" b="0" i="1" smtClean="0">
-                            <a:latin typeface="Cambria Math" panose="02040503050406030204" pitchFamily="18" charset="0"/>
-                          </a:rPr>
-                          <m:t>1</m:t>
-                        </m:r>
-                        <m:r>
-                          <a:rPr lang="de-DE" b="0" i="1" smtClean="0">
-                            <a:latin typeface="Cambria Math" panose="02040503050406030204" pitchFamily="18" charset="0"/>
-                          </a:rPr>
-                          <m:t>𝑘</m:t>
+                          <m:t>𝑉𝑝𝑘</m:t>
                         </m:r>
                       </m:sub>
                     </m:sSub>
@@ -18255,19 +18268,7 @@
                           <a:rPr lang="de-DE" b="0" i="1" smtClean="0">
                             <a:latin typeface="Cambria Math" panose="02040503050406030204" pitchFamily="18" charset="0"/>
                           </a:rPr>
-                          <m:t>𝑉𝑝</m:t>
-                        </m:r>
-                        <m:r>
-                          <a:rPr lang="de-DE" b="0" i="1" smtClean="0">
-                            <a:latin typeface="Cambria Math" panose="02040503050406030204" pitchFamily="18" charset="0"/>
-                          </a:rPr>
-                          <m:t>1</m:t>
-                        </m:r>
-                        <m:r>
-                          <a:rPr lang="de-DE" b="0" i="1" smtClean="0">
-                            <a:latin typeface="Cambria Math" panose="02040503050406030204" pitchFamily="18" charset="0"/>
-                          </a:rPr>
-                          <m:t>𝑘</m:t>
+                          <m:t>𝑉𝑝𝑘</m:t>
                         </m:r>
                         <m:r>
                           <a:rPr lang="de-DE" b="0" i="1" smtClean="0">
@@ -18322,43 +18323,6 @@
                       </a:rPr>
                       <m:t>=</m:t>
                     </m:r>
-                    <m:sSub>
-                      <m:sSubPr>
-                        <m:ctrlPr>
-                          <a:rPr lang="de-DE" i="1">
-                            <a:latin typeface="Cambria Math" panose="02040503050406030204" pitchFamily="18" charset="0"/>
-                          </a:rPr>
-                        </m:ctrlPr>
-                      </m:sSubPr>
-                      <m:e>
-                        <m:r>
-                          <a:rPr lang="de-DE" i="1">
-                            <a:latin typeface="Cambria Math" panose="02040503050406030204" pitchFamily="18" charset="0"/>
-                          </a:rPr>
-                          <m:t>𝑢</m:t>
-                        </m:r>
-                      </m:e>
-                      <m:sub>
-                        <m:r>
-                          <a:rPr lang="de-DE" i="1">
-                            <a:latin typeface="Cambria Math" panose="02040503050406030204" pitchFamily="18" charset="0"/>
-                          </a:rPr>
-                          <m:t>𝑉𝑝𝑘</m:t>
-                        </m:r>
-                        <m:r>
-                          <a:rPr lang="de-DE" i="1">
-                            <a:latin typeface="Cambria Math" panose="02040503050406030204" pitchFamily="18" charset="0"/>
-                          </a:rPr>
-                          <m:t>−1</m:t>
-                        </m:r>
-                      </m:sub>
-                    </m:sSub>
-                    <m:r>
-                      <a:rPr lang="de-DE" b="0" i="1" smtClean="0">
-                        <a:latin typeface="Cambria Math" panose="02040503050406030204" pitchFamily="18" charset="0"/>
-                      </a:rPr>
-                      <m:t>+</m:t>
-                    </m:r>
                     <m:f>
                       <m:fPr>
                         <m:ctrlPr>
@@ -18368,42 +18332,54 @@
                         </m:ctrlPr>
                       </m:fPr>
                       <m:num>
+                        <m:r>
+                          <a:rPr lang="de-DE" i="1">
+                            <a:latin typeface="Cambria Math" panose="02040503050406030204" pitchFamily="18" charset="0"/>
+                          </a:rPr>
+                          <m:t>2</m:t>
+                        </m:r>
                         <m:sSub>
                           <m:sSubPr>
                             <m:ctrlPr>
-                              <a:rPr lang="de-DE" b="0" i="1" smtClean="0">
+                              <a:rPr lang="de-DE" i="1">
                                 <a:latin typeface="Cambria Math" panose="02040503050406030204" pitchFamily="18" charset="0"/>
                               </a:rPr>
                             </m:ctrlPr>
                           </m:sSubPr>
                           <m:e>
                             <m:r>
-                              <a:rPr lang="de-DE" b="0" i="1" smtClean="0">
-                                <a:latin typeface="Cambria Math" panose="02040503050406030204" pitchFamily="18" charset="0"/>
-                              </a:rPr>
-                              <m:t>𝑇</m:t>
+                              <a:rPr lang="de-DE" i="1">
+                                <a:latin typeface="Cambria Math" panose="02040503050406030204" pitchFamily="18" charset="0"/>
+                              </a:rPr>
+                              <m:t>𝑢</m:t>
                             </m:r>
                           </m:e>
                           <m:sub>
                             <m:r>
-                              <a:rPr lang="de-DE" b="0" i="1" smtClean="0">
-                                <a:latin typeface="Cambria Math" panose="02040503050406030204" pitchFamily="18" charset="0"/>
-                              </a:rPr>
-                              <m:t>𝐴</m:t>
+                              <a:rPr lang="de-DE" i="1">
+                                <a:latin typeface="Cambria Math" panose="02040503050406030204" pitchFamily="18" charset="0"/>
+                              </a:rPr>
+                              <m:t>𝑉𝑝</m:t>
+                            </m:r>
+                            <m:r>
+                              <a:rPr lang="de-DE" i="1">
+                                <a:latin typeface="Cambria Math" panose="02040503050406030204" pitchFamily="18" charset="0"/>
+                              </a:rPr>
+                              <m:t>1</m:t>
+                            </m:r>
+                            <m:r>
+                              <a:rPr lang="de-DE" i="1">
+                                <a:latin typeface="Cambria Math" panose="02040503050406030204" pitchFamily="18" charset="0"/>
+                              </a:rPr>
+                              <m:t>𝑘</m:t>
                             </m:r>
                           </m:sub>
                         </m:sSub>
                         <m:r>
-                          <a:rPr lang="de-DE" b="0" i="1" smtClean="0">
-                            <a:latin typeface="Cambria Math" panose="02040503050406030204" pitchFamily="18" charset="0"/>
-                          </a:rPr>
-                          <m:t>+</m:t>
-                        </m:r>
-                        <m:r>
                           <a:rPr lang="de-DE" i="1">
                             <a:latin typeface="Cambria Math" panose="02040503050406030204" pitchFamily="18" charset="0"/>
                           </a:rPr>
-                          <m:t>2</m:t>
+                          <m:t>−2</m:t>
                         </m:r>
                         <m:sSub>
                           <m:sSubPr>
@@ -18418,7 +18394,7 @@
                               <a:rPr lang="de-DE" i="1">
                                 <a:latin typeface="Cambria Math" panose="02040503050406030204" pitchFamily="18" charset="0"/>
                               </a:rPr>
-                              <m:t>𝑇</m:t>
+                              <m:t>𝑢</m:t>
                             </m:r>
                           </m:e>
                           <m:sub>
@@ -18426,72 +18402,134 @@
                               <a:rPr lang="de-DE" i="1">
                                 <a:latin typeface="Cambria Math" panose="02040503050406030204" pitchFamily="18" charset="0"/>
                               </a:rPr>
-                              <m:t>𝑖</m:t>
+                              <m:t>𝑉𝑝</m:t>
+                            </m:r>
+                            <m:r>
+                              <a:rPr lang="de-DE" i="1">
+                                <a:latin typeface="Cambria Math" panose="02040503050406030204" pitchFamily="18" charset="0"/>
+                              </a:rPr>
+                              <m:t>1</m:t>
+                            </m:r>
+                            <m:r>
+                              <a:rPr lang="de-DE" i="1">
+                                <a:latin typeface="Cambria Math" panose="02040503050406030204" pitchFamily="18" charset="0"/>
+                              </a:rPr>
+                              <m:t>𝑘</m:t>
+                            </m:r>
+                            <m:r>
+                              <a:rPr lang="de-DE" i="1">
+                                <a:latin typeface="Cambria Math" panose="02040503050406030204" pitchFamily="18" charset="0"/>
+                              </a:rPr>
+                              <m:t>−1</m:t>
+                            </m:r>
+                          </m:sub>
+                        </m:sSub>
+                        <m:r>
+                          <a:rPr lang="de-DE" b="0" i="1" smtClean="0">
+                            <a:latin typeface="Cambria Math" panose="02040503050406030204" pitchFamily="18" charset="0"/>
+                          </a:rPr>
+                          <m:t>−</m:t>
+                        </m:r>
+                        <m:d>
+                          <m:dPr>
+                            <m:ctrlPr>
+                              <a:rPr lang="de-DE" i="1">
+                                <a:latin typeface="Cambria Math" panose="02040503050406030204" pitchFamily="18" charset="0"/>
+                              </a:rPr>
+                            </m:ctrlPr>
+                          </m:dPr>
+                          <m:e>
+                            <m:sSub>
+                              <m:sSubPr>
+                                <m:ctrlPr>
+                                  <a:rPr lang="de-DE" i="1">
+                                    <a:latin typeface="Cambria Math" panose="02040503050406030204" pitchFamily="18" charset="0"/>
+                                  </a:rPr>
+                                </m:ctrlPr>
+                              </m:sSubPr>
+                              <m:e>
+                                <m:r>
+                                  <a:rPr lang="de-DE" i="1">
+                                    <a:latin typeface="Cambria Math" panose="02040503050406030204" pitchFamily="18" charset="0"/>
+                                  </a:rPr>
+                                  <m:t>𝑇</m:t>
+                                </m:r>
+                              </m:e>
+                              <m:sub>
+                                <m:r>
+                                  <a:rPr lang="de-DE" i="1">
+                                    <a:latin typeface="Cambria Math" panose="02040503050406030204" pitchFamily="18" charset="0"/>
+                                  </a:rPr>
+                                  <m:t>𝐴</m:t>
+                                </m:r>
+                              </m:sub>
+                            </m:sSub>
+                            <m:r>
+                              <a:rPr lang="de-DE" i="1">
+                                <a:latin typeface="Cambria Math" panose="02040503050406030204" pitchFamily="18" charset="0"/>
+                              </a:rPr>
+                              <m:t>−2</m:t>
+                            </m:r>
+                            <m:sSub>
+                              <m:sSubPr>
+                                <m:ctrlPr>
+                                  <a:rPr lang="de-DE" i="1">
+                                    <a:latin typeface="Cambria Math" panose="02040503050406030204" pitchFamily="18" charset="0"/>
+                                  </a:rPr>
+                                </m:ctrlPr>
+                              </m:sSubPr>
+                              <m:e>
+                                <m:r>
+                                  <a:rPr lang="de-DE" i="1">
+                                    <a:latin typeface="Cambria Math" panose="02040503050406030204" pitchFamily="18" charset="0"/>
+                                  </a:rPr>
+                                  <m:t>𝑇</m:t>
+                                </m:r>
+                              </m:e>
+                              <m:sub>
+                                <m:r>
+                                  <a:rPr lang="de-DE" i="1">
+                                    <a:latin typeface="Cambria Math" panose="02040503050406030204" pitchFamily="18" charset="0"/>
+                                  </a:rPr>
+                                  <m:t>𝑖</m:t>
+                                </m:r>
+                              </m:sub>
+                            </m:sSub>
+                          </m:e>
+                        </m:d>
+                        <m:sSub>
+                          <m:sSubPr>
+                            <m:ctrlPr>
+                              <a:rPr lang="de-DE" i="1">
+                                <a:latin typeface="Cambria Math" panose="02040503050406030204" pitchFamily="18" charset="0"/>
+                              </a:rPr>
+                            </m:ctrlPr>
+                          </m:sSubPr>
+                          <m:e>
+                            <m:r>
+                              <a:rPr lang="de-DE" i="1">
+                                <a:latin typeface="Cambria Math" panose="02040503050406030204" pitchFamily="18" charset="0"/>
+                              </a:rPr>
+                              <m:t>𝑢</m:t>
+                            </m:r>
+                          </m:e>
+                          <m:sub>
+                            <m:r>
+                              <a:rPr lang="de-DE" i="1">
+                                <a:latin typeface="Cambria Math" panose="02040503050406030204" pitchFamily="18" charset="0"/>
+                              </a:rPr>
+                              <m:t>𝑉𝑝𝑘</m:t>
+                            </m:r>
+                            <m:r>
+                              <a:rPr lang="de-DE" i="1">
+                                <a:latin typeface="Cambria Math" panose="02040503050406030204" pitchFamily="18" charset="0"/>
+                              </a:rPr>
+                              <m:t>−1</m:t>
                             </m:r>
                           </m:sub>
                         </m:sSub>
                       </m:num>
                       <m:den>
-                        <m:r>
-                          <a:rPr lang="de-DE" b="0" i="1" smtClean="0">
-                            <a:latin typeface="Cambria Math" panose="02040503050406030204" pitchFamily="18" charset="0"/>
-                          </a:rPr>
-                          <m:t>2</m:t>
-                        </m:r>
-                      </m:den>
-                    </m:f>
-                    <m:sSub>
-                      <m:sSubPr>
-                        <m:ctrlPr>
-                          <a:rPr lang="de-DE" i="1">
-                            <a:latin typeface="Cambria Math" panose="02040503050406030204" pitchFamily="18" charset="0"/>
-                          </a:rPr>
-                        </m:ctrlPr>
-                      </m:sSubPr>
-                      <m:e>
-                        <m:r>
-                          <a:rPr lang="de-DE" i="1">
-                            <a:latin typeface="Cambria Math" panose="02040503050406030204" pitchFamily="18" charset="0"/>
-                          </a:rPr>
-                          <m:t>𝑢</m:t>
-                        </m:r>
-                      </m:e>
-                      <m:sub>
-                        <m:r>
-                          <a:rPr lang="de-DE" i="1">
-                            <a:latin typeface="Cambria Math" panose="02040503050406030204" pitchFamily="18" charset="0"/>
-                          </a:rPr>
-                          <m:t>𝑉𝑝</m:t>
-                        </m:r>
-                        <m:r>
-                          <a:rPr lang="de-DE" i="1">
-                            <a:latin typeface="Cambria Math" panose="02040503050406030204" pitchFamily="18" charset="0"/>
-                          </a:rPr>
-                          <m:t>1</m:t>
-                        </m:r>
-                        <m:r>
-                          <a:rPr lang="de-DE" i="1">
-                            <a:latin typeface="Cambria Math" panose="02040503050406030204" pitchFamily="18" charset="0"/>
-                          </a:rPr>
-                          <m:t>𝑘</m:t>
-                        </m:r>
-                      </m:sub>
-                    </m:sSub>
-                    <m:r>
-                      <a:rPr lang="de-DE" i="1">
-                        <a:latin typeface="Cambria Math" panose="02040503050406030204" pitchFamily="18" charset="0"/>
-                      </a:rPr>
-                      <m:t>+</m:t>
-                    </m:r>
-                    <m:f>
-                      <m:fPr>
-                        <m:ctrlPr>
-                          <a:rPr lang="de-DE" b="0" i="1" smtClean="0">
-                            <a:latin typeface="Cambria Math" panose="02040503050406030204" pitchFamily="18" charset="0"/>
-                          </a:rPr>
-                        </m:ctrlPr>
-                      </m:fPr>
-                      <m:num>
                         <m:sSub>
                           <m:sSubPr>
                             <m:ctrlPr>
@@ -18521,7 +18559,7 @@
                           <a:rPr lang="de-DE" i="1">
                             <a:latin typeface="Cambria Math" panose="02040503050406030204" pitchFamily="18" charset="0"/>
                           </a:rPr>
-                          <m:t>−2</m:t>
+                          <m:t>+2</m:t>
                         </m:r>
                         <m:sSub>
                           <m:sSubPr>
@@ -18548,59 +18586,8 @@
                             </m:r>
                           </m:sub>
                         </m:sSub>
-                      </m:num>
-                      <m:den>
-                        <m:r>
-                          <a:rPr lang="de-DE" b="0" i="1" smtClean="0">
-                            <a:latin typeface="Cambria Math" panose="02040503050406030204" pitchFamily="18" charset="0"/>
-                          </a:rPr>
-                          <m:t>2</m:t>
-                        </m:r>
                       </m:den>
                     </m:f>
-                    <m:sSub>
-                      <m:sSubPr>
-                        <m:ctrlPr>
-                          <a:rPr lang="de-DE" i="1">
-                            <a:latin typeface="Cambria Math" panose="02040503050406030204" pitchFamily="18" charset="0"/>
-                          </a:rPr>
-                        </m:ctrlPr>
-                      </m:sSubPr>
-                      <m:e>
-                        <m:r>
-                          <a:rPr lang="de-DE" i="1">
-                            <a:latin typeface="Cambria Math" panose="02040503050406030204" pitchFamily="18" charset="0"/>
-                          </a:rPr>
-                          <m:t>𝑢</m:t>
-                        </m:r>
-                      </m:e>
-                      <m:sub>
-                        <m:r>
-                          <a:rPr lang="de-DE" i="1">
-                            <a:latin typeface="Cambria Math" panose="02040503050406030204" pitchFamily="18" charset="0"/>
-                          </a:rPr>
-                          <m:t>𝑉𝑝</m:t>
-                        </m:r>
-                        <m:r>
-                          <a:rPr lang="de-DE" i="1">
-                            <a:latin typeface="Cambria Math" panose="02040503050406030204" pitchFamily="18" charset="0"/>
-                          </a:rPr>
-                          <m:t>1</m:t>
-                        </m:r>
-                        <m:r>
-                          <a:rPr lang="de-DE" i="1">
-                            <a:latin typeface="Cambria Math" panose="02040503050406030204" pitchFamily="18" charset="0"/>
-                          </a:rPr>
-                          <m:t>𝑘</m:t>
-                        </m:r>
-                        <m:r>
-                          <a:rPr lang="de-DE" i="1">
-                            <a:latin typeface="Cambria Math" panose="02040503050406030204" pitchFamily="18" charset="0"/>
-                          </a:rPr>
-                          <m:t>−1</m:t>
-                        </m:r>
-                      </m:sub>
-                    </m:sSub>
                   </m:oMath>
                 </a14:m>
                 <a:endParaRPr lang="de-DE" b="0" dirty="0"/>
@@ -18709,8 +18696,8 @@
         </p:nvSpPr>
         <p:spPr>
           <a:xfrm>
-            <a:off x="6095997" y="714826"/>
-            <a:ext cx="5976003" cy="5713998"/>
+            <a:off x="7248000" y="714826"/>
+            <a:ext cx="4824000" cy="5713998"/>
           </a:xfrm>
         </p:spPr>
         <p:txBody>
@@ -20000,6 +19987,1532 @@
     <p:extLst>
       <p:ext uri="{BB962C8B-B14F-4D97-AF65-F5344CB8AC3E}">
         <p14:creationId xmlns:p14="http://schemas.microsoft.com/office/powerpoint/2010/main" val="975996790"/>
+      </p:ext>
+    </p:extLst>
+  </p:cSld>
+  <p:clrMapOvr>
+    <a:masterClrMapping/>
+  </p:clrMapOvr>
+</p:sld>
+</file>
+
+<file path=ppt/slides/slide9.xml><?xml version="1.0" encoding="utf-8"?>
+<p:sld xmlns:a="http://schemas.openxmlformats.org/drawingml/2006/main" xmlns:r="http://schemas.openxmlformats.org/officeDocument/2006/relationships" xmlns:p="http://schemas.openxmlformats.org/presentationml/2006/main">
+  <p:cSld>
+    <p:spTree>
+      <p:nvGrpSpPr>
+        <p:cNvPr id="1" name=""/>
+        <p:cNvGrpSpPr/>
+        <p:nvPr/>
+      </p:nvGrpSpPr>
+      <p:grpSpPr>
+        <a:xfrm>
+          <a:off x="0" y="0"/>
+          <a:ext cx="0" cy="0"/>
+          <a:chOff x="0" y="0"/>
+          <a:chExt cx="0" cy="0"/>
+        </a:xfrm>
+      </p:grpSpPr>
+      <mc:AlternateContent xmlns:mc="http://schemas.openxmlformats.org/markup-compatibility/2006">
+        <mc:Choice xmlns:a14="http://schemas.microsoft.com/office/drawing/2010/main" Requires="a14">
+          <p:graphicFrame>
+            <p:nvGraphicFramePr>
+              <p:cNvPr id="4" name="Table 4">
+                <a:extLst>
+                  <a:ext uri="{FF2B5EF4-FFF2-40B4-BE49-F238E27FC236}">
+                    <a16:creationId xmlns:a16="http://schemas.microsoft.com/office/drawing/2014/main" id="{2BF4D833-AD70-7968-AEE4-701ADA8081AC}"/>
+                  </a:ext>
+                </a:extLst>
+              </p:cNvPr>
+              <p:cNvGraphicFramePr>
+                <a:graphicFrameLocks noGrp="1"/>
+              </p:cNvGraphicFramePr>
+              <p:nvPr>
+                <p:ph idx="1"/>
+                <p:extLst>
+                  <p:ext uri="{D42A27DB-BD31-4B8C-83A1-F6EECF244321}">
+                    <p14:modId xmlns:p14="http://schemas.microsoft.com/office/powerpoint/2010/main" val="643062860"/>
+                  </p:ext>
+                </p:extLst>
+              </p:nvPr>
+            </p:nvGraphicFramePr>
+            <p:xfrm>
+              <a:off x="-1" y="714375"/>
+              <a:ext cx="12191996" cy="3087815"/>
+            </p:xfrm>
+            <a:graphic>
+              <a:graphicData uri="http://schemas.openxmlformats.org/drawingml/2006/table">
+                <a:tbl>
+                  <a:tblPr firstRow="1" bandRow="1">
+                    <a:tableStyleId>{5C22544A-7EE6-4342-B048-85BDC9FD1C3A}</a:tableStyleId>
+                  </a:tblPr>
+                  <a:tblGrid>
+                    <a:gridCol w="1848001">
+                      <a:extLst>
+                        <a:ext uri="{9D8B030D-6E8A-4147-A177-3AD203B41FA5}">
+                          <a16:colId xmlns:a16="http://schemas.microsoft.com/office/drawing/2014/main" val="9351413"/>
+                        </a:ext>
+                      </a:extLst>
+                    </a:gridCol>
+                    <a:gridCol w="1944000">
+                      <a:extLst>
+                        <a:ext uri="{9D8B030D-6E8A-4147-A177-3AD203B41FA5}">
+                          <a16:colId xmlns:a16="http://schemas.microsoft.com/office/drawing/2014/main" val="1736217933"/>
+                        </a:ext>
+                      </a:extLst>
+                    </a:gridCol>
+                    <a:gridCol w="2304000">
+                      <a:extLst>
+                        <a:ext uri="{9D8B030D-6E8A-4147-A177-3AD203B41FA5}">
+                          <a16:colId xmlns:a16="http://schemas.microsoft.com/office/drawing/2014/main" val="1000572906"/>
+                        </a:ext>
+                      </a:extLst>
+                    </a:gridCol>
+                    <a:gridCol w="6095995">
+                      <a:extLst>
+                        <a:ext uri="{9D8B030D-6E8A-4147-A177-3AD203B41FA5}">
+                          <a16:colId xmlns:a16="http://schemas.microsoft.com/office/drawing/2014/main" val="2488272078"/>
+                        </a:ext>
+                      </a:extLst>
+                    </a:gridCol>
+                  </a:tblGrid>
+                  <a:tr h="370840">
+                    <a:tc>
+                      <a:txBody>
+                        <a:bodyPr/>
+                        <a:lstStyle/>
+                        <a:p>
+                          <a:r>
+                            <a:rPr lang="de-DE" dirty="0"/>
+                            <a:t>Symbol</a:t>
+                          </a:r>
+                          <a:endParaRPr lang="en-US" dirty="0"/>
+                        </a:p>
+                      </a:txBody>
+                      <a:tcPr/>
+                    </a:tc>
+                    <a:tc>
+                      <a:txBody>
+                        <a:bodyPr/>
+                        <a:lstStyle/>
+                        <a:p>
+                          <a:r>
+                            <a:rPr lang="de-DE" dirty="0"/>
+                            <a:t>C++ - Symbol</a:t>
+                          </a:r>
+                          <a:endParaRPr lang="en-US" dirty="0"/>
+                        </a:p>
+                      </a:txBody>
+                      <a:tcPr/>
+                    </a:tc>
+                    <a:tc>
+                      <a:txBody>
+                        <a:bodyPr/>
+                        <a:lstStyle/>
+                        <a:p>
+                          <a:r>
+                            <a:rPr lang="de-DE" dirty="0"/>
+                            <a:t>Wertebereich/Einheit</a:t>
+                          </a:r>
+                          <a:endParaRPr lang="en-US" dirty="0"/>
+                        </a:p>
+                      </a:txBody>
+                      <a:tcPr/>
+                    </a:tc>
+                    <a:tc>
+                      <a:txBody>
+                        <a:bodyPr/>
+                        <a:lstStyle/>
+                        <a:p>
+                          <a:r>
+                            <a:rPr lang="de-DE" dirty="0"/>
+                            <a:t>Bedeutung</a:t>
+                          </a:r>
+                          <a:endParaRPr lang="en-US" dirty="0"/>
+                        </a:p>
+                      </a:txBody>
+                      <a:tcPr/>
+                    </a:tc>
+                    <a:extLst>
+                      <a:ext uri="{0D108BD9-81ED-4DB2-BD59-A6C34878D82A}">
+                        <a16:rowId xmlns:a16="http://schemas.microsoft.com/office/drawing/2014/main" val="1784900609"/>
+                      </a:ext>
+                    </a:extLst>
+                  </a:tr>
+                  <a:tr h="370840">
+                    <a:tc>
+                      <a:txBody>
+                        <a:bodyPr/>
+                        <a:lstStyle/>
+                        <a:p>
+                          <a:pPr algn="ctr"/>
+                          <a:r>
+                            <a:rPr lang="de-DE" dirty="0">
+                              <a:latin typeface="Cambria Math" panose="02040503050406030204" pitchFamily="18" charset="0"/>
+                              <a:ea typeface="Cambria Math" panose="02040503050406030204" pitchFamily="18" charset="0"/>
+                            </a:rPr>
+                            <a:t>type</a:t>
+                          </a:r>
+                          <a:endParaRPr lang="en-US" dirty="0">
+                            <a:latin typeface="Cambria Math" panose="02040503050406030204" pitchFamily="18" charset="0"/>
+                            <a:ea typeface="Cambria Math" panose="02040503050406030204" pitchFamily="18" charset="0"/>
+                          </a:endParaRPr>
+                        </a:p>
+                      </a:txBody>
+                      <a:tcPr anchor="ctr"/>
+                    </a:tc>
+                    <a:tc>
+                      <a:txBody>
+                        <a:bodyPr/>
+                        <a:lstStyle/>
+                        <a:p>
+                          <a:pPr algn="ctr"/>
+                          <a:r>
+                            <a:rPr lang="de-DE" dirty="0">
+                              <a:latin typeface="Cambria Math" panose="02040503050406030204" pitchFamily="18" charset="0"/>
+                              <a:ea typeface="Cambria Math" panose="02040503050406030204" pitchFamily="18" charset="0"/>
+                            </a:rPr>
+                            <a:t>sigGenIn.at(0)</a:t>
+                          </a:r>
+                          <a:endParaRPr lang="en-US" dirty="0">
+                            <a:latin typeface="Cambria Math" panose="02040503050406030204" pitchFamily="18" charset="0"/>
+                            <a:ea typeface="Cambria Math" panose="02040503050406030204" pitchFamily="18" charset="0"/>
+                          </a:endParaRPr>
+                        </a:p>
+                      </a:txBody>
+                      <a:tcPr anchor="ctr"/>
+                    </a:tc>
+                    <a:tc>
+                      <a:txBody>
+                        <a:bodyPr/>
+                        <a:lstStyle/>
+                        <a:p>
+                          <a:pPr algn="ctr"/>
+                          <a:r>
+                            <a:rPr lang="de-DE" dirty="0">
+                              <a:latin typeface="Cambria Math" panose="02040503050406030204" pitchFamily="18" charset="0"/>
+                              <a:ea typeface="Cambria Math" panose="02040503050406030204" pitchFamily="18" charset="0"/>
+                            </a:rPr>
+                            <a:t>{TYPE_PATHFOLLOW, TYPE_PARK}</a:t>
+                          </a:r>
+                          <a:endParaRPr lang="en-US" dirty="0">
+                            <a:latin typeface="Cambria Math" panose="02040503050406030204" pitchFamily="18" charset="0"/>
+                            <a:ea typeface="Cambria Math" panose="02040503050406030204" pitchFamily="18" charset="0"/>
+                          </a:endParaRPr>
+                        </a:p>
+                      </a:txBody>
+                      <a:tcPr anchor="ctr"/>
+                    </a:tc>
+                    <a:tc>
+                      <a:txBody>
+                        <a:bodyPr/>
+                        <a:lstStyle/>
+                        <a:p>
+                          <a:pPr algn="l"/>
+                          <a:r>
+                            <a:rPr lang="de-DE" dirty="0">
+                              <a:latin typeface="+mn-lt"/>
+                              <a:ea typeface="Cambria Math" panose="02040503050406030204" pitchFamily="18" charset="0"/>
+                            </a:rPr>
+                            <a:t>Typ des Manövers</a:t>
+                          </a:r>
+                          <a:endParaRPr lang="en-US" dirty="0">
+                            <a:latin typeface="+mn-lt"/>
+                            <a:ea typeface="Cambria Math" panose="02040503050406030204" pitchFamily="18" charset="0"/>
+                          </a:endParaRPr>
+                        </a:p>
+                      </a:txBody>
+                      <a:tcPr anchor="ctr"/>
+                    </a:tc>
+                    <a:extLst>
+                      <a:ext uri="{0D108BD9-81ED-4DB2-BD59-A6C34878D82A}">
+                        <a16:rowId xmlns:a16="http://schemas.microsoft.com/office/drawing/2014/main" val="2867546178"/>
+                      </a:ext>
+                    </a:extLst>
+                  </a:tr>
+                  <a:tr h="370840">
+                    <a:tc>
+                      <a:txBody>
+                        <a:bodyPr/>
+                        <a:lstStyle/>
+                        <a:p>
+                          <a:pPr algn="ctr"/>
+                          <a14:m>
+                            <m:oMathPara xmlns:m="http://schemas.openxmlformats.org/officeDocument/2006/math">
+                              <m:oMathParaPr>
+                                <m:jc m:val="centerGroup"/>
+                              </m:oMathParaPr>
+                              <m:oMath xmlns:m="http://schemas.openxmlformats.org/officeDocument/2006/math">
+                                <m:sSup>
+                                  <m:sSupPr>
+                                    <m:ctrlPr>
+                                      <a:rPr lang="de-DE" b="0" i="1" smtClean="0">
+                                        <a:latin typeface="Cambria Math" panose="02040503050406030204" pitchFamily="18" charset="0"/>
+                                        <a:ea typeface="Cambria Math" panose="02040503050406030204" pitchFamily="18" charset="0"/>
+                                      </a:rPr>
+                                    </m:ctrlPr>
+                                  </m:sSupPr>
+                                  <m:e>
+                                    <m:r>
+                                      <a:rPr lang="de-DE" b="0" i="1" smtClean="0">
+                                        <a:latin typeface="Cambria Math" panose="02040503050406030204" pitchFamily="18" charset="0"/>
+                                        <a:ea typeface="Cambria Math" panose="02040503050406030204" pitchFamily="18" charset="0"/>
+                                      </a:rPr>
+                                      <m:t>𝑣</m:t>
+                                    </m:r>
+                                  </m:e>
+                                  <m:sup>
+                                    <m:r>
+                                      <a:rPr lang="de-DE" b="0" i="1" smtClean="0">
+                                        <a:latin typeface="Cambria Math" panose="02040503050406030204" pitchFamily="18" charset="0"/>
+                                        <a:ea typeface="Cambria Math" panose="02040503050406030204" pitchFamily="18" charset="0"/>
+                                      </a:rPr>
+                                      <m:t>∗</m:t>
+                                    </m:r>
+                                  </m:sup>
+                                </m:sSup>
+                              </m:oMath>
+                            </m:oMathPara>
+                          </a14:m>
+                          <a:endParaRPr lang="en-US" dirty="0">
+                            <a:latin typeface="Cambria Math" panose="02040503050406030204" pitchFamily="18" charset="0"/>
+                            <a:ea typeface="Cambria Math" panose="02040503050406030204" pitchFamily="18" charset="0"/>
+                          </a:endParaRPr>
+                        </a:p>
+                      </a:txBody>
+                      <a:tcPr anchor="ctr"/>
+                    </a:tc>
+                    <a:tc>
+                      <a:txBody>
+                        <a:bodyPr/>
+                        <a:lstStyle/>
+                        <a:p>
+                          <a:pPr algn="ctr"/>
+                          <a:r>
+                            <a:rPr lang="de-DE" dirty="0">
+                              <a:latin typeface="Cambria Math" panose="02040503050406030204" pitchFamily="18" charset="0"/>
+                              <a:ea typeface="Cambria Math" panose="02040503050406030204" pitchFamily="18" charset="0"/>
+                            </a:rPr>
+                            <a:t>sigGenIn.at(1)</a:t>
+                          </a:r>
+                          <a:endParaRPr lang="en-US" dirty="0">
+                            <a:latin typeface="Cambria Math" panose="02040503050406030204" pitchFamily="18" charset="0"/>
+                            <a:ea typeface="Cambria Math" panose="02040503050406030204" pitchFamily="18" charset="0"/>
+                          </a:endParaRPr>
+                        </a:p>
+                      </a:txBody>
+                      <a:tcPr anchor="ctr"/>
+                    </a:tc>
+                    <a:tc>
+                      <a:txBody>
+                        <a:bodyPr/>
+                        <a:lstStyle/>
+                        <a:p>
+                          <a:pPr algn="ctr"/>
+                          <a14:m>
+                            <m:oMathPara xmlns:m="http://schemas.openxmlformats.org/officeDocument/2006/math">
+                              <m:oMathParaPr>
+                                <m:jc m:val="centerGroup"/>
+                              </m:oMathParaPr>
+                              <m:oMath xmlns:m="http://schemas.openxmlformats.org/officeDocument/2006/math">
+                                <m:f>
+                                  <m:fPr>
+                                    <m:ctrlPr>
+                                      <a:rPr lang="de-DE" b="0" i="1" smtClean="0">
+                                        <a:latin typeface="Cambria Math" panose="02040503050406030204" pitchFamily="18" charset="0"/>
+                                        <a:ea typeface="Cambria Math" panose="02040503050406030204" pitchFamily="18" charset="0"/>
+                                      </a:rPr>
+                                    </m:ctrlPr>
+                                  </m:fPr>
+                                  <m:num>
+                                    <m:r>
+                                      <a:rPr lang="de-DE" b="0" i="1" smtClean="0">
+                                        <a:latin typeface="Cambria Math" panose="02040503050406030204" pitchFamily="18" charset="0"/>
+                                        <a:ea typeface="Cambria Math" panose="02040503050406030204" pitchFamily="18" charset="0"/>
+                                      </a:rPr>
+                                      <m:t>𝑚</m:t>
+                                    </m:r>
+                                  </m:num>
+                                  <m:den>
+                                    <m:r>
+                                      <a:rPr lang="de-DE" b="0" i="1" smtClean="0">
+                                        <a:latin typeface="Cambria Math" panose="02040503050406030204" pitchFamily="18" charset="0"/>
+                                        <a:ea typeface="Cambria Math" panose="02040503050406030204" pitchFamily="18" charset="0"/>
+                                      </a:rPr>
+                                      <m:t>𝑠</m:t>
+                                    </m:r>
+                                  </m:den>
+                                </m:f>
+                              </m:oMath>
+                            </m:oMathPara>
+                          </a14:m>
+                          <a:endParaRPr lang="en-US" dirty="0">
+                            <a:latin typeface="Cambria Math" panose="02040503050406030204" pitchFamily="18" charset="0"/>
+                            <a:ea typeface="Cambria Math" panose="02040503050406030204" pitchFamily="18" charset="0"/>
+                          </a:endParaRPr>
+                        </a:p>
+                      </a:txBody>
+                      <a:tcPr anchor="ctr"/>
+                    </a:tc>
+                    <a:tc>
+                      <a:txBody>
+                        <a:bodyPr/>
+                        <a:lstStyle/>
+                        <a:p>
+                          <a:pPr algn="l"/>
+                          <a:r>
+                            <a:rPr lang="de-DE" dirty="0">
+                              <a:latin typeface="+mn-lt"/>
+                              <a:ea typeface="Cambria Math" panose="02040503050406030204" pitchFamily="18" charset="0"/>
+                            </a:rPr>
+                            <a:t>Maximal Geschwindigkeit eines Manövers</a:t>
+                          </a:r>
+                          <a:endParaRPr lang="en-US" dirty="0">
+                            <a:latin typeface="+mn-lt"/>
+                            <a:ea typeface="Cambria Math" panose="02040503050406030204" pitchFamily="18" charset="0"/>
+                          </a:endParaRPr>
+                        </a:p>
+                      </a:txBody>
+                      <a:tcPr anchor="ctr"/>
+                    </a:tc>
+                    <a:extLst>
+                      <a:ext uri="{0D108BD9-81ED-4DB2-BD59-A6C34878D82A}">
+                        <a16:rowId xmlns:a16="http://schemas.microsoft.com/office/drawing/2014/main" val="2869666737"/>
+                      </a:ext>
+                    </a:extLst>
+                  </a:tr>
+                  <a:tr h="370840">
+                    <a:tc>
+                      <a:txBody>
+                        <a:bodyPr/>
+                        <a:lstStyle/>
+                        <a:p>
+                          <a:pPr algn="ctr"/>
+                          <a14:m>
+                            <m:oMathPara xmlns:m="http://schemas.openxmlformats.org/officeDocument/2006/math">
+                              <m:oMathParaPr>
+                                <m:jc m:val="centerGroup"/>
+                              </m:oMathParaPr>
+                              <m:oMath xmlns:m="http://schemas.openxmlformats.org/officeDocument/2006/math">
+                                <m:sSup>
+                                  <m:sSupPr>
+                                    <m:ctrlPr>
+                                      <a:rPr lang="de-DE" b="0" i="1" smtClean="0">
+                                        <a:latin typeface="Cambria Math" panose="02040503050406030204" pitchFamily="18" charset="0"/>
+                                        <a:ea typeface="Cambria Math" panose="02040503050406030204" pitchFamily="18" charset="0"/>
+                                      </a:rPr>
+                                    </m:ctrlPr>
+                                  </m:sSupPr>
+                                  <m:e>
+                                    <m:r>
+                                      <a:rPr lang="de-DE" b="0" i="1" smtClean="0">
+                                        <a:latin typeface="Cambria Math" panose="02040503050406030204" pitchFamily="18" charset="0"/>
+                                        <a:ea typeface="Cambria Math" panose="02040503050406030204" pitchFamily="18" charset="0"/>
+                                      </a:rPr>
+                                      <m:t>𝑥</m:t>
+                                    </m:r>
+                                  </m:e>
+                                  <m:sup>
+                                    <m:r>
+                                      <a:rPr lang="de-DE" b="0" i="1" smtClean="0">
+                                        <a:latin typeface="Cambria Math" panose="02040503050406030204" pitchFamily="18" charset="0"/>
+                                        <a:ea typeface="Cambria Math" panose="02040503050406030204" pitchFamily="18" charset="0"/>
+                                      </a:rPr>
+                                      <m:t>∗</m:t>
+                                    </m:r>
+                                  </m:sup>
+                                </m:sSup>
+                              </m:oMath>
+                            </m:oMathPara>
+                          </a14:m>
+                          <a:endParaRPr lang="en-US" dirty="0">
+                            <a:latin typeface="Cambria Math" panose="02040503050406030204" pitchFamily="18" charset="0"/>
+                            <a:ea typeface="Cambria Math" panose="02040503050406030204" pitchFamily="18" charset="0"/>
+                          </a:endParaRPr>
+                        </a:p>
+                      </a:txBody>
+                      <a:tcPr anchor="ctr"/>
+                    </a:tc>
+                    <a:tc>
+                      <a:txBody>
+                        <a:bodyPr/>
+                        <a:lstStyle/>
+                        <a:p>
+                          <a:pPr algn="ctr"/>
+                          <a:r>
+                            <a:rPr lang="de-DE" dirty="0">
+                              <a:latin typeface="Cambria Math" panose="02040503050406030204" pitchFamily="18" charset="0"/>
+                              <a:ea typeface="Cambria Math" panose="02040503050406030204" pitchFamily="18" charset="0"/>
+                            </a:rPr>
+                            <a:t>sigGenIn.at(2)</a:t>
+                          </a:r>
+                          <a:endParaRPr lang="en-US" dirty="0">
+                            <a:latin typeface="Cambria Math" panose="02040503050406030204" pitchFamily="18" charset="0"/>
+                            <a:ea typeface="Cambria Math" panose="02040503050406030204" pitchFamily="18" charset="0"/>
+                          </a:endParaRPr>
+                        </a:p>
+                      </a:txBody>
+                      <a:tcPr anchor="ctr"/>
+                    </a:tc>
+                    <a:tc>
+                      <a:txBody>
+                        <a:bodyPr/>
+                        <a:lstStyle/>
+                        <a:p>
+                          <a:pPr algn="ctr"/>
+                          <a14:m>
+                            <m:oMathPara xmlns:m="http://schemas.openxmlformats.org/officeDocument/2006/math">
+                              <m:oMathParaPr>
+                                <m:jc m:val="centerGroup"/>
+                              </m:oMathParaPr>
+                              <m:oMath xmlns:m="http://schemas.openxmlformats.org/officeDocument/2006/math">
+                                <m:r>
+                                  <a:rPr lang="de-DE" b="0" i="1" smtClean="0">
+                                    <a:latin typeface="Cambria Math" panose="02040503050406030204" pitchFamily="18" charset="0"/>
+                                    <a:ea typeface="Cambria Math" panose="02040503050406030204" pitchFamily="18" charset="0"/>
+                                  </a:rPr>
+                                  <m:t>𝑚</m:t>
+                                </m:r>
+                              </m:oMath>
+                            </m:oMathPara>
+                          </a14:m>
+                          <a:endParaRPr lang="en-US" dirty="0">
+                            <a:latin typeface="Cambria Math" panose="02040503050406030204" pitchFamily="18" charset="0"/>
+                            <a:ea typeface="Cambria Math" panose="02040503050406030204" pitchFamily="18" charset="0"/>
+                          </a:endParaRPr>
+                        </a:p>
+                      </a:txBody>
+                      <a:tcPr anchor="ctr"/>
+                    </a:tc>
+                    <a:tc>
+                      <a:txBody>
+                        <a:bodyPr/>
+                        <a:lstStyle/>
+                        <a:p>
+                          <a:pPr algn="l"/>
+                          <a:r>
+                            <a:rPr lang="de-DE" dirty="0">
+                              <a:latin typeface="+mn-lt"/>
+                              <a:ea typeface="Cambria Math" panose="02040503050406030204" pitchFamily="18" charset="0"/>
+                            </a:rPr>
+                            <a:t>Zu fahrender Weg</a:t>
+                          </a:r>
+                          <a:endParaRPr lang="en-US" dirty="0">
+                            <a:latin typeface="+mn-lt"/>
+                            <a:ea typeface="Cambria Math" panose="02040503050406030204" pitchFamily="18" charset="0"/>
+                          </a:endParaRPr>
+                        </a:p>
+                      </a:txBody>
+                      <a:tcPr anchor="ctr"/>
+                    </a:tc>
+                    <a:extLst>
+                      <a:ext uri="{0D108BD9-81ED-4DB2-BD59-A6C34878D82A}">
+                        <a16:rowId xmlns:a16="http://schemas.microsoft.com/office/drawing/2014/main" val="2234732982"/>
+                      </a:ext>
+                    </a:extLst>
+                  </a:tr>
+                  <a:tr h="370840">
+                    <a:tc>
+                      <a:txBody>
+                        <a:bodyPr/>
+                        <a:lstStyle/>
+                        <a:p>
+                          <a:pPr algn="ctr"/>
+                          <a14:m>
+                            <m:oMathPara xmlns:m="http://schemas.openxmlformats.org/officeDocument/2006/math">
+                              <m:oMathParaPr>
+                                <m:jc m:val="centerGroup"/>
+                              </m:oMathParaPr>
+                              <m:oMath xmlns:m="http://schemas.openxmlformats.org/officeDocument/2006/math">
+                                <m:sSub>
+                                  <m:sSubPr>
+                                    <m:ctrlPr>
+                                      <a:rPr lang="de-DE" b="0" i="1" smtClean="0">
+                                        <a:latin typeface="Cambria Math" panose="02040503050406030204" pitchFamily="18" charset="0"/>
+                                        <a:ea typeface="Cambria Math" panose="02040503050406030204" pitchFamily="18" charset="0"/>
+                                      </a:rPr>
+                                    </m:ctrlPr>
+                                  </m:sSubPr>
+                                  <m:e>
+                                    <m:r>
+                                      <a:rPr lang="de-DE" b="0" i="1" smtClean="0">
+                                        <a:latin typeface="Cambria Math" panose="02040503050406030204" pitchFamily="18" charset="0"/>
+                                        <a:ea typeface="Cambria Math" panose="02040503050406030204" pitchFamily="18" charset="0"/>
+                                      </a:rPr>
+                                      <m:t>𝑥</m:t>
+                                    </m:r>
+                                  </m:e>
+                                  <m:sub>
+                                    <m:r>
+                                      <a:rPr lang="de-DE" b="0" i="1" smtClean="0">
+                                        <a:latin typeface="Cambria Math" panose="02040503050406030204" pitchFamily="18" charset="0"/>
+                                        <a:ea typeface="Cambria Math" panose="02040503050406030204" pitchFamily="18" charset="0"/>
+                                      </a:rPr>
+                                      <m:t>0</m:t>
+                                    </m:r>
+                                  </m:sub>
+                                </m:sSub>
+                              </m:oMath>
+                            </m:oMathPara>
+                          </a14:m>
+                          <a:endParaRPr lang="en-US" dirty="0">
+                            <a:latin typeface="Cambria Math" panose="02040503050406030204" pitchFamily="18" charset="0"/>
+                            <a:ea typeface="Cambria Math" panose="02040503050406030204" pitchFamily="18" charset="0"/>
+                          </a:endParaRPr>
+                        </a:p>
+                      </a:txBody>
+                      <a:tcPr anchor="ctr"/>
+                    </a:tc>
+                    <a:tc>
+                      <a:txBody>
+                        <a:bodyPr/>
+                        <a:lstStyle/>
+                        <a:p>
+                          <a:pPr algn="ctr"/>
+                          <a:r>
+                            <a:rPr lang="de-DE" dirty="0">
+                              <a:latin typeface="Cambria Math" panose="02040503050406030204" pitchFamily="18" charset="0"/>
+                              <a:ea typeface="Cambria Math" panose="02040503050406030204" pitchFamily="18" charset="0"/>
+                            </a:rPr>
+                            <a:t>sigGenIn.at(3)</a:t>
+                          </a:r>
+                          <a:endParaRPr lang="en-US" dirty="0">
+                            <a:latin typeface="Cambria Math" panose="02040503050406030204" pitchFamily="18" charset="0"/>
+                            <a:ea typeface="Cambria Math" panose="02040503050406030204" pitchFamily="18" charset="0"/>
+                          </a:endParaRPr>
+                        </a:p>
+                      </a:txBody>
+                      <a:tcPr anchor="ctr"/>
+                    </a:tc>
+                    <a:tc>
+                      <a:txBody>
+                        <a:bodyPr/>
+                        <a:lstStyle/>
+                        <a:p>
+                          <a:pPr algn="ctr"/>
+                          <a14:m>
+                            <m:oMathPara xmlns:m="http://schemas.openxmlformats.org/officeDocument/2006/math">
+                              <m:oMathParaPr>
+                                <m:jc m:val="centerGroup"/>
+                              </m:oMathParaPr>
+                              <m:oMath xmlns:m="http://schemas.openxmlformats.org/officeDocument/2006/math">
+                                <m:r>
+                                  <a:rPr lang="de-DE" b="0" i="1" smtClean="0">
+                                    <a:latin typeface="Cambria Math" panose="02040503050406030204" pitchFamily="18" charset="0"/>
+                                    <a:ea typeface="Cambria Math" panose="02040503050406030204" pitchFamily="18" charset="0"/>
+                                  </a:rPr>
+                                  <m:t>𝑚</m:t>
+                                </m:r>
+                              </m:oMath>
+                            </m:oMathPara>
+                          </a14:m>
+                          <a:endParaRPr lang="en-US" dirty="0">
+                            <a:latin typeface="Cambria Math" panose="02040503050406030204" pitchFamily="18" charset="0"/>
+                            <a:ea typeface="Cambria Math" panose="02040503050406030204" pitchFamily="18" charset="0"/>
+                          </a:endParaRPr>
+                        </a:p>
+                      </a:txBody>
+                      <a:tcPr anchor="ctr"/>
+                    </a:tc>
+                    <a:tc>
+                      <a:txBody>
+                        <a:bodyPr/>
+                        <a:lstStyle/>
+                        <a:p>
+                          <a:pPr algn="l"/>
+                          <a:r>
+                            <a:rPr lang="de-DE" dirty="0">
+                              <a:latin typeface="+mn-lt"/>
+                              <a:ea typeface="Cambria Math" panose="02040503050406030204" pitchFamily="18" charset="0"/>
+                            </a:rPr>
+                            <a:t>Startposition</a:t>
+                          </a:r>
+                          <a:endParaRPr lang="en-US" dirty="0">
+                            <a:latin typeface="+mn-lt"/>
+                            <a:ea typeface="Cambria Math" panose="02040503050406030204" pitchFamily="18" charset="0"/>
+                          </a:endParaRPr>
+                        </a:p>
+                      </a:txBody>
+                      <a:tcPr anchor="ctr"/>
+                    </a:tc>
+                    <a:extLst>
+                      <a:ext uri="{0D108BD9-81ED-4DB2-BD59-A6C34878D82A}">
+                        <a16:rowId xmlns:a16="http://schemas.microsoft.com/office/drawing/2014/main" val="1659437246"/>
+                      </a:ext>
+                    </a:extLst>
+                  </a:tr>
+                  <a:tr h="370840">
+                    <a:tc>
+                      <a:txBody>
+                        <a:bodyPr/>
+                        <a:lstStyle/>
+                        <a:p>
+                          <a:pPr algn="ctr"/>
+                          <a14:m>
+                            <m:oMathPara xmlns:m="http://schemas.openxmlformats.org/officeDocument/2006/math">
+                              <m:oMathParaPr>
+                                <m:jc m:val="centerGroup"/>
+                              </m:oMathParaPr>
+                              <m:oMath xmlns:m="http://schemas.openxmlformats.org/officeDocument/2006/math">
+                                <m:sSub>
+                                  <m:sSubPr>
+                                    <m:ctrlPr>
+                                      <a:rPr lang="de-DE" b="0" i="1" smtClean="0">
+                                        <a:latin typeface="Cambria Math" panose="02040503050406030204" pitchFamily="18" charset="0"/>
+                                        <a:ea typeface="Cambria Math" panose="02040503050406030204" pitchFamily="18" charset="0"/>
+                                      </a:rPr>
+                                    </m:ctrlPr>
+                                  </m:sSubPr>
+                                  <m:e>
+                                    <m:r>
+                                      <a:rPr lang="de-DE" b="0" i="1" smtClean="0">
+                                        <a:latin typeface="Cambria Math" panose="02040503050406030204" pitchFamily="18" charset="0"/>
+                                        <a:ea typeface="Cambria Math" panose="02040503050406030204" pitchFamily="18" charset="0"/>
+                                      </a:rPr>
+                                      <m:t>𝑤</m:t>
+                                    </m:r>
+                                  </m:e>
+                                  <m:sub>
+                                    <m:r>
+                                      <a:rPr lang="de-DE" b="0" i="1" smtClean="0">
+                                        <a:latin typeface="Cambria Math" panose="02040503050406030204" pitchFamily="18" charset="0"/>
+                                        <a:ea typeface="Cambria Math" panose="02040503050406030204" pitchFamily="18" charset="0"/>
+                                      </a:rPr>
+                                      <m:t>𝑝</m:t>
+                                    </m:r>
+                                  </m:sub>
+                                </m:sSub>
+                              </m:oMath>
+                            </m:oMathPara>
+                          </a14:m>
+                          <a:endParaRPr lang="en-US" dirty="0">
+                            <a:latin typeface="Cambria Math" panose="02040503050406030204" pitchFamily="18" charset="0"/>
+                            <a:ea typeface="Cambria Math" panose="02040503050406030204" pitchFamily="18" charset="0"/>
+                          </a:endParaRPr>
+                        </a:p>
+                      </a:txBody>
+                      <a:tcPr anchor="ctr"/>
+                    </a:tc>
+                    <a:tc>
+                      <a:txBody>
+                        <a:bodyPr/>
+                        <a:lstStyle/>
+                        <a:p>
+                          <a:pPr algn="ctr"/>
+                          <a:r>
+                            <a:rPr lang="de-DE" dirty="0">
+                              <a:latin typeface="Cambria Math" panose="02040503050406030204" pitchFamily="18" charset="0"/>
+                              <a:ea typeface="Cambria Math" panose="02040503050406030204" pitchFamily="18" charset="0"/>
+                            </a:rPr>
+                            <a:t>sigGenOut.at(0)</a:t>
+                          </a:r>
+                          <a:endParaRPr lang="en-US" dirty="0">
+                            <a:latin typeface="Cambria Math" panose="02040503050406030204" pitchFamily="18" charset="0"/>
+                            <a:ea typeface="Cambria Math" panose="02040503050406030204" pitchFamily="18" charset="0"/>
+                          </a:endParaRPr>
+                        </a:p>
+                      </a:txBody>
+                      <a:tcPr anchor="ctr"/>
+                    </a:tc>
+                    <a:tc>
+                      <a:txBody>
+                        <a:bodyPr/>
+                        <a:lstStyle/>
+                        <a:p>
+                          <a:pPr algn="ctr"/>
+                          <a:endParaRPr lang="en-US" dirty="0">
+                            <a:latin typeface="Cambria Math" panose="02040503050406030204" pitchFamily="18" charset="0"/>
+                            <a:ea typeface="Cambria Math" panose="02040503050406030204" pitchFamily="18" charset="0"/>
+                          </a:endParaRPr>
+                        </a:p>
+                      </a:txBody>
+                      <a:tcPr anchor="ctr"/>
+                    </a:tc>
+                    <a:tc>
+                      <a:txBody>
+                        <a:bodyPr/>
+                        <a:lstStyle/>
+                        <a:p>
+                          <a:pPr algn="l"/>
+                          <a:endParaRPr lang="en-US" dirty="0">
+                            <a:latin typeface="+mn-lt"/>
+                            <a:ea typeface="Cambria Math" panose="02040503050406030204" pitchFamily="18" charset="0"/>
+                          </a:endParaRPr>
+                        </a:p>
+                      </a:txBody>
+                      <a:tcPr anchor="ctr"/>
+                    </a:tc>
+                    <a:extLst>
+                      <a:ext uri="{0D108BD9-81ED-4DB2-BD59-A6C34878D82A}">
+                        <a16:rowId xmlns:a16="http://schemas.microsoft.com/office/drawing/2014/main" val="3007156032"/>
+                      </a:ext>
+                    </a:extLst>
+                  </a:tr>
+                  <a:tr h="370840">
+                    <a:tc>
+                      <a:txBody>
+                        <a:bodyPr/>
+                        <a:lstStyle/>
+                        <a:p>
+                          <a:pPr algn="ctr"/>
+                          <a14:m>
+                            <m:oMathPara xmlns:m="http://schemas.openxmlformats.org/officeDocument/2006/math">
+                              <m:oMathParaPr>
+                                <m:jc m:val="centerGroup"/>
+                              </m:oMathParaPr>
+                              <m:oMath xmlns:m="http://schemas.openxmlformats.org/officeDocument/2006/math">
+                                <m:sSub>
+                                  <m:sSubPr>
+                                    <m:ctrlPr>
+                                      <a:rPr lang="de-DE" b="0" i="1" smtClean="0">
+                                        <a:latin typeface="Cambria Math" panose="02040503050406030204" pitchFamily="18" charset="0"/>
+                                        <a:ea typeface="Cambria Math" panose="02040503050406030204" pitchFamily="18" charset="0"/>
+                                      </a:rPr>
+                                    </m:ctrlPr>
+                                  </m:sSubPr>
+                                  <m:e>
+                                    <m:r>
+                                      <a:rPr lang="de-DE" b="0" i="1" smtClean="0">
+                                        <a:latin typeface="Cambria Math" panose="02040503050406030204" pitchFamily="18" charset="0"/>
+                                        <a:ea typeface="Cambria Math" panose="02040503050406030204" pitchFamily="18" charset="0"/>
+                                      </a:rPr>
+                                      <m:t>𝑢</m:t>
+                                    </m:r>
+                                  </m:e>
+                                  <m:sub>
+                                    <m:r>
+                                      <a:rPr lang="de-DE" b="0" i="1" smtClean="0">
+                                        <a:latin typeface="Cambria Math" panose="02040503050406030204" pitchFamily="18" charset="0"/>
+                                        <a:ea typeface="Cambria Math" panose="02040503050406030204" pitchFamily="18" charset="0"/>
+                                      </a:rPr>
+                                      <m:t>𝑣𝑝</m:t>
+                                    </m:r>
+                                    <m:r>
+                                      <a:rPr lang="de-DE" b="0" i="1" smtClean="0">
+                                        <a:latin typeface="Cambria Math" panose="02040503050406030204" pitchFamily="18" charset="0"/>
+                                        <a:ea typeface="Cambria Math" panose="02040503050406030204" pitchFamily="18" charset="0"/>
+                                      </a:rPr>
+                                      <m:t>1</m:t>
+                                    </m:r>
+                                  </m:sub>
+                                </m:sSub>
+                              </m:oMath>
+                            </m:oMathPara>
+                          </a14:m>
+                          <a:endParaRPr lang="en-US" dirty="0">
+                            <a:latin typeface="Cambria Math" panose="02040503050406030204" pitchFamily="18" charset="0"/>
+                            <a:ea typeface="Cambria Math" panose="02040503050406030204" pitchFamily="18" charset="0"/>
+                          </a:endParaRPr>
+                        </a:p>
+                      </a:txBody>
+                      <a:tcPr anchor="ctr"/>
+                    </a:tc>
+                    <a:tc>
+                      <a:txBody>
+                        <a:bodyPr/>
+                        <a:lstStyle/>
+                        <a:p>
+                          <a:pPr algn="ctr"/>
+                          <a:r>
+                            <a:rPr lang="de-DE" dirty="0">
+                              <a:latin typeface="Cambria Math" panose="02040503050406030204" pitchFamily="18" charset="0"/>
+                              <a:ea typeface="Cambria Math" panose="02040503050406030204" pitchFamily="18" charset="0"/>
+                            </a:rPr>
+                            <a:t>sigGenOut.at(1)</a:t>
+                          </a:r>
+                          <a:endParaRPr lang="en-US" dirty="0">
+                            <a:latin typeface="Cambria Math" panose="02040503050406030204" pitchFamily="18" charset="0"/>
+                            <a:ea typeface="Cambria Math" panose="02040503050406030204" pitchFamily="18" charset="0"/>
+                          </a:endParaRPr>
+                        </a:p>
+                      </a:txBody>
+                      <a:tcPr anchor="ctr"/>
+                    </a:tc>
+                    <a:tc>
+                      <a:txBody>
+                        <a:bodyPr/>
+                        <a:lstStyle/>
+                        <a:p>
+                          <a:pPr algn="ctr"/>
+                          <a:endParaRPr lang="en-US" dirty="0">
+                            <a:latin typeface="Cambria Math" panose="02040503050406030204" pitchFamily="18" charset="0"/>
+                            <a:ea typeface="Cambria Math" panose="02040503050406030204" pitchFamily="18" charset="0"/>
+                          </a:endParaRPr>
+                        </a:p>
+                      </a:txBody>
+                      <a:tcPr anchor="ctr"/>
+                    </a:tc>
+                    <a:tc>
+                      <a:txBody>
+                        <a:bodyPr/>
+                        <a:lstStyle/>
+                        <a:p>
+                          <a:pPr algn="l"/>
+                          <a:endParaRPr lang="en-US" dirty="0">
+                            <a:latin typeface="+mn-lt"/>
+                            <a:ea typeface="Cambria Math" panose="02040503050406030204" pitchFamily="18" charset="0"/>
+                          </a:endParaRPr>
+                        </a:p>
+                      </a:txBody>
+                      <a:tcPr anchor="ctr"/>
+                    </a:tc>
+                    <a:extLst>
+                      <a:ext uri="{0D108BD9-81ED-4DB2-BD59-A6C34878D82A}">
+                        <a16:rowId xmlns:a16="http://schemas.microsoft.com/office/drawing/2014/main" val="503037257"/>
+                      </a:ext>
+                    </a:extLst>
+                  </a:tr>
+                </a:tbl>
+              </a:graphicData>
+            </a:graphic>
+          </p:graphicFrame>
+        </mc:Choice>
+        <mc:Fallback>
+          <p:graphicFrame>
+            <p:nvGraphicFramePr>
+              <p:cNvPr id="4" name="Table 4">
+                <a:extLst>
+                  <a:ext uri="{FF2B5EF4-FFF2-40B4-BE49-F238E27FC236}">
+                    <a16:creationId xmlns:a16="http://schemas.microsoft.com/office/drawing/2014/main" id="{2BF4D833-AD70-7968-AEE4-701ADA8081AC}"/>
+                  </a:ext>
+                </a:extLst>
+              </p:cNvPr>
+              <p:cNvGraphicFramePr>
+                <a:graphicFrameLocks noGrp="1"/>
+              </p:cNvGraphicFramePr>
+              <p:nvPr>
+                <p:ph idx="1"/>
+                <p:extLst>
+                  <p:ext uri="{D42A27DB-BD31-4B8C-83A1-F6EECF244321}">
+                    <p14:modId xmlns:p14="http://schemas.microsoft.com/office/powerpoint/2010/main" val="643062860"/>
+                  </p:ext>
+                </p:extLst>
+              </p:nvPr>
+            </p:nvGraphicFramePr>
+            <p:xfrm>
+              <a:off x="-1" y="714375"/>
+              <a:ext cx="12191996" cy="3087815"/>
+            </p:xfrm>
+            <a:graphic>
+              <a:graphicData uri="http://schemas.openxmlformats.org/drawingml/2006/table">
+                <a:tbl>
+                  <a:tblPr firstRow="1" bandRow="1">
+                    <a:tableStyleId>{5C22544A-7EE6-4342-B048-85BDC9FD1C3A}</a:tableStyleId>
+                  </a:tblPr>
+                  <a:tblGrid>
+                    <a:gridCol w="1848001">
+                      <a:extLst>
+                        <a:ext uri="{9D8B030D-6E8A-4147-A177-3AD203B41FA5}">
+                          <a16:colId xmlns:a16="http://schemas.microsoft.com/office/drawing/2014/main" val="9351413"/>
+                        </a:ext>
+                      </a:extLst>
+                    </a:gridCol>
+                    <a:gridCol w="1944000">
+                      <a:extLst>
+                        <a:ext uri="{9D8B030D-6E8A-4147-A177-3AD203B41FA5}">
+                          <a16:colId xmlns:a16="http://schemas.microsoft.com/office/drawing/2014/main" val="1736217933"/>
+                        </a:ext>
+                      </a:extLst>
+                    </a:gridCol>
+                    <a:gridCol w="2304000">
+                      <a:extLst>
+                        <a:ext uri="{9D8B030D-6E8A-4147-A177-3AD203B41FA5}">
+                          <a16:colId xmlns:a16="http://schemas.microsoft.com/office/drawing/2014/main" val="1000572906"/>
+                        </a:ext>
+                      </a:extLst>
+                    </a:gridCol>
+                    <a:gridCol w="6095995">
+                      <a:extLst>
+                        <a:ext uri="{9D8B030D-6E8A-4147-A177-3AD203B41FA5}">
+                          <a16:colId xmlns:a16="http://schemas.microsoft.com/office/drawing/2014/main" val="2488272078"/>
+                        </a:ext>
+                      </a:extLst>
+                    </a:gridCol>
+                  </a:tblGrid>
+                  <a:tr h="370840">
+                    <a:tc>
+                      <a:txBody>
+                        <a:bodyPr/>
+                        <a:lstStyle/>
+                        <a:p>
+                          <a:r>
+                            <a:rPr lang="de-DE" dirty="0"/>
+                            <a:t>Symbol</a:t>
+                          </a:r>
+                          <a:endParaRPr lang="en-US" dirty="0"/>
+                        </a:p>
+                      </a:txBody>
+                      <a:tcPr/>
+                    </a:tc>
+                    <a:tc>
+                      <a:txBody>
+                        <a:bodyPr/>
+                        <a:lstStyle/>
+                        <a:p>
+                          <a:r>
+                            <a:rPr lang="de-DE" dirty="0"/>
+                            <a:t>C++ - Symbol</a:t>
+                          </a:r>
+                          <a:endParaRPr lang="en-US" dirty="0"/>
+                        </a:p>
+                      </a:txBody>
+                      <a:tcPr/>
+                    </a:tc>
+                    <a:tc>
+                      <a:txBody>
+                        <a:bodyPr/>
+                        <a:lstStyle/>
+                        <a:p>
+                          <a:r>
+                            <a:rPr lang="de-DE" dirty="0"/>
+                            <a:t>Wertebereich/Einheit</a:t>
+                          </a:r>
+                          <a:endParaRPr lang="en-US" dirty="0"/>
+                        </a:p>
+                      </a:txBody>
+                      <a:tcPr/>
+                    </a:tc>
+                    <a:tc>
+                      <a:txBody>
+                        <a:bodyPr/>
+                        <a:lstStyle/>
+                        <a:p>
+                          <a:r>
+                            <a:rPr lang="de-DE" dirty="0"/>
+                            <a:t>Bedeutung</a:t>
+                          </a:r>
+                          <a:endParaRPr lang="en-US" dirty="0"/>
+                        </a:p>
+                      </a:txBody>
+                      <a:tcPr/>
+                    </a:tc>
+                    <a:extLst>
+                      <a:ext uri="{0D108BD9-81ED-4DB2-BD59-A6C34878D82A}">
+                        <a16:rowId xmlns:a16="http://schemas.microsoft.com/office/drawing/2014/main" val="1784900609"/>
+                      </a:ext>
+                    </a:extLst>
+                  </a:tr>
+                  <a:tr h="640080">
+                    <a:tc>
+                      <a:txBody>
+                        <a:bodyPr/>
+                        <a:lstStyle/>
+                        <a:p>
+                          <a:pPr algn="ctr"/>
+                          <a:r>
+                            <a:rPr lang="de-DE" dirty="0">
+                              <a:latin typeface="Cambria Math" panose="02040503050406030204" pitchFamily="18" charset="0"/>
+                              <a:ea typeface="Cambria Math" panose="02040503050406030204" pitchFamily="18" charset="0"/>
+                            </a:rPr>
+                            <a:t>type</a:t>
+                          </a:r>
+                          <a:endParaRPr lang="en-US" dirty="0">
+                            <a:latin typeface="Cambria Math" panose="02040503050406030204" pitchFamily="18" charset="0"/>
+                            <a:ea typeface="Cambria Math" panose="02040503050406030204" pitchFamily="18" charset="0"/>
+                          </a:endParaRPr>
+                        </a:p>
+                      </a:txBody>
+                      <a:tcPr anchor="ctr"/>
+                    </a:tc>
+                    <a:tc>
+                      <a:txBody>
+                        <a:bodyPr/>
+                        <a:lstStyle/>
+                        <a:p>
+                          <a:pPr algn="ctr"/>
+                          <a:r>
+                            <a:rPr lang="de-DE" dirty="0">
+                              <a:latin typeface="Cambria Math" panose="02040503050406030204" pitchFamily="18" charset="0"/>
+                              <a:ea typeface="Cambria Math" panose="02040503050406030204" pitchFamily="18" charset="0"/>
+                            </a:rPr>
+                            <a:t>sigGenIn.at(0)</a:t>
+                          </a:r>
+                          <a:endParaRPr lang="en-US" dirty="0">
+                            <a:latin typeface="Cambria Math" panose="02040503050406030204" pitchFamily="18" charset="0"/>
+                            <a:ea typeface="Cambria Math" panose="02040503050406030204" pitchFamily="18" charset="0"/>
+                          </a:endParaRPr>
+                        </a:p>
+                      </a:txBody>
+                      <a:tcPr anchor="ctr"/>
+                    </a:tc>
+                    <a:tc>
+                      <a:txBody>
+                        <a:bodyPr/>
+                        <a:lstStyle/>
+                        <a:p>
+                          <a:pPr algn="ctr"/>
+                          <a:r>
+                            <a:rPr lang="de-DE" dirty="0">
+                              <a:latin typeface="Cambria Math" panose="02040503050406030204" pitchFamily="18" charset="0"/>
+                              <a:ea typeface="Cambria Math" panose="02040503050406030204" pitchFamily="18" charset="0"/>
+                            </a:rPr>
+                            <a:t>{TYPE_PATHFOLLOW, TYPE_PARK}</a:t>
+                          </a:r>
+                          <a:endParaRPr lang="en-US" dirty="0">
+                            <a:latin typeface="Cambria Math" panose="02040503050406030204" pitchFamily="18" charset="0"/>
+                            <a:ea typeface="Cambria Math" panose="02040503050406030204" pitchFamily="18" charset="0"/>
+                          </a:endParaRPr>
+                        </a:p>
+                      </a:txBody>
+                      <a:tcPr anchor="ctr"/>
+                    </a:tc>
+                    <a:tc>
+                      <a:txBody>
+                        <a:bodyPr/>
+                        <a:lstStyle/>
+                        <a:p>
+                          <a:pPr algn="l"/>
+                          <a:r>
+                            <a:rPr lang="de-DE" dirty="0">
+                              <a:latin typeface="+mn-lt"/>
+                              <a:ea typeface="Cambria Math" panose="02040503050406030204" pitchFamily="18" charset="0"/>
+                            </a:rPr>
+                            <a:t>Typ des Manövers</a:t>
+                          </a:r>
+                          <a:endParaRPr lang="en-US" dirty="0">
+                            <a:latin typeface="+mn-lt"/>
+                            <a:ea typeface="Cambria Math" panose="02040503050406030204" pitchFamily="18" charset="0"/>
+                          </a:endParaRPr>
+                        </a:p>
+                      </a:txBody>
+                      <a:tcPr anchor="ctr"/>
+                    </a:tc>
+                    <a:extLst>
+                      <a:ext uri="{0D108BD9-81ED-4DB2-BD59-A6C34878D82A}">
+                        <a16:rowId xmlns:a16="http://schemas.microsoft.com/office/drawing/2014/main" val="2867546178"/>
+                      </a:ext>
+                    </a:extLst>
+                  </a:tr>
+                  <a:tr h="561277">
+                    <a:tc>
+                      <a:txBody>
+                        <a:bodyPr/>
+                        <a:lstStyle/>
+                        <a:p>
+                          <a:endParaRPr lang="en-US"/>
+                        </a:p>
+                      </a:txBody>
+                      <a:tcPr anchor="ctr">
+                        <a:blipFill>
+                          <a:blip r:embed="rId2"/>
+                          <a:stretch>
+                            <a:fillRect l="-330" t="-185870" r="-562046" b="-284783"/>
+                          </a:stretch>
+                        </a:blipFill>
+                      </a:tcPr>
+                    </a:tc>
+                    <a:tc>
+                      <a:txBody>
+                        <a:bodyPr/>
+                        <a:lstStyle/>
+                        <a:p>
+                          <a:pPr algn="ctr"/>
+                          <a:r>
+                            <a:rPr lang="de-DE" dirty="0">
+                              <a:latin typeface="Cambria Math" panose="02040503050406030204" pitchFamily="18" charset="0"/>
+                              <a:ea typeface="Cambria Math" panose="02040503050406030204" pitchFamily="18" charset="0"/>
+                            </a:rPr>
+                            <a:t>sigGenIn.at(1)</a:t>
+                          </a:r>
+                          <a:endParaRPr lang="en-US" dirty="0">
+                            <a:latin typeface="Cambria Math" panose="02040503050406030204" pitchFamily="18" charset="0"/>
+                            <a:ea typeface="Cambria Math" panose="02040503050406030204" pitchFamily="18" charset="0"/>
+                          </a:endParaRPr>
+                        </a:p>
+                      </a:txBody>
+                      <a:tcPr anchor="ctr"/>
+                    </a:tc>
+                    <a:tc>
+                      <a:txBody>
+                        <a:bodyPr/>
+                        <a:lstStyle/>
+                        <a:p>
+                          <a:endParaRPr lang="en-US"/>
+                        </a:p>
+                      </a:txBody>
+                      <a:tcPr anchor="ctr">
+                        <a:blipFill>
+                          <a:blip r:embed="rId2"/>
+                          <a:stretch>
+                            <a:fillRect l="-164380" t="-185870" r="-265172" b="-284783"/>
+                          </a:stretch>
+                        </a:blipFill>
+                      </a:tcPr>
+                    </a:tc>
+                    <a:tc>
+                      <a:txBody>
+                        <a:bodyPr/>
+                        <a:lstStyle/>
+                        <a:p>
+                          <a:pPr algn="l"/>
+                          <a:r>
+                            <a:rPr lang="de-DE" dirty="0">
+                              <a:latin typeface="+mn-lt"/>
+                              <a:ea typeface="Cambria Math" panose="02040503050406030204" pitchFamily="18" charset="0"/>
+                            </a:rPr>
+                            <a:t>Maximal Geschwindigkeit eines Manövers</a:t>
+                          </a:r>
+                          <a:endParaRPr lang="en-US" dirty="0">
+                            <a:latin typeface="+mn-lt"/>
+                            <a:ea typeface="Cambria Math" panose="02040503050406030204" pitchFamily="18" charset="0"/>
+                          </a:endParaRPr>
+                        </a:p>
+                      </a:txBody>
+                      <a:tcPr anchor="ctr"/>
+                    </a:tc>
+                    <a:extLst>
+                      <a:ext uri="{0D108BD9-81ED-4DB2-BD59-A6C34878D82A}">
+                        <a16:rowId xmlns:a16="http://schemas.microsoft.com/office/drawing/2014/main" val="2869666737"/>
+                      </a:ext>
+                    </a:extLst>
+                  </a:tr>
+                  <a:tr h="370840">
+                    <a:tc>
+                      <a:txBody>
+                        <a:bodyPr/>
+                        <a:lstStyle/>
+                        <a:p>
+                          <a:endParaRPr lang="en-US"/>
+                        </a:p>
+                      </a:txBody>
+                      <a:tcPr anchor="ctr">
+                        <a:blipFill>
+                          <a:blip r:embed="rId2"/>
+                          <a:stretch>
+                            <a:fillRect l="-330" t="-431148" r="-562046" b="-329508"/>
+                          </a:stretch>
+                        </a:blipFill>
+                      </a:tcPr>
+                    </a:tc>
+                    <a:tc>
+                      <a:txBody>
+                        <a:bodyPr/>
+                        <a:lstStyle/>
+                        <a:p>
+                          <a:pPr algn="ctr"/>
+                          <a:r>
+                            <a:rPr lang="de-DE" dirty="0">
+                              <a:latin typeface="Cambria Math" panose="02040503050406030204" pitchFamily="18" charset="0"/>
+                              <a:ea typeface="Cambria Math" panose="02040503050406030204" pitchFamily="18" charset="0"/>
+                            </a:rPr>
+                            <a:t>sigGenIn.at(2)</a:t>
+                          </a:r>
+                          <a:endParaRPr lang="en-US" dirty="0">
+                            <a:latin typeface="Cambria Math" panose="02040503050406030204" pitchFamily="18" charset="0"/>
+                            <a:ea typeface="Cambria Math" panose="02040503050406030204" pitchFamily="18" charset="0"/>
+                          </a:endParaRPr>
+                        </a:p>
+                      </a:txBody>
+                      <a:tcPr anchor="ctr"/>
+                    </a:tc>
+                    <a:tc>
+                      <a:txBody>
+                        <a:bodyPr/>
+                        <a:lstStyle/>
+                        <a:p>
+                          <a:endParaRPr lang="en-US"/>
+                        </a:p>
+                      </a:txBody>
+                      <a:tcPr anchor="ctr">
+                        <a:blipFill>
+                          <a:blip r:embed="rId2"/>
+                          <a:stretch>
+                            <a:fillRect l="-164380" t="-431148" r="-265172" b="-329508"/>
+                          </a:stretch>
+                        </a:blipFill>
+                      </a:tcPr>
+                    </a:tc>
+                    <a:tc>
+                      <a:txBody>
+                        <a:bodyPr/>
+                        <a:lstStyle/>
+                        <a:p>
+                          <a:pPr algn="l"/>
+                          <a:r>
+                            <a:rPr lang="de-DE" dirty="0">
+                              <a:latin typeface="+mn-lt"/>
+                              <a:ea typeface="Cambria Math" panose="02040503050406030204" pitchFamily="18" charset="0"/>
+                            </a:rPr>
+                            <a:t>Zu fahrender Weg</a:t>
+                          </a:r>
+                          <a:endParaRPr lang="en-US" dirty="0">
+                            <a:latin typeface="+mn-lt"/>
+                            <a:ea typeface="Cambria Math" panose="02040503050406030204" pitchFamily="18" charset="0"/>
+                          </a:endParaRPr>
+                        </a:p>
+                      </a:txBody>
+                      <a:tcPr anchor="ctr"/>
+                    </a:tc>
+                    <a:extLst>
+                      <a:ext uri="{0D108BD9-81ED-4DB2-BD59-A6C34878D82A}">
+                        <a16:rowId xmlns:a16="http://schemas.microsoft.com/office/drawing/2014/main" val="2234732982"/>
+                      </a:ext>
+                    </a:extLst>
+                  </a:tr>
+                  <a:tr h="370840">
+                    <a:tc>
+                      <a:txBody>
+                        <a:bodyPr/>
+                        <a:lstStyle/>
+                        <a:p>
+                          <a:endParaRPr lang="en-US"/>
+                        </a:p>
+                      </a:txBody>
+                      <a:tcPr anchor="ctr">
+                        <a:blipFill>
+                          <a:blip r:embed="rId2"/>
+                          <a:stretch>
+                            <a:fillRect l="-330" t="-531148" r="-562046" b="-229508"/>
+                          </a:stretch>
+                        </a:blipFill>
+                      </a:tcPr>
+                    </a:tc>
+                    <a:tc>
+                      <a:txBody>
+                        <a:bodyPr/>
+                        <a:lstStyle/>
+                        <a:p>
+                          <a:pPr algn="ctr"/>
+                          <a:r>
+                            <a:rPr lang="de-DE" dirty="0">
+                              <a:latin typeface="Cambria Math" panose="02040503050406030204" pitchFamily="18" charset="0"/>
+                              <a:ea typeface="Cambria Math" panose="02040503050406030204" pitchFamily="18" charset="0"/>
+                            </a:rPr>
+                            <a:t>sigGenIn.at(3)</a:t>
+                          </a:r>
+                          <a:endParaRPr lang="en-US" dirty="0">
+                            <a:latin typeface="Cambria Math" panose="02040503050406030204" pitchFamily="18" charset="0"/>
+                            <a:ea typeface="Cambria Math" panose="02040503050406030204" pitchFamily="18" charset="0"/>
+                          </a:endParaRPr>
+                        </a:p>
+                      </a:txBody>
+                      <a:tcPr anchor="ctr"/>
+                    </a:tc>
+                    <a:tc>
+                      <a:txBody>
+                        <a:bodyPr/>
+                        <a:lstStyle/>
+                        <a:p>
+                          <a:endParaRPr lang="en-US"/>
+                        </a:p>
+                      </a:txBody>
+                      <a:tcPr anchor="ctr">
+                        <a:blipFill>
+                          <a:blip r:embed="rId2"/>
+                          <a:stretch>
+                            <a:fillRect l="-164380" t="-531148" r="-265172" b="-229508"/>
+                          </a:stretch>
+                        </a:blipFill>
+                      </a:tcPr>
+                    </a:tc>
+                    <a:tc>
+                      <a:txBody>
+                        <a:bodyPr/>
+                        <a:lstStyle/>
+                        <a:p>
+                          <a:pPr algn="l"/>
+                          <a:r>
+                            <a:rPr lang="de-DE" dirty="0">
+                              <a:latin typeface="+mn-lt"/>
+                              <a:ea typeface="Cambria Math" panose="02040503050406030204" pitchFamily="18" charset="0"/>
+                            </a:rPr>
+                            <a:t>Startposition</a:t>
+                          </a:r>
+                          <a:endParaRPr lang="en-US" dirty="0">
+                            <a:latin typeface="+mn-lt"/>
+                            <a:ea typeface="Cambria Math" panose="02040503050406030204" pitchFamily="18" charset="0"/>
+                          </a:endParaRPr>
+                        </a:p>
+                      </a:txBody>
+                      <a:tcPr anchor="ctr"/>
+                    </a:tc>
+                    <a:extLst>
+                      <a:ext uri="{0D108BD9-81ED-4DB2-BD59-A6C34878D82A}">
+                        <a16:rowId xmlns:a16="http://schemas.microsoft.com/office/drawing/2014/main" val="1659437246"/>
+                      </a:ext>
+                    </a:extLst>
+                  </a:tr>
+                  <a:tr h="386969">
+                    <a:tc>
+                      <a:txBody>
+                        <a:bodyPr/>
+                        <a:lstStyle/>
+                        <a:p>
+                          <a:endParaRPr lang="en-US"/>
+                        </a:p>
+                      </a:txBody>
+                      <a:tcPr anchor="ctr">
+                        <a:blipFill>
+                          <a:blip r:embed="rId2"/>
+                          <a:stretch>
+                            <a:fillRect l="-330" t="-611111" r="-562046" b="-122222"/>
+                          </a:stretch>
+                        </a:blipFill>
+                      </a:tcPr>
+                    </a:tc>
+                    <a:tc>
+                      <a:txBody>
+                        <a:bodyPr/>
+                        <a:lstStyle/>
+                        <a:p>
+                          <a:pPr algn="ctr"/>
+                          <a:r>
+                            <a:rPr lang="de-DE" dirty="0">
+                              <a:latin typeface="Cambria Math" panose="02040503050406030204" pitchFamily="18" charset="0"/>
+                              <a:ea typeface="Cambria Math" panose="02040503050406030204" pitchFamily="18" charset="0"/>
+                            </a:rPr>
+                            <a:t>sigGenOut.at(0)</a:t>
+                          </a:r>
+                          <a:endParaRPr lang="en-US" dirty="0">
+                            <a:latin typeface="Cambria Math" panose="02040503050406030204" pitchFamily="18" charset="0"/>
+                            <a:ea typeface="Cambria Math" panose="02040503050406030204" pitchFamily="18" charset="0"/>
+                          </a:endParaRPr>
+                        </a:p>
+                      </a:txBody>
+                      <a:tcPr anchor="ctr"/>
+                    </a:tc>
+                    <a:tc>
+                      <a:txBody>
+                        <a:bodyPr/>
+                        <a:lstStyle/>
+                        <a:p>
+                          <a:pPr algn="ctr"/>
+                          <a:endParaRPr lang="en-US" dirty="0">
+                            <a:latin typeface="Cambria Math" panose="02040503050406030204" pitchFamily="18" charset="0"/>
+                            <a:ea typeface="Cambria Math" panose="02040503050406030204" pitchFamily="18" charset="0"/>
+                          </a:endParaRPr>
+                        </a:p>
+                      </a:txBody>
+                      <a:tcPr anchor="ctr"/>
+                    </a:tc>
+                    <a:tc>
+                      <a:txBody>
+                        <a:bodyPr/>
+                        <a:lstStyle/>
+                        <a:p>
+                          <a:pPr algn="l"/>
+                          <a:endParaRPr lang="en-US" dirty="0">
+                            <a:latin typeface="+mn-lt"/>
+                            <a:ea typeface="Cambria Math" panose="02040503050406030204" pitchFamily="18" charset="0"/>
+                          </a:endParaRPr>
+                        </a:p>
+                      </a:txBody>
+                      <a:tcPr anchor="ctr"/>
+                    </a:tc>
+                    <a:extLst>
+                      <a:ext uri="{0D108BD9-81ED-4DB2-BD59-A6C34878D82A}">
+                        <a16:rowId xmlns:a16="http://schemas.microsoft.com/office/drawing/2014/main" val="3007156032"/>
+                      </a:ext>
+                    </a:extLst>
+                  </a:tr>
+                  <a:tr h="386969">
+                    <a:tc>
+                      <a:txBody>
+                        <a:bodyPr/>
+                        <a:lstStyle/>
+                        <a:p>
+                          <a:endParaRPr lang="en-US"/>
+                        </a:p>
+                      </a:txBody>
+                      <a:tcPr anchor="ctr">
+                        <a:blipFill>
+                          <a:blip r:embed="rId2"/>
+                          <a:stretch>
+                            <a:fillRect l="-330" t="-700000" r="-562046" b="-20313"/>
+                          </a:stretch>
+                        </a:blipFill>
+                      </a:tcPr>
+                    </a:tc>
+                    <a:tc>
+                      <a:txBody>
+                        <a:bodyPr/>
+                        <a:lstStyle/>
+                        <a:p>
+                          <a:pPr algn="ctr"/>
+                          <a:r>
+                            <a:rPr lang="de-DE" dirty="0">
+                              <a:latin typeface="Cambria Math" panose="02040503050406030204" pitchFamily="18" charset="0"/>
+                              <a:ea typeface="Cambria Math" panose="02040503050406030204" pitchFamily="18" charset="0"/>
+                            </a:rPr>
+                            <a:t>sigGenOut.at(1)</a:t>
+                          </a:r>
+                          <a:endParaRPr lang="en-US" dirty="0">
+                            <a:latin typeface="Cambria Math" panose="02040503050406030204" pitchFamily="18" charset="0"/>
+                            <a:ea typeface="Cambria Math" panose="02040503050406030204" pitchFamily="18" charset="0"/>
+                          </a:endParaRPr>
+                        </a:p>
+                      </a:txBody>
+                      <a:tcPr anchor="ctr"/>
+                    </a:tc>
+                    <a:tc>
+                      <a:txBody>
+                        <a:bodyPr/>
+                        <a:lstStyle/>
+                        <a:p>
+                          <a:pPr algn="ctr"/>
+                          <a:endParaRPr lang="en-US" dirty="0">
+                            <a:latin typeface="Cambria Math" panose="02040503050406030204" pitchFamily="18" charset="0"/>
+                            <a:ea typeface="Cambria Math" panose="02040503050406030204" pitchFamily="18" charset="0"/>
+                          </a:endParaRPr>
+                        </a:p>
+                      </a:txBody>
+                      <a:tcPr anchor="ctr"/>
+                    </a:tc>
+                    <a:tc>
+                      <a:txBody>
+                        <a:bodyPr/>
+                        <a:lstStyle/>
+                        <a:p>
+                          <a:pPr algn="l"/>
+                          <a:endParaRPr lang="en-US" dirty="0">
+                            <a:latin typeface="+mn-lt"/>
+                            <a:ea typeface="Cambria Math" panose="02040503050406030204" pitchFamily="18" charset="0"/>
+                          </a:endParaRPr>
+                        </a:p>
+                      </a:txBody>
+                      <a:tcPr anchor="ctr"/>
+                    </a:tc>
+                    <a:extLst>
+                      <a:ext uri="{0D108BD9-81ED-4DB2-BD59-A6C34878D82A}">
+                        <a16:rowId xmlns:a16="http://schemas.microsoft.com/office/drawing/2014/main" val="503037257"/>
+                      </a:ext>
+                    </a:extLst>
+                  </a:tr>
+                </a:tbl>
+              </a:graphicData>
+            </a:graphic>
+          </p:graphicFrame>
+        </mc:Fallback>
+      </mc:AlternateContent>
+      <p:sp>
+        <p:nvSpPr>
+          <p:cNvPr id="3" name="Title 2">
+            <a:extLst>
+              <a:ext uri="{FF2B5EF4-FFF2-40B4-BE49-F238E27FC236}">
+                <a16:creationId xmlns:a16="http://schemas.microsoft.com/office/drawing/2014/main" id="{073E7799-7FF0-E764-69C8-427731E1F480}"/>
+              </a:ext>
+            </a:extLst>
+          </p:cNvPr>
+          <p:cNvSpPr>
+            <a:spLocks noGrp="1"/>
+          </p:cNvSpPr>
+          <p:nvPr>
+            <p:ph type="title"/>
+          </p:nvPr>
+        </p:nvSpPr>
+        <p:spPr/>
+        <p:txBody>
+          <a:bodyPr/>
+          <a:lstStyle/>
+          <a:p>
+            <a:endParaRPr lang="en-US" dirty="0"/>
+          </a:p>
+        </p:txBody>
+      </p:sp>
+    </p:spTree>
+    <p:extLst>
+      <p:ext uri="{BB962C8B-B14F-4D97-AF65-F5344CB8AC3E}">
+        <p14:creationId xmlns:p14="http://schemas.microsoft.com/office/powerpoint/2010/main" val="462503002"/>
       </p:ext>
     </p:extLst>
   </p:cSld>

--- a/Modbas/Doku/ModBas.pptx
+++ b/Modbas/Doku/ModBas.pptx
@@ -344,7 +344,7 @@
           <a:p>
             <a:fld id="{D338F796-E297-45CA-A62B-51A04DE86EC6}" type="datetimeFigureOut">
               <a:rPr lang="de-DE" smtClean="0"/>
-              <a:t>07.12.2022</a:t>
+              <a:t>11.12.2022</a:t>
             </a:fld>
             <a:endParaRPr lang="de-DE"/>
           </a:p>
@@ -521,7 +521,7 @@
           <a:p>
             <a:fld id="{C4F0A1C8-C3E5-453E-B0DF-36BAC2F5290E}" type="datetimeFigureOut">
               <a:rPr lang="de-DE" smtClean="0"/>
-              <a:t>07.12.2022</a:t>
+              <a:t>11.12.2022</a:t>
             </a:fld>
             <a:endParaRPr lang="de-DE" dirty="0"/>
           </a:p>
@@ -8862,8 +8862,8 @@
           </a:p>
         </p:txBody>
       </p:sp>
-      <mc:AlternateContent xmlns:mc="http://schemas.openxmlformats.org/markup-compatibility/2006">
-        <mc:Choice xmlns:a14="http://schemas.microsoft.com/office/drawing/2010/main" Requires="a14">
+      <mc:AlternateContent xmlns:mc="http://schemas.openxmlformats.org/markup-compatibility/2006" xmlns:a14="http://schemas.microsoft.com/office/drawing/2010/main">
+        <mc:Choice Requires="a14">
           <p:sp>
             <p:nvSpPr>
               <p:cNvPr id="3" name="Content Placeholder 2">
@@ -10990,7 +10990,7 @@
             </p:txBody>
           </p:sp>
         </mc:Choice>
-        <mc:Fallback>
+        <mc:Fallback xmlns="">
           <p:sp>
             <p:nvSpPr>
               <p:cNvPr id="3" name="Content Placeholder 2">
@@ -11108,8 +11108,8 @@
           <a:chExt cx="0" cy="0"/>
         </a:xfrm>
       </p:grpSpPr>
-      <mc:AlternateContent xmlns:mc="http://schemas.openxmlformats.org/markup-compatibility/2006">
-        <mc:Choice xmlns:a14="http://schemas.microsoft.com/office/drawing/2010/main" Requires="a14">
+      <mc:AlternateContent xmlns:mc="http://schemas.openxmlformats.org/markup-compatibility/2006" xmlns:a14="http://schemas.microsoft.com/office/drawing/2010/main">
+        <mc:Choice Requires="a14">
           <p:graphicFrame>
             <p:nvGraphicFramePr>
               <p:cNvPr id="4" name="Table 4">
@@ -12661,7 +12661,7 @@
             </a:graphic>
           </p:graphicFrame>
         </mc:Choice>
-        <mc:Fallback>
+        <mc:Fallback xmlns="">
           <p:graphicFrame>
             <p:nvGraphicFramePr>
               <p:cNvPr id="4" name="Table 4">
@@ -13964,8 +13964,8 @@
           <a:chExt cx="0" cy="0"/>
         </a:xfrm>
       </p:grpSpPr>
-      <mc:AlternateContent xmlns:mc="http://schemas.openxmlformats.org/markup-compatibility/2006">
-        <mc:Choice xmlns:a14="http://schemas.microsoft.com/office/drawing/2010/main" Requires="a14">
+      <mc:AlternateContent xmlns:mc="http://schemas.openxmlformats.org/markup-compatibility/2006" xmlns:a14="http://schemas.microsoft.com/office/drawing/2010/main">
+        <mc:Choice Requires="a14">
           <p:graphicFrame>
             <p:nvGraphicFramePr>
               <p:cNvPr id="4" name="Table 4">
@@ -15209,7 +15209,7 @@
             </a:graphic>
           </p:graphicFrame>
         </mc:Choice>
-        <mc:Fallback>
+        <mc:Fallback xmlns="">
           <p:graphicFrame>
             <p:nvGraphicFramePr>
               <p:cNvPr id="4" name="Table 4">
@@ -16414,8 +16414,8 @@
           </a:p>
         </p:txBody>
       </p:sp>
-      <mc:AlternateContent xmlns:mc="http://schemas.openxmlformats.org/markup-compatibility/2006">
-        <mc:Choice xmlns:a14="http://schemas.microsoft.com/office/drawing/2010/main" Requires="a14">
+      <mc:AlternateContent xmlns:mc="http://schemas.openxmlformats.org/markup-compatibility/2006" xmlns:a14="http://schemas.microsoft.com/office/drawing/2010/main">
+        <mc:Choice Requires="a14">
           <p:sp>
             <p:nvSpPr>
               <p:cNvPr id="7" name="Content Placeholder 3">
@@ -16693,7 +16693,7 @@
             </p:txBody>
           </p:sp>
         </mc:Choice>
-        <mc:Fallback>
+        <mc:Fallback xmlns="">
           <p:sp>
             <p:nvSpPr>
               <p:cNvPr id="7" name="Content Placeholder 3">
@@ -16766,7 +16766,7 @@
         </p:blipFill>
         <p:spPr>
           <a:xfrm>
-            <a:off x="480000" y="2565000"/>
+            <a:off x="480000" y="2449366"/>
             <a:ext cx="6266288" cy="3687270"/>
           </a:xfrm>
           <a:prstGeom prst="rect">
@@ -16788,7 +16788,7 @@
         </p:nvSpPr>
         <p:spPr>
           <a:xfrm>
-            <a:off x="6722193" y="5589000"/>
+            <a:off x="3408953" y="5967359"/>
             <a:ext cx="408382" cy="338554"/>
           </a:xfrm>
           <a:prstGeom prst="rect">
@@ -16825,8 +16825,8 @@
               <p:nvPr/>
             </p:nvSpPr>
             <p:spPr>
-              <a:xfrm>
-                <a:off x="95713" y="2177555"/>
+              <a:xfrm rot="16200000">
+                <a:off x="-384852" y="3866961"/>
                 <a:ext cx="1729704" cy="421782"/>
               </a:xfrm>
               <a:prstGeom prst="rect">
@@ -16841,12 +16841,44 @@
               <a:lstStyle/>
               <a:p>
                 <a:r>
-                  <a:rPr lang="de-DE" sz="1600" dirty="0" err="1"/>
+                  <a:rPr lang="de-DE" sz="1600" dirty="0" err="1">
+                    <a:solidFill>
+                      <a:srgbClr val="FF0000"/>
+                    </a:solidFill>
+                  </a:rPr>
                   <a:t>wp</a:t>
                 </a:r>
                 <a:r>
+                  <a:rPr lang="de-DE" sz="1600" dirty="0">
+                    <a:solidFill>
+                      <a:srgbClr val="FF0000"/>
+                    </a:solidFill>
+                  </a:rPr>
+                  <a:t>/m </a:t>
+                </a:r>
+                <a:r>
                   <a:rPr lang="de-DE" sz="1600" dirty="0"/>
-                  <a:t>/m | x/m | v/</a:t>
+                  <a:t>| </a:t>
+                </a:r>
+                <a:r>
+                  <a:rPr lang="de-DE" sz="1600" dirty="0">
+                    <a:solidFill>
+                      <a:srgbClr val="00B0F0"/>
+                    </a:solidFill>
+                  </a:rPr>
+                  <a:t>x/m </a:t>
+                </a:r>
+                <a:r>
+                  <a:rPr lang="de-DE" sz="1600" dirty="0"/>
+                  <a:t>| </a:t>
+                </a:r>
+                <a:r>
+                  <a:rPr lang="de-DE" sz="1600" dirty="0">
+                    <a:solidFill>
+                      <a:srgbClr val="0070C0"/>
+                    </a:solidFill>
+                  </a:rPr>
+                  <a:t>v/</a:t>
                 </a:r>
                 <a14:m>
                   <m:oMath xmlns:m="http://schemas.openxmlformats.org/officeDocument/2006/math">
@@ -16854,6 +16886,9 @@
                       <m:fPr>
                         <m:ctrlPr>
                           <a:rPr lang="de-DE" sz="1600" b="0" i="1" smtClean="0">
+                            <a:solidFill>
+                              <a:srgbClr val="0070C0"/>
+                            </a:solidFill>
                             <a:latin typeface="Cambria Math" panose="02040503050406030204" pitchFamily="18" charset="0"/>
                           </a:rPr>
                         </m:ctrlPr>
@@ -16861,6 +16896,9 @@
                       <m:num>
                         <m:r>
                           <a:rPr lang="de-DE" sz="1600" b="0" i="1" smtClean="0">
+                            <a:solidFill>
+                              <a:srgbClr val="0070C0"/>
+                            </a:solidFill>
                             <a:latin typeface="Cambria Math" panose="02040503050406030204" pitchFamily="18" charset="0"/>
                           </a:rPr>
                           <m:t>𝑚</m:t>
@@ -16869,6 +16907,9 @@
                       <m:den>
                         <m:r>
                           <a:rPr lang="de-DE" sz="1600" b="0" i="1" smtClean="0">
+                            <a:solidFill>
+                              <a:srgbClr val="0070C0"/>
+                            </a:solidFill>
                             <a:latin typeface="Cambria Math" panose="02040503050406030204" pitchFamily="18" charset="0"/>
                           </a:rPr>
                           <m:t>𝑠</m:t>
@@ -16898,8 +16939,8 @@
               <p:nvPr/>
             </p:nvSpPr>
             <p:spPr>
-              <a:xfrm>
-                <a:off x="95713" y="2177555"/>
+              <a:xfrm rot="16200000">
+                <a:off x="-384852" y="3866961"/>
                 <a:ext cx="1729704" cy="421782"/>
               </a:xfrm>
               <a:prstGeom prst="rect">
@@ -16908,7 +16949,7 @@
               <a:blipFill>
                 <a:blip r:embed="rId4"/>
                 <a:stretch>
-                  <a:fillRect l="-2120" b="-7246"/>
+                  <a:fillRect r="-7246" b="-1761"/>
                 </a:stretch>
               </a:blipFill>
             </p:spPr>
@@ -16927,6 +16968,42 @@
           </p:sp>
         </mc:Fallback>
       </mc:AlternateContent>
+      <p:sp>
+        <p:nvSpPr>
+          <p:cNvPr id="2" name="Textfeld 1">
+            <a:extLst>
+              <a:ext uri="{FF2B5EF4-FFF2-40B4-BE49-F238E27FC236}">
+                <a16:creationId xmlns:a16="http://schemas.microsoft.com/office/drawing/2014/main" id="{86195313-E2B1-86E8-A480-8B8AC5080E88}"/>
+              </a:ext>
+            </a:extLst>
+          </p:cNvPr>
+          <p:cNvSpPr txBox="1"/>
+          <p:nvPr/>
+        </p:nvSpPr>
+        <p:spPr>
+          <a:xfrm>
+            <a:off x="834692" y="6167413"/>
+            <a:ext cx="2759473" cy="276999"/>
+          </a:xfrm>
+          <a:prstGeom prst="rect">
+            <a:avLst/>
+          </a:prstGeom>
+          <a:noFill/>
+        </p:spPr>
+        <p:txBody>
+          <a:bodyPr wrap="none" rtlCol="0">
+            <a:spAutoFit/>
+          </a:bodyPr>
+          <a:lstStyle/>
+          <a:p>
+            <a:r>
+              <a:rPr lang="de-DE" sz="1200" dirty="0"/>
+              <a:t>Abb.7.3.1: Sprungantwort Positionsregler</a:t>
+            </a:r>
+            <a:endParaRPr lang="en-US" sz="1200" dirty="0"/>
+          </a:p>
+        </p:txBody>
+      </p:sp>
     </p:spTree>
     <p:extLst>
       <p:ext uri="{BB962C8B-B14F-4D97-AF65-F5344CB8AC3E}">
@@ -19846,8 +19923,8 @@
           <a:chExt cx="0" cy="0"/>
         </a:xfrm>
       </p:grpSpPr>
-      <mc:AlternateContent xmlns:mc="http://schemas.openxmlformats.org/markup-compatibility/2006">
-        <mc:Choice xmlns:a14="http://schemas.microsoft.com/office/drawing/2010/main" Requires="a14">
+      <mc:AlternateContent xmlns:mc="http://schemas.openxmlformats.org/markup-compatibility/2006" xmlns:a14="http://schemas.microsoft.com/office/drawing/2010/main">
+        <mc:Choice Requires="a14">
           <p:graphicFrame>
             <p:nvGraphicFramePr>
               <p:cNvPr id="4" name="Table 4">
@@ -21689,7 +21766,7 @@
             </a:graphic>
           </p:graphicFrame>
         </mc:Choice>
-        <mc:Fallback>
+        <mc:Fallback xmlns="">
           <p:graphicFrame>
             <p:nvGraphicFramePr>
               <p:cNvPr id="4" name="Table 4">
@@ -23160,8 +23237,8 @@
           <a:chExt cx="0" cy="0"/>
         </a:xfrm>
       </p:grpSpPr>
-      <mc:AlternateContent xmlns:mc="http://schemas.openxmlformats.org/markup-compatibility/2006">
-        <mc:Choice xmlns:a14="http://schemas.microsoft.com/office/drawing/2010/main" Requires="a14">
+      <mc:AlternateContent xmlns:mc="http://schemas.openxmlformats.org/markup-compatibility/2006" xmlns:a14="http://schemas.microsoft.com/office/drawing/2010/main">
+        <mc:Choice Requires="a14">
           <p:graphicFrame>
             <p:nvGraphicFramePr>
               <p:cNvPr id="4" name="Table 4">
@@ -24533,7 +24610,7 @@
             </a:graphic>
           </p:graphicFrame>
         </mc:Choice>
-        <mc:Fallback>
+        <mc:Fallback xmlns="">
           <p:graphicFrame>
             <p:nvGraphicFramePr>
               <p:cNvPr id="4" name="Table 4">
@@ -26011,8 +26088,8 @@
           </a:xfrm>
         </p:spPr>
       </p:pic>
-      <mc:AlternateContent xmlns:mc="http://schemas.openxmlformats.org/markup-compatibility/2006">
-        <mc:Choice xmlns:a14="http://schemas.microsoft.com/office/drawing/2010/main" Requires="a14">
+      <mc:AlternateContent xmlns:mc="http://schemas.openxmlformats.org/markup-compatibility/2006" xmlns:a14="http://schemas.microsoft.com/office/drawing/2010/main">
+        <mc:Choice Requires="a14">
           <p:sp>
             <p:nvSpPr>
               <p:cNvPr id="7" name="Content Placeholder 3">
@@ -26297,7 +26374,7 @@
             </p:txBody>
           </p:sp>
         </mc:Choice>
-        <mc:Fallback>
+        <mc:Fallback xmlns="">
           <p:sp>
             <p:nvSpPr>
               <p:cNvPr id="7" name="Content Placeholder 3">
@@ -26356,7 +26433,7 @@
         </p:nvSpPr>
         <p:spPr>
           <a:xfrm>
-            <a:off x="5775826" y="4293000"/>
+            <a:off x="3002861" y="5769638"/>
             <a:ext cx="408382" cy="338554"/>
           </a:xfrm>
           <a:prstGeom prst="rect">
@@ -26393,8 +26470,8 @@
               <p:nvPr/>
             </p:nvSpPr>
             <p:spPr>
-              <a:xfrm>
-                <a:off x="93916" y="497303"/>
+              <a:xfrm rot="16200000">
+                <a:off x="-290533" y="2845315"/>
                 <a:ext cx="1270412" cy="421782"/>
               </a:xfrm>
               <a:prstGeom prst="rect">
@@ -26409,16 +26486,40 @@
               <a:lstStyle/>
               <a:p>
                 <a:r>
-                  <a:rPr lang="de-DE" sz="1600" dirty="0"/>
+                  <a:rPr lang="de-DE" sz="1600" dirty="0">
+                    <a:solidFill>
+                      <a:schemeClr val="accent1"/>
+                    </a:solidFill>
+                  </a:rPr>
                   <a:t>psi/</a:t>
                 </a:r>
                 <a:r>
-                  <a:rPr lang="de-DE" sz="1600" dirty="0" err="1"/>
+                  <a:rPr lang="de-DE" sz="1600" dirty="0" err="1">
+                    <a:solidFill>
+                      <a:schemeClr val="accent1"/>
+                    </a:solidFill>
+                  </a:rPr>
                   <a:t>rad</a:t>
                 </a:r>
                 <a:r>
+                  <a:rPr lang="de-DE" sz="1600" dirty="0">
+                    <a:solidFill>
+                      <a:schemeClr val="accent1"/>
+                    </a:solidFill>
+                  </a:rPr>
+                  <a:t> </a:t>
+                </a:r>
+                <a:r>
                   <a:rPr lang="de-DE" sz="1600" dirty="0"/>
-                  <a:t> | v/</a:t>
+                  <a:t>| </a:t>
+                </a:r>
+                <a:r>
+                  <a:rPr lang="de-DE" sz="1600" dirty="0">
+                    <a:solidFill>
+                      <a:srgbClr val="FF0000"/>
+                    </a:solidFill>
+                  </a:rPr>
+                  <a:t>v/</a:t>
                 </a:r>
                 <a14:m>
                   <m:oMath xmlns:m="http://schemas.openxmlformats.org/officeDocument/2006/math">
@@ -26426,6 +26527,9 @@
                       <m:fPr>
                         <m:ctrlPr>
                           <a:rPr lang="de-DE" sz="1600" b="0" i="1" smtClean="0">
+                            <a:solidFill>
+                              <a:srgbClr val="FF0000"/>
+                            </a:solidFill>
                             <a:latin typeface="Cambria Math" panose="02040503050406030204" pitchFamily="18" charset="0"/>
                           </a:rPr>
                         </m:ctrlPr>
@@ -26433,6 +26537,9 @@
                       <m:num>
                         <m:r>
                           <a:rPr lang="de-DE" sz="1600" b="0" i="1" smtClean="0">
+                            <a:solidFill>
+                              <a:srgbClr val="FF0000"/>
+                            </a:solidFill>
                             <a:latin typeface="Cambria Math" panose="02040503050406030204" pitchFamily="18" charset="0"/>
                           </a:rPr>
                           <m:t>𝑚</m:t>
@@ -26441,6 +26548,9 @@
                       <m:den>
                         <m:r>
                           <a:rPr lang="de-DE" sz="1600" b="0" i="1" smtClean="0">
+                            <a:solidFill>
+                              <a:srgbClr val="FF0000"/>
+                            </a:solidFill>
                             <a:latin typeface="Cambria Math" panose="02040503050406030204" pitchFamily="18" charset="0"/>
                           </a:rPr>
                           <m:t>𝑠</m:t>
@@ -26470,8 +26580,8 @@
               <p:nvPr/>
             </p:nvSpPr>
             <p:spPr>
-              <a:xfrm>
-                <a:off x="93916" y="497303"/>
+              <a:xfrm rot="16200000">
+                <a:off x="-290533" y="2845315"/>
                 <a:ext cx="1270412" cy="421782"/>
               </a:xfrm>
               <a:prstGeom prst="rect">
@@ -26480,7 +26590,7 @@
               <a:blipFill>
                 <a:blip r:embed="rId4"/>
                 <a:stretch>
-                  <a:fillRect l="-2392" b="-7246"/>
+                  <a:fillRect r="-7246" b="-2392"/>
                 </a:stretch>
               </a:blipFill>
             </p:spPr>
@@ -26513,7 +26623,7 @@
         </p:nvSpPr>
         <p:spPr>
           <a:xfrm>
-            <a:off x="729122" y="5887085"/>
+            <a:off x="673858" y="6047973"/>
             <a:ext cx="2533194" cy="276999"/>
           </a:xfrm>
           <a:prstGeom prst="rect">
@@ -33173,8 +33283,8 @@
           <a:chExt cx="0" cy="0"/>
         </a:xfrm>
       </p:grpSpPr>
-      <mc:AlternateContent xmlns:mc="http://schemas.openxmlformats.org/markup-compatibility/2006">
-        <mc:Choice xmlns:a14="http://schemas.microsoft.com/office/drawing/2010/main" Requires="a14">
+      <mc:AlternateContent xmlns:mc="http://schemas.openxmlformats.org/markup-compatibility/2006" xmlns:a14="http://schemas.microsoft.com/office/drawing/2010/main">
+        <mc:Choice Requires="a14">
           <p:graphicFrame>
             <p:nvGraphicFramePr>
               <p:cNvPr id="4" name="Table 4">
@@ -34199,7 +34309,7 @@
             </a:graphic>
           </p:graphicFrame>
         </mc:Choice>
-        <mc:Fallback>
+        <mc:Fallback xmlns="">
           <p:graphicFrame>
             <p:nvGraphicFramePr>
               <p:cNvPr id="4" name="Table 4">
@@ -35339,7 +35449,7 @@
         </p:blipFill>
         <p:spPr>
           <a:xfrm>
-            <a:off x="545928" y="727570"/>
+            <a:off x="542832" y="569892"/>
             <a:ext cx="3955763" cy="2673619"/>
           </a:xfrm>
         </p:spPr>
@@ -35374,13 +35484,13 @@
         </p:blipFill>
         <p:spPr>
           <a:xfrm>
-            <a:off x="551581" y="3747549"/>
+            <a:off x="560331" y="3510115"/>
             <a:ext cx="4038059" cy="2729241"/>
           </a:xfrm>
         </p:spPr>
       </p:pic>
-      <mc:AlternateContent xmlns:mc="http://schemas.openxmlformats.org/markup-compatibility/2006">
-        <mc:Choice xmlns:a14="http://schemas.microsoft.com/office/drawing/2010/main" Requires="a14">
+      <mc:AlternateContent xmlns:mc="http://schemas.openxmlformats.org/markup-compatibility/2006" xmlns:a14="http://schemas.microsoft.com/office/drawing/2010/main">
+        <mc:Choice Requires="a14">
           <p:sp>
             <p:nvSpPr>
               <p:cNvPr id="9" name="Content Placeholder 3">
@@ -35793,7 +35903,7 @@
             </p:txBody>
           </p:sp>
         </mc:Choice>
-        <mc:Fallback>
+        <mc:Fallback xmlns="">
           <p:sp>
             <p:nvSpPr>
               <p:cNvPr id="9" name="Content Placeholder 3">
@@ -35852,7 +35962,7 @@
         </p:nvSpPr>
         <p:spPr>
           <a:xfrm>
-            <a:off x="4482655" y="2827821"/>
+            <a:off x="2375169" y="3079044"/>
             <a:ext cx="408382" cy="338554"/>
           </a:xfrm>
           <a:prstGeom prst="rect">
@@ -35888,7 +35998,7 @@
         </p:nvSpPr>
         <p:spPr>
           <a:xfrm>
-            <a:off x="4446118" y="5731707"/>
+            <a:off x="2375170" y="6025819"/>
             <a:ext cx="408382" cy="338554"/>
           </a:xfrm>
           <a:prstGeom prst="rect">
@@ -35925,8 +36035,8 @@
               <p:nvPr/>
             </p:nvSpPr>
             <p:spPr>
-              <a:xfrm>
-                <a:off x="768000" y="497303"/>
+              <a:xfrm rot="16200000">
+                <a:off x="97555" y="1695809"/>
                 <a:ext cx="498213" cy="421782"/>
               </a:xfrm>
               <a:prstGeom prst="rect">
@@ -35941,7 +36051,11 @@
               <a:lstStyle/>
               <a:p>
                 <a:r>
-                  <a:rPr lang="de-DE" sz="1600" dirty="0"/>
+                  <a:rPr lang="de-DE" sz="1600" dirty="0">
+                    <a:solidFill>
+                      <a:schemeClr val="accent1"/>
+                    </a:solidFill>
+                  </a:rPr>
                   <a:t>v/</a:t>
                 </a:r>
                 <a14:m>
@@ -35949,23 +36063,29 @@
                     <m:f>
                       <m:fPr>
                         <m:ctrlPr>
-                          <a:rPr lang="de-DE" sz="1600" b="0" i="1" smtClean="0">
-                            <a:latin typeface="Cambria Math" panose="02040503050406030204" pitchFamily="18" charset="0"/>
+                          <a:rPr lang="de-DE" sz="1600">
+                            <a:solidFill>
+                              <a:schemeClr val="accent1"/>
+                            </a:solidFill>
                           </a:rPr>
                         </m:ctrlPr>
                       </m:fPr>
                       <m:num>
                         <m:r>
-                          <a:rPr lang="de-DE" sz="1600" b="0" i="1" smtClean="0">
-                            <a:latin typeface="Cambria Math" panose="02040503050406030204" pitchFamily="18" charset="0"/>
+                          <a:rPr lang="de-DE" sz="1600">
+                            <a:solidFill>
+                              <a:schemeClr val="accent1"/>
+                            </a:solidFill>
                           </a:rPr>
                           <m:t>𝑚</m:t>
                         </m:r>
                       </m:num>
                       <m:den>
                         <m:r>
-                          <a:rPr lang="de-DE" sz="1600" b="0" i="1" smtClean="0">
-                            <a:latin typeface="Cambria Math" panose="02040503050406030204" pitchFamily="18" charset="0"/>
+                          <a:rPr lang="de-DE" sz="1600">
+                            <a:solidFill>
+                              <a:schemeClr val="accent1"/>
+                            </a:solidFill>
                           </a:rPr>
                           <m:t>𝑠</m:t>
                         </m:r>
@@ -35973,7 +36093,11 @@
                     </m:f>
                   </m:oMath>
                 </a14:m>
-                <a:endParaRPr lang="en-US" sz="1600" dirty="0"/>
+                <a:endParaRPr lang="en-US" sz="1600" dirty="0">
+                  <a:solidFill>
+                    <a:schemeClr val="accent1"/>
+                  </a:solidFill>
+                </a:endParaRPr>
               </a:p>
             </p:txBody>
           </p:sp>
@@ -35994,8 +36118,8 @@
               <p:nvPr/>
             </p:nvSpPr>
             <p:spPr>
-              <a:xfrm>
-                <a:off x="768000" y="497303"/>
+              <a:xfrm rot="16200000">
+                <a:off x="97555" y="1695809"/>
                 <a:ext cx="498213" cy="421782"/>
               </a:xfrm>
               <a:prstGeom prst="rect">
@@ -36004,7 +36128,7 @@
               <a:blipFill>
                 <a:blip r:embed="rId5"/>
                 <a:stretch>
-                  <a:fillRect l="-7317" b="-7246"/>
+                  <a:fillRect r="-5797" b="-6098"/>
                 </a:stretch>
               </a:blipFill>
             </p:spPr>
@@ -36038,8 +36162,8 @@
               <p:nvPr/>
             </p:nvSpPr>
             <p:spPr>
-              <a:xfrm>
-                <a:off x="767999" y="3536658"/>
+              <a:xfrm rot="16200000">
+                <a:off x="174420" y="4663843"/>
                 <a:ext cx="498213" cy="421782"/>
               </a:xfrm>
               <a:prstGeom prst="rect">
@@ -36054,7 +36178,11 @@
               <a:lstStyle/>
               <a:p>
                 <a:r>
-                  <a:rPr lang="de-DE" sz="1600" dirty="0"/>
+                  <a:rPr lang="de-DE" sz="1600" dirty="0">
+                    <a:solidFill>
+                      <a:srgbClr val="0070C0"/>
+                    </a:solidFill>
+                  </a:rPr>
                   <a:t>v/</a:t>
                 </a:r>
                 <a14:m>
@@ -36063,6 +36191,9 @@
                       <m:fPr>
                         <m:ctrlPr>
                           <a:rPr lang="de-DE" sz="1600" b="0" i="1" smtClean="0">
+                            <a:solidFill>
+                              <a:srgbClr val="0070C0"/>
+                            </a:solidFill>
                             <a:latin typeface="Cambria Math" panose="02040503050406030204" pitchFamily="18" charset="0"/>
                           </a:rPr>
                         </m:ctrlPr>
@@ -36070,6 +36201,9 @@
                       <m:num>
                         <m:r>
                           <a:rPr lang="de-DE" sz="1600" b="0" i="1" smtClean="0">
+                            <a:solidFill>
+                              <a:srgbClr val="0070C0"/>
+                            </a:solidFill>
                             <a:latin typeface="Cambria Math" panose="02040503050406030204" pitchFamily="18" charset="0"/>
                           </a:rPr>
                           <m:t>𝑚</m:t>
@@ -36078,6 +36212,9 @@
                       <m:den>
                         <m:r>
                           <a:rPr lang="de-DE" sz="1600" b="0" i="1" smtClean="0">
+                            <a:solidFill>
+                              <a:srgbClr val="0070C0"/>
+                            </a:solidFill>
                             <a:latin typeface="Cambria Math" panose="02040503050406030204" pitchFamily="18" charset="0"/>
                           </a:rPr>
                           <m:t>𝑠</m:t>
@@ -36086,7 +36223,11 @@
                     </m:f>
                   </m:oMath>
                 </a14:m>
-                <a:endParaRPr lang="en-US" sz="1600" dirty="0"/>
+                <a:endParaRPr lang="en-US" sz="1600" dirty="0">
+                  <a:solidFill>
+                    <a:srgbClr val="0070C0"/>
+                  </a:solidFill>
+                </a:endParaRPr>
               </a:p>
             </p:txBody>
           </p:sp>
@@ -36107,8 +36248,8 @@
               <p:nvPr/>
             </p:nvSpPr>
             <p:spPr>
-              <a:xfrm>
-                <a:off x="767999" y="3536658"/>
+              <a:xfrm rot="16200000">
+                <a:off x="174420" y="4663843"/>
                 <a:ext cx="498213" cy="421782"/>
               </a:xfrm>
               <a:prstGeom prst="rect">
@@ -36117,7 +36258,7 @@
               <a:blipFill>
                 <a:blip r:embed="rId6"/>
                 <a:stretch>
-                  <a:fillRect l="-7317" b="-7246"/>
+                  <a:fillRect r="-7246" b="-6098"/>
                 </a:stretch>
               </a:blipFill>
             </p:spPr>
@@ -36150,7 +36291,7 @@
         </p:nvSpPr>
         <p:spPr>
           <a:xfrm>
-            <a:off x="767999" y="3224979"/>
+            <a:off x="824223" y="3305421"/>
             <a:ext cx="3392980" cy="276999"/>
           </a:xfrm>
           <a:prstGeom prst="rect">
@@ -36186,7 +36327,7 @@
         </p:nvSpPr>
         <p:spPr>
           <a:xfrm>
-            <a:off x="767999" y="6290324"/>
+            <a:off x="824223" y="6256323"/>
             <a:ext cx="3392980" cy="276999"/>
           </a:xfrm>
           <a:prstGeom prst="rect">
